--- a/GFF提出作品プレゼン.pptx
+++ b/GFF提出作品プレゼン.pptx
@@ -2,21 +2,22 @@
 <file path=ppt/presentation.xml><?xml version="1.0" encoding="utf-8"?>
 <p:presentation xmlns:a="http://schemas.openxmlformats.org/drawingml/2006/main" xmlns:r="http://schemas.openxmlformats.org/officeDocument/2006/relationships" xmlns:p="http://schemas.openxmlformats.org/presentationml/2006/main" saveSubsetFonts="1">
   <p:sldMasterIdLst>
-    <p:sldMasterId id="2147483648" r:id="rId1"/>
+    <p:sldMasterId id="2147483767" r:id="rId1"/>
   </p:sldMasterIdLst>
   <p:sldIdLst>
     <p:sldId id="256" r:id="rId2"/>
     <p:sldId id="257" r:id="rId3"/>
     <p:sldId id="258" r:id="rId4"/>
+    <p:sldId id="259" r:id="rId5"/>
   </p:sldIdLst>
   <p:sldSz cx="12192000" cy="6858000"/>
   <p:notesSz cx="6858000" cy="9144000"/>
   <p:defaultTextStyle>
     <a:defPPr>
-      <a:defRPr lang="ja-JP"/>
+      <a:defRPr lang="en-US"/>
     </a:defPPr>
-    <a:lvl1pPr marL="0" algn="l" defTabSz="914400" rtl="0" eaLnBrk="1" latinLnBrk="0" hangingPunct="1">
-      <a:defRPr kumimoji="1" sz="1800" kern="1200">
+    <a:lvl1pPr marL="0" algn="l" defTabSz="457200" rtl="0" eaLnBrk="1" latinLnBrk="0" hangingPunct="1">
+      <a:defRPr sz="1800" kern="1200">
         <a:solidFill>
           <a:schemeClr val="tx1"/>
         </a:solidFill>
@@ -25,8 +26,8 @@
         <a:cs typeface="+mn-cs"/>
       </a:defRPr>
     </a:lvl1pPr>
-    <a:lvl2pPr marL="457200" algn="l" defTabSz="914400" rtl="0" eaLnBrk="1" latinLnBrk="0" hangingPunct="1">
-      <a:defRPr kumimoji="1" sz="1800" kern="1200">
+    <a:lvl2pPr marL="457200" algn="l" defTabSz="457200" rtl="0" eaLnBrk="1" latinLnBrk="0" hangingPunct="1">
+      <a:defRPr sz="1800" kern="1200">
         <a:solidFill>
           <a:schemeClr val="tx1"/>
         </a:solidFill>
@@ -35,8 +36,8 @@
         <a:cs typeface="+mn-cs"/>
       </a:defRPr>
     </a:lvl2pPr>
-    <a:lvl3pPr marL="914400" algn="l" defTabSz="914400" rtl="0" eaLnBrk="1" latinLnBrk="0" hangingPunct="1">
-      <a:defRPr kumimoji="1" sz="1800" kern="1200">
+    <a:lvl3pPr marL="914400" algn="l" defTabSz="457200" rtl="0" eaLnBrk="1" latinLnBrk="0" hangingPunct="1">
+      <a:defRPr sz="1800" kern="1200">
         <a:solidFill>
           <a:schemeClr val="tx1"/>
         </a:solidFill>
@@ -45,8 +46,8 @@
         <a:cs typeface="+mn-cs"/>
       </a:defRPr>
     </a:lvl3pPr>
-    <a:lvl4pPr marL="1371600" algn="l" defTabSz="914400" rtl="0" eaLnBrk="1" latinLnBrk="0" hangingPunct="1">
-      <a:defRPr kumimoji="1" sz="1800" kern="1200">
+    <a:lvl4pPr marL="1371600" algn="l" defTabSz="457200" rtl="0" eaLnBrk="1" latinLnBrk="0" hangingPunct="1">
+      <a:defRPr sz="1800" kern="1200">
         <a:solidFill>
           <a:schemeClr val="tx1"/>
         </a:solidFill>
@@ -55,8 +56,8 @@
         <a:cs typeface="+mn-cs"/>
       </a:defRPr>
     </a:lvl4pPr>
-    <a:lvl5pPr marL="1828800" algn="l" defTabSz="914400" rtl="0" eaLnBrk="1" latinLnBrk="0" hangingPunct="1">
-      <a:defRPr kumimoji="1" sz="1800" kern="1200">
+    <a:lvl5pPr marL="1828800" algn="l" defTabSz="457200" rtl="0" eaLnBrk="1" latinLnBrk="0" hangingPunct="1">
+      <a:defRPr sz="1800" kern="1200">
         <a:solidFill>
           <a:schemeClr val="tx1"/>
         </a:solidFill>
@@ -65,8 +66,8 @@
         <a:cs typeface="+mn-cs"/>
       </a:defRPr>
     </a:lvl5pPr>
-    <a:lvl6pPr marL="2286000" algn="l" defTabSz="914400" rtl="0" eaLnBrk="1" latinLnBrk="0" hangingPunct="1">
-      <a:defRPr kumimoji="1" sz="1800" kern="1200">
+    <a:lvl6pPr marL="2286000" algn="l" defTabSz="457200" rtl="0" eaLnBrk="1" latinLnBrk="0" hangingPunct="1">
+      <a:defRPr sz="1800" kern="1200">
         <a:solidFill>
           <a:schemeClr val="tx1"/>
         </a:solidFill>
@@ -75,8 +76,8 @@
         <a:cs typeface="+mn-cs"/>
       </a:defRPr>
     </a:lvl6pPr>
-    <a:lvl7pPr marL="2743200" algn="l" defTabSz="914400" rtl="0" eaLnBrk="1" latinLnBrk="0" hangingPunct="1">
-      <a:defRPr kumimoji="1" sz="1800" kern="1200">
+    <a:lvl7pPr marL="2743200" algn="l" defTabSz="457200" rtl="0" eaLnBrk="1" latinLnBrk="0" hangingPunct="1">
+      <a:defRPr sz="1800" kern="1200">
         <a:solidFill>
           <a:schemeClr val="tx1"/>
         </a:solidFill>
@@ -85,8 +86,8 @@
         <a:cs typeface="+mn-cs"/>
       </a:defRPr>
     </a:lvl7pPr>
-    <a:lvl8pPr marL="3200400" algn="l" defTabSz="914400" rtl="0" eaLnBrk="1" latinLnBrk="0" hangingPunct="1">
-      <a:defRPr kumimoji="1" sz="1800" kern="1200">
+    <a:lvl8pPr marL="3200400" algn="l" defTabSz="457200" rtl="0" eaLnBrk="1" latinLnBrk="0" hangingPunct="1">
+      <a:defRPr sz="1800" kern="1200">
         <a:solidFill>
           <a:schemeClr val="tx1"/>
         </a:solidFill>
@@ -95,8 +96,8 @@
         <a:cs typeface="+mn-cs"/>
       </a:defRPr>
     </a:lvl8pPr>
-    <a:lvl9pPr marL="3657600" algn="l" defTabSz="914400" rtl="0" eaLnBrk="1" latinLnBrk="0" hangingPunct="1">
-      <a:defRPr kumimoji="1" sz="1800" kern="1200">
+    <a:lvl9pPr marL="3657600" algn="l" defTabSz="457200" rtl="0" eaLnBrk="1" latinLnBrk="0" hangingPunct="1">
+      <a:defRPr sz="1800" kern="1200">
         <a:solidFill>
           <a:schemeClr val="tx1"/>
         </a:solidFill>
@@ -106,6 +107,11 @@
       </a:defRPr>
     </a:lvl9pPr>
   </p:defaultTextStyle>
+  <p:extLst>
+    <p:ext uri="{EFAFB233-063F-42B5-8137-9DF3F51BA10A}">
+      <p15:sldGuideLst xmlns:p15="http://schemas.microsoft.com/office/powerpoint/2012/main"/>
+    </p:ext>
+  </p:extLst>
 </p:presentation>
 </file>
 
@@ -128,7 +134,7 @@
       </p:grpSpPr>
       <p:sp>
         <p:nvSpPr>
-          <p:cNvPr id="2" name="タイトル 1"/>
+          <p:cNvPr id="2" name="Title 1"/>
           <p:cNvSpPr>
             <a:spLocks noGrp="1"/>
           </p:cNvSpPr>
@@ -138,29 +144,31 @@
         </p:nvSpPr>
         <p:spPr>
           <a:xfrm>
-            <a:off x="1524000" y="1122363"/>
-            <a:ext cx="9144000" cy="2387600"/>
+            <a:off x="1595269" y="1122363"/>
+            <a:ext cx="9001462" cy="2387600"/>
           </a:xfrm>
         </p:spPr>
         <p:txBody>
-          <a:bodyPr anchor="b"/>
+          <a:bodyPr anchor="b">
+            <a:normAutofit/>
+          </a:bodyPr>
           <a:lstStyle>
             <a:lvl1pPr algn="ctr">
-              <a:defRPr sz="6000"/>
+              <a:defRPr sz="4800"/>
             </a:lvl1pPr>
           </a:lstStyle>
           <a:p>
             <a:r>
-              <a:rPr kumimoji="1" lang="ja-JP" altLang="en-US" smtClean="0"/>
+              <a:rPr lang="ja-JP" altLang="en-US" smtClean="0"/>
               <a:t>マスター タイトルの書式設定</a:t>
             </a:r>
-            <a:endParaRPr kumimoji="1" lang="ja-JP" altLang="en-US"/>
-          </a:p>
-        </p:txBody>
-      </p:sp>
-      <p:sp>
-        <p:nvSpPr>
-          <p:cNvPr id="3" name="サブタイトル 2"/>
+            <a:endParaRPr lang="en-US" dirty="0"/>
+          </a:p>
+        </p:txBody>
+      </p:sp>
+      <p:sp>
+        <p:nvSpPr>
+          <p:cNvPr id="3" name="Subtitle 2"/>
           <p:cNvSpPr>
             <a:spLocks noGrp="1"/>
           </p:cNvSpPr>
@@ -170,8 +178,8 @@
         </p:nvSpPr>
         <p:spPr>
           <a:xfrm>
-            <a:off x="1524000" y="3602038"/>
-            <a:ext cx="9144000" cy="1655762"/>
+            <a:off x="1595269" y="3602038"/>
+            <a:ext cx="9001462" cy="1655762"/>
           </a:xfrm>
         </p:spPr>
         <p:txBody>
@@ -216,16 +224,16 @@
           </a:lstStyle>
           <a:p>
             <a:r>
-              <a:rPr kumimoji="1" lang="ja-JP" altLang="en-US" smtClean="0"/>
+              <a:rPr lang="ja-JP" altLang="en-US" smtClean="0"/>
               <a:t>マスター サブタイトルの書式設定</a:t>
             </a:r>
-            <a:endParaRPr kumimoji="1" lang="ja-JP" altLang="en-US"/>
-          </a:p>
-        </p:txBody>
-      </p:sp>
-      <p:sp>
-        <p:nvSpPr>
-          <p:cNvPr id="4" name="日付プレースホルダー 3"/>
+            <a:endParaRPr lang="en-US" dirty="0"/>
+          </a:p>
+        </p:txBody>
+      </p:sp>
+      <p:sp>
+        <p:nvSpPr>
+          <p:cNvPr id="4" name="Date Placeholder 3"/>
           <p:cNvSpPr>
             <a:spLocks noGrp="1"/>
           </p:cNvSpPr>
@@ -248,7 +256,7 @@
       </p:sp>
       <p:sp>
         <p:nvSpPr>
-          <p:cNvPr id="5" name="フッター プレースホルダー 4"/>
+          <p:cNvPr id="5" name="Footer Placeholder 4"/>
           <p:cNvSpPr>
             <a:spLocks noGrp="1"/>
           </p:cNvSpPr>
@@ -267,7 +275,7 @@
       </p:sp>
       <p:sp>
         <p:nvSpPr>
-          <p:cNvPr id="6" name="スライド番号プレースホルダー 5"/>
+          <p:cNvPr id="6" name="Slide Number Placeholder 5"/>
           <p:cNvSpPr>
             <a:spLocks noGrp="1"/>
           </p:cNvSpPr>
@@ -291,7 +299,7 @@
     </p:spTree>
     <p:extLst>
       <p:ext uri="{BB962C8B-B14F-4D97-AF65-F5344CB8AC3E}">
-        <p14:creationId xmlns:p14="http://schemas.microsoft.com/office/powerpoint/2010/main" val="1542055111"/>
+        <p14:creationId xmlns:p14="http://schemas.microsoft.com/office/powerpoint/2010/main" val="2014572657"/>
       </p:ext>
     </p:extLst>
   </p:cSld>
@@ -302,6 +310,2556 @@
 </file>
 
 <file path=ppt/slideLayouts/slideLayout10.xml><?xml version="1.0" encoding="utf-8"?>
+<p:sldLayout xmlns:a="http://schemas.openxmlformats.org/drawingml/2006/main" xmlns:r="http://schemas.openxmlformats.org/officeDocument/2006/relationships" xmlns:p="http://schemas.openxmlformats.org/presentationml/2006/main" preserve="1">
+  <p:cSld name="パノラマ写真 (キャプション付き)">
+    <p:spTree>
+      <p:nvGrpSpPr>
+        <p:cNvPr id="1" name=""/>
+        <p:cNvGrpSpPr/>
+        <p:nvPr/>
+      </p:nvGrpSpPr>
+      <p:grpSpPr>
+        <a:xfrm>
+          <a:off x="0" y="0"/>
+          <a:ext cx="0" cy="0"/>
+          <a:chOff x="0" y="0"/>
+          <a:chExt cx="0" cy="0"/>
+        </a:xfrm>
+      </p:grpSpPr>
+      <p:sp>
+        <p:nvSpPr>
+          <p:cNvPr id="2" name="Title 1"/>
+          <p:cNvSpPr>
+            <a:spLocks noGrp="1"/>
+          </p:cNvSpPr>
+          <p:nvPr>
+            <p:ph type="title"/>
+          </p:nvPr>
+        </p:nvSpPr>
+        <p:spPr>
+          <a:xfrm>
+            <a:off x="913806" y="4289372"/>
+            <a:ext cx="10367564" cy="819355"/>
+          </a:xfrm>
+        </p:spPr>
+        <p:txBody>
+          <a:bodyPr anchor="b">
+            <a:normAutofit/>
+          </a:bodyPr>
+          <a:lstStyle>
+            <a:lvl1pPr>
+              <a:defRPr sz="2800"/>
+            </a:lvl1pPr>
+          </a:lstStyle>
+          <a:p>
+            <a:r>
+              <a:rPr lang="ja-JP" altLang="en-US" smtClean="0"/>
+              <a:t>マスター タイトルの書式設定</a:t>
+            </a:r>
+            <a:endParaRPr lang="en-US" dirty="0"/>
+          </a:p>
+        </p:txBody>
+      </p:sp>
+      <p:sp>
+        <p:nvSpPr>
+          <p:cNvPr id="3" name="Picture Placeholder 2"/>
+          <p:cNvSpPr>
+            <a:spLocks noGrp="1" noChangeAspect="1"/>
+          </p:cNvSpPr>
+          <p:nvPr>
+            <p:ph type="pic" idx="1"/>
+          </p:nvPr>
+        </p:nvSpPr>
+        <p:spPr>
+          <a:xfrm>
+            <a:off x="913806" y="621321"/>
+            <a:ext cx="10367564" cy="3379735"/>
+          </a:xfrm>
+          <a:noFill/>
+          <a:ln w="190500" cap="sq">
+            <a:solidFill>
+              <a:srgbClr val="FFFFFF"/>
+            </a:solidFill>
+            <a:miter lim="800000"/>
+          </a:ln>
+          <a:effectLst>
+            <a:outerShdw blurRad="55000" dist="18000" dir="5400000" algn="tl" rotWithShape="0">
+              <a:srgbClr val="000000">
+                <a:alpha val="40000"/>
+              </a:srgbClr>
+            </a:outerShdw>
+          </a:effectLst>
+          <a:scene3d>
+            <a:camera prst="orthographicFront"/>
+            <a:lightRig rig="twoPt" dir="t">
+              <a:rot lat="0" lon="0" rev="7200000"/>
+            </a:lightRig>
+          </a:scene3d>
+          <a:sp3d>
+            <a:bevelT w="25400" h="19050"/>
+            <a:contourClr>
+              <a:srgbClr val="FFFFFF"/>
+            </a:contourClr>
+          </a:sp3d>
+        </p:spPr>
+        <p:txBody>
+          <a:bodyPr anchor="t"/>
+          <a:lstStyle>
+            <a:lvl1pPr marL="0" indent="0" algn="ctr">
+              <a:buNone/>
+              <a:defRPr sz="3200"/>
+            </a:lvl1pPr>
+            <a:lvl2pPr marL="457200" indent="0">
+              <a:buNone/>
+              <a:defRPr sz="2800"/>
+            </a:lvl2pPr>
+            <a:lvl3pPr marL="914400" indent="0">
+              <a:buNone/>
+              <a:defRPr sz="2400"/>
+            </a:lvl3pPr>
+            <a:lvl4pPr marL="1371600" indent="0">
+              <a:buNone/>
+              <a:defRPr sz="2000"/>
+            </a:lvl4pPr>
+            <a:lvl5pPr marL="1828800" indent="0">
+              <a:buNone/>
+              <a:defRPr sz="2000"/>
+            </a:lvl5pPr>
+            <a:lvl6pPr marL="2286000" indent="0">
+              <a:buNone/>
+              <a:defRPr sz="2000"/>
+            </a:lvl6pPr>
+            <a:lvl7pPr marL="2743200" indent="0">
+              <a:buNone/>
+              <a:defRPr sz="2000"/>
+            </a:lvl7pPr>
+            <a:lvl8pPr marL="3200400" indent="0">
+              <a:buNone/>
+              <a:defRPr sz="2000"/>
+            </a:lvl8pPr>
+            <a:lvl9pPr marL="3657600" indent="0">
+              <a:buNone/>
+              <a:defRPr sz="2000"/>
+            </a:lvl9pPr>
+          </a:lstStyle>
+          <a:p>
+            <a:r>
+              <a:rPr lang="ja-JP" altLang="en-US" smtClean="0"/>
+              <a:t>図を追加</a:t>
+            </a:r>
+            <a:endParaRPr lang="en-US" dirty="0"/>
+          </a:p>
+        </p:txBody>
+      </p:sp>
+      <p:sp>
+        <p:nvSpPr>
+          <p:cNvPr id="4" name="Text Placeholder 3"/>
+          <p:cNvSpPr>
+            <a:spLocks noGrp="1"/>
+          </p:cNvSpPr>
+          <p:nvPr>
+            <p:ph type="body" sz="half" idx="2"/>
+          </p:nvPr>
+        </p:nvSpPr>
+        <p:spPr>
+          <a:xfrm>
+            <a:off x="913795" y="5108728"/>
+            <a:ext cx="10365998" cy="682472"/>
+          </a:xfrm>
+        </p:spPr>
+        <p:txBody>
+          <a:bodyPr>
+            <a:normAutofit/>
+          </a:bodyPr>
+          <a:lstStyle>
+            <a:lvl1pPr marL="0" indent="0" algn="ctr">
+              <a:buNone/>
+              <a:defRPr sz="1800"/>
+            </a:lvl1pPr>
+            <a:lvl2pPr marL="457200" indent="0">
+              <a:buNone/>
+              <a:defRPr sz="1400"/>
+            </a:lvl2pPr>
+            <a:lvl3pPr marL="914400" indent="0">
+              <a:buNone/>
+              <a:defRPr sz="1200"/>
+            </a:lvl3pPr>
+            <a:lvl4pPr marL="1371600" indent="0">
+              <a:buNone/>
+              <a:defRPr sz="1000"/>
+            </a:lvl4pPr>
+            <a:lvl5pPr marL="1828800" indent="0">
+              <a:buNone/>
+              <a:defRPr sz="1000"/>
+            </a:lvl5pPr>
+            <a:lvl6pPr marL="2286000" indent="0">
+              <a:buNone/>
+              <a:defRPr sz="1000"/>
+            </a:lvl6pPr>
+            <a:lvl7pPr marL="2743200" indent="0">
+              <a:buNone/>
+              <a:defRPr sz="1000"/>
+            </a:lvl7pPr>
+            <a:lvl8pPr marL="3200400" indent="0">
+              <a:buNone/>
+              <a:defRPr sz="1000"/>
+            </a:lvl8pPr>
+            <a:lvl9pPr marL="3657600" indent="0">
+              <a:buNone/>
+              <a:defRPr sz="1000"/>
+            </a:lvl9pPr>
+          </a:lstStyle>
+          <a:p>
+            <a:pPr lvl="0"/>
+            <a:r>
+              <a:rPr lang="ja-JP" altLang="en-US" smtClean="0"/>
+              <a:t>マスター テキストの書式設定</a:t>
+            </a:r>
+          </a:p>
+        </p:txBody>
+      </p:sp>
+      <p:sp>
+        <p:nvSpPr>
+          <p:cNvPr id="5" name="Date Placeholder 4"/>
+          <p:cNvSpPr>
+            <a:spLocks noGrp="1"/>
+          </p:cNvSpPr>
+          <p:nvPr>
+            <p:ph type="dt" sz="half" idx="10"/>
+          </p:nvPr>
+        </p:nvSpPr>
+        <p:spPr/>
+        <p:txBody>
+          <a:bodyPr/>
+          <a:lstStyle/>
+          <a:p>
+            <a:fld id="{35AA80D5-8410-4C48-99E3-6682EC04A757}" type="datetimeFigureOut">
+              <a:rPr kumimoji="1" lang="ja-JP" altLang="en-US" smtClean="0"/>
+              <a:t>2019/11/19</a:t>
+            </a:fld>
+            <a:endParaRPr kumimoji="1" lang="ja-JP" altLang="en-US"/>
+          </a:p>
+        </p:txBody>
+      </p:sp>
+      <p:sp>
+        <p:nvSpPr>
+          <p:cNvPr id="6" name="Footer Placeholder 5"/>
+          <p:cNvSpPr>
+            <a:spLocks noGrp="1"/>
+          </p:cNvSpPr>
+          <p:nvPr>
+            <p:ph type="ftr" sz="quarter" idx="11"/>
+          </p:nvPr>
+        </p:nvSpPr>
+        <p:spPr/>
+        <p:txBody>
+          <a:bodyPr/>
+          <a:lstStyle/>
+          <a:p>
+            <a:endParaRPr kumimoji="1" lang="ja-JP" altLang="en-US"/>
+          </a:p>
+        </p:txBody>
+      </p:sp>
+      <p:sp>
+        <p:nvSpPr>
+          <p:cNvPr id="7" name="Slide Number Placeholder 6"/>
+          <p:cNvSpPr>
+            <a:spLocks noGrp="1"/>
+          </p:cNvSpPr>
+          <p:nvPr>
+            <p:ph type="sldNum" sz="quarter" idx="12"/>
+          </p:nvPr>
+        </p:nvSpPr>
+        <p:spPr/>
+        <p:txBody>
+          <a:bodyPr/>
+          <a:lstStyle/>
+          <a:p>
+            <a:fld id="{2989D18C-571D-4DB1-B733-2BAB920AC529}" type="slidenum">
+              <a:rPr kumimoji="1" lang="ja-JP" altLang="en-US" smtClean="0"/>
+              <a:t>‹#›</a:t>
+            </a:fld>
+            <a:endParaRPr kumimoji="1" lang="ja-JP" altLang="en-US"/>
+          </a:p>
+        </p:txBody>
+      </p:sp>
+    </p:spTree>
+    <p:extLst>
+      <p:ext uri="{BB962C8B-B14F-4D97-AF65-F5344CB8AC3E}">
+        <p14:creationId xmlns:p14="http://schemas.microsoft.com/office/powerpoint/2010/main" val="3186520980"/>
+      </p:ext>
+    </p:extLst>
+  </p:cSld>
+  <p:clrMapOvr>
+    <a:masterClrMapping/>
+  </p:clrMapOvr>
+</p:sldLayout>
+</file>
+
+<file path=ppt/slideLayouts/slideLayout11.xml><?xml version="1.0" encoding="utf-8"?>
+<p:sldLayout xmlns:a="http://schemas.openxmlformats.org/drawingml/2006/main" xmlns:r="http://schemas.openxmlformats.org/officeDocument/2006/relationships" xmlns:p="http://schemas.openxmlformats.org/presentationml/2006/main" preserve="1">
+  <p:cSld name="タイトルとキャプション">
+    <p:spTree>
+      <p:nvGrpSpPr>
+        <p:cNvPr id="1" name=""/>
+        <p:cNvGrpSpPr/>
+        <p:nvPr/>
+      </p:nvGrpSpPr>
+      <p:grpSpPr>
+        <a:xfrm>
+          <a:off x="0" y="0"/>
+          <a:ext cx="0" cy="0"/>
+          <a:chOff x="0" y="0"/>
+          <a:chExt cx="0" cy="0"/>
+        </a:xfrm>
+      </p:grpSpPr>
+      <p:sp>
+        <p:nvSpPr>
+          <p:cNvPr id="2" name="Title 1"/>
+          <p:cNvSpPr>
+            <a:spLocks noGrp="1"/>
+          </p:cNvSpPr>
+          <p:nvPr>
+            <p:ph type="title"/>
+          </p:nvPr>
+        </p:nvSpPr>
+        <p:spPr>
+          <a:xfrm>
+            <a:off x="913795" y="609600"/>
+            <a:ext cx="10353762" cy="3424859"/>
+          </a:xfrm>
+        </p:spPr>
+        <p:txBody>
+          <a:bodyPr anchor="ctr"/>
+          <a:lstStyle>
+            <a:lvl1pPr>
+              <a:defRPr sz="3200"/>
+            </a:lvl1pPr>
+          </a:lstStyle>
+          <a:p>
+            <a:r>
+              <a:rPr lang="ja-JP" altLang="en-US" smtClean="0"/>
+              <a:t>マスター タイトルの書式設定</a:t>
+            </a:r>
+            <a:endParaRPr lang="en-US" dirty="0"/>
+          </a:p>
+        </p:txBody>
+      </p:sp>
+      <p:sp>
+        <p:nvSpPr>
+          <p:cNvPr id="4" name="Text Placeholder 3"/>
+          <p:cNvSpPr>
+            <a:spLocks noGrp="1"/>
+          </p:cNvSpPr>
+          <p:nvPr>
+            <p:ph type="body" sz="half" idx="2"/>
+          </p:nvPr>
+        </p:nvSpPr>
+        <p:spPr>
+          <a:xfrm>
+            <a:off x="913795" y="4204820"/>
+            <a:ext cx="10353761" cy="1592186"/>
+          </a:xfrm>
+        </p:spPr>
+        <p:txBody>
+          <a:bodyPr anchor="ctr"/>
+          <a:lstStyle>
+            <a:lvl1pPr marL="0" indent="0" algn="ctr">
+              <a:buNone/>
+              <a:defRPr sz="1600"/>
+            </a:lvl1pPr>
+            <a:lvl2pPr marL="457200" indent="0">
+              <a:buNone/>
+              <a:defRPr sz="1400"/>
+            </a:lvl2pPr>
+            <a:lvl3pPr marL="914400" indent="0">
+              <a:buNone/>
+              <a:defRPr sz="1200"/>
+            </a:lvl3pPr>
+            <a:lvl4pPr marL="1371600" indent="0">
+              <a:buNone/>
+              <a:defRPr sz="1000"/>
+            </a:lvl4pPr>
+            <a:lvl5pPr marL="1828800" indent="0">
+              <a:buNone/>
+              <a:defRPr sz="1000"/>
+            </a:lvl5pPr>
+            <a:lvl6pPr marL="2286000" indent="0">
+              <a:buNone/>
+              <a:defRPr sz="1000"/>
+            </a:lvl6pPr>
+            <a:lvl7pPr marL="2743200" indent="0">
+              <a:buNone/>
+              <a:defRPr sz="1000"/>
+            </a:lvl7pPr>
+            <a:lvl8pPr marL="3200400" indent="0">
+              <a:buNone/>
+              <a:defRPr sz="1000"/>
+            </a:lvl8pPr>
+            <a:lvl9pPr marL="3657600" indent="0">
+              <a:buNone/>
+              <a:defRPr sz="1000"/>
+            </a:lvl9pPr>
+          </a:lstStyle>
+          <a:p>
+            <a:pPr lvl="0"/>
+            <a:r>
+              <a:rPr lang="ja-JP" altLang="en-US" smtClean="0"/>
+              <a:t>マスター テキストの書式設定</a:t>
+            </a:r>
+          </a:p>
+        </p:txBody>
+      </p:sp>
+      <p:sp>
+        <p:nvSpPr>
+          <p:cNvPr id="5" name="Date Placeholder 4"/>
+          <p:cNvSpPr>
+            <a:spLocks noGrp="1"/>
+          </p:cNvSpPr>
+          <p:nvPr>
+            <p:ph type="dt" sz="half" idx="10"/>
+          </p:nvPr>
+        </p:nvSpPr>
+        <p:spPr/>
+        <p:txBody>
+          <a:bodyPr/>
+          <a:lstStyle/>
+          <a:p>
+            <a:fld id="{35AA80D5-8410-4C48-99E3-6682EC04A757}" type="datetimeFigureOut">
+              <a:rPr kumimoji="1" lang="ja-JP" altLang="en-US" smtClean="0"/>
+              <a:t>2019/11/19</a:t>
+            </a:fld>
+            <a:endParaRPr kumimoji="1" lang="ja-JP" altLang="en-US"/>
+          </a:p>
+        </p:txBody>
+      </p:sp>
+      <p:sp>
+        <p:nvSpPr>
+          <p:cNvPr id="6" name="Footer Placeholder 5"/>
+          <p:cNvSpPr>
+            <a:spLocks noGrp="1"/>
+          </p:cNvSpPr>
+          <p:nvPr>
+            <p:ph type="ftr" sz="quarter" idx="11"/>
+          </p:nvPr>
+        </p:nvSpPr>
+        <p:spPr/>
+        <p:txBody>
+          <a:bodyPr/>
+          <a:lstStyle/>
+          <a:p>
+            <a:endParaRPr kumimoji="1" lang="ja-JP" altLang="en-US"/>
+          </a:p>
+        </p:txBody>
+      </p:sp>
+      <p:sp>
+        <p:nvSpPr>
+          <p:cNvPr id="7" name="Slide Number Placeholder 6"/>
+          <p:cNvSpPr>
+            <a:spLocks noGrp="1"/>
+          </p:cNvSpPr>
+          <p:nvPr>
+            <p:ph type="sldNum" sz="quarter" idx="12"/>
+          </p:nvPr>
+        </p:nvSpPr>
+        <p:spPr/>
+        <p:txBody>
+          <a:bodyPr/>
+          <a:lstStyle/>
+          <a:p>
+            <a:fld id="{2989D18C-571D-4DB1-B733-2BAB920AC529}" type="slidenum">
+              <a:rPr kumimoji="1" lang="ja-JP" altLang="en-US" smtClean="0"/>
+              <a:t>‹#›</a:t>
+            </a:fld>
+            <a:endParaRPr kumimoji="1" lang="ja-JP" altLang="en-US"/>
+          </a:p>
+        </p:txBody>
+      </p:sp>
+    </p:spTree>
+    <p:extLst>
+      <p:ext uri="{BB962C8B-B14F-4D97-AF65-F5344CB8AC3E}">
+        <p14:creationId xmlns:p14="http://schemas.microsoft.com/office/powerpoint/2010/main" val="1769233147"/>
+      </p:ext>
+    </p:extLst>
+  </p:cSld>
+  <p:clrMapOvr>
+    <a:masterClrMapping/>
+  </p:clrMapOvr>
+</p:sldLayout>
+</file>
+
+<file path=ppt/slideLayouts/slideLayout12.xml><?xml version="1.0" encoding="utf-8"?>
+<p:sldLayout xmlns:a="http://schemas.openxmlformats.org/drawingml/2006/main" xmlns:r="http://schemas.openxmlformats.org/officeDocument/2006/relationships" xmlns:p="http://schemas.openxmlformats.org/presentationml/2006/main" preserve="1">
+  <p:cSld name="引用 (キャプション付き)">
+    <p:spTree>
+      <p:nvGrpSpPr>
+        <p:cNvPr id="1" name=""/>
+        <p:cNvGrpSpPr/>
+        <p:nvPr/>
+      </p:nvGrpSpPr>
+      <p:grpSpPr>
+        <a:xfrm>
+          <a:off x="0" y="0"/>
+          <a:ext cx="0" cy="0"/>
+          <a:chOff x="0" y="0"/>
+          <a:chExt cx="0" cy="0"/>
+        </a:xfrm>
+      </p:grpSpPr>
+      <p:sp>
+        <p:nvSpPr>
+          <p:cNvPr id="2" name="Title 1"/>
+          <p:cNvSpPr>
+            <a:spLocks noGrp="1"/>
+          </p:cNvSpPr>
+          <p:nvPr>
+            <p:ph type="title"/>
+          </p:nvPr>
+        </p:nvSpPr>
+        <p:spPr>
+          <a:xfrm>
+            <a:off x="1446212" y="609600"/>
+            <a:ext cx="9302752" cy="2992904"/>
+          </a:xfrm>
+        </p:spPr>
+        <p:txBody>
+          <a:bodyPr anchor="ctr"/>
+          <a:lstStyle>
+            <a:lvl1pPr>
+              <a:defRPr sz="3200"/>
+            </a:lvl1pPr>
+          </a:lstStyle>
+          <a:p>
+            <a:r>
+              <a:rPr lang="ja-JP" altLang="en-US" smtClean="0"/>
+              <a:t>マスター タイトルの書式設定</a:t>
+            </a:r>
+            <a:endParaRPr lang="en-US" dirty="0"/>
+          </a:p>
+        </p:txBody>
+      </p:sp>
+      <p:sp>
+        <p:nvSpPr>
+          <p:cNvPr id="12" name="Text Placeholder 3"/>
+          <p:cNvSpPr>
+            <a:spLocks noGrp="1"/>
+          </p:cNvSpPr>
+          <p:nvPr>
+            <p:ph type="body" sz="half" idx="13"/>
+          </p:nvPr>
+        </p:nvSpPr>
+        <p:spPr>
+          <a:xfrm>
+            <a:off x="1720644" y="3610032"/>
+            <a:ext cx="8752299" cy="426812"/>
+          </a:xfrm>
+        </p:spPr>
+        <p:txBody>
+          <a:bodyPr anchor="t">
+            <a:normAutofit/>
+          </a:bodyPr>
+          <a:lstStyle>
+            <a:lvl1pPr marL="0" indent="0" algn="r">
+              <a:buNone/>
+              <a:defRPr sz="1400"/>
+            </a:lvl1pPr>
+            <a:lvl2pPr marL="457200" indent="0">
+              <a:buNone/>
+              <a:defRPr sz="1400"/>
+            </a:lvl2pPr>
+            <a:lvl3pPr marL="914400" indent="0">
+              <a:buNone/>
+              <a:defRPr sz="1200"/>
+            </a:lvl3pPr>
+            <a:lvl4pPr marL="1371600" indent="0">
+              <a:buNone/>
+              <a:defRPr sz="1000"/>
+            </a:lvl4pPr>
+            <a:lvl5pPr marL="1828800" indent="0">
+              <a:buNone/>
+              <a:defRPr sz="1000"/>
+            </a:lvl5pPr>
+            <a:lvl6pPr marL="2286000" indent="0">
+              <a:buNone/>
+              <a:defRPr sz="1000"/>
+            </a:lvl6pPr>
+            <a:lvl7pPr marL="2743200" indent="0">
+              <a:buNone/>
+              <a:defRPr sz="1000"/>
+            </a:lvl7pPr>
+            <a:lvl8pPr marL="3200400" indent="0">
+              <a:buNone/>
+              <a:defRPr sz="1000"/>
+            </a:lvl8pPr>
+            <a:lvl9pPr marL="3657600" indent="0">
+              <a:buNone/>
+              <a:defRPr sz="1000"/>
+            </a:lvl9pPr>
+          </a:lstStyle>
+          <a:p>
+            <a:pPr lvl="0"/>
+            <a:r>
+              <a:rPr lang="ja-JP" altLang="en-US" smtClean="0"/>
+              <a:t>マスター テキストの書式設定</a:t>
+            </a:r>
+          </a:p>
+        </p:txBody>
+      </p:sp>
+      <p:sp>
+        <p:nvSpPr>
+          <p:cNvPr id="4" name="Text Placeholder 3"/>
+          <p:cNvSpPr>
+            <a:spLocks noGrp="1"/>
+          </p:cNvSpPr>
+          <p:nvPr>
+            <p:ph type="body" sz="half" idx="2"/>
+          </p:nvPr>
+        </p:nvSpPr>
+        <p:spPr>
+          <a:xfrm>
+            <a:off x="913794" y="4204821"/>
+            <a:ext cx="10353762" cy="1586380"/>
+          </a:xfrm>
+        </p:spPr>
+        <p:txBody>
+          <a:bodyPr anchor="ctr">
+            <a:normAutofit/>
+          </a:bodyPr>
+          <a:lstStyle>
+            <a:lvl1pPr marL="0" indent="0" algn="ctr">
+              <a:buNone/>
+              <a:defRPr sz="1600"/>
+            </a:lvl1pPr>
+            <a:lvl2pPr marL="457200" indent="0">
+              <a:buNone/>
+              <a:defRPr sz="1400"/>
+            </a:lvl2pPr>
+            <a:lvl3pPr marL="914400" indent="0">
+              <a:buNone/>
+              <a:defRPr sz="1200"/>
+            </a:lvl3pPr>
+            <a:lvl4pPr marL="1371600" indent="0">
+              <a:buNone/>
+              <a:defRPr sz="1000"/>
+            </a:lvl4pPr>
+            <a:lvl5pPr marL="1828800" indent="0">
+              <a:buNone/>
+              <a:defRPr sz="1000"/>
+            </a:lvl5pPr>
+            <a:lvl6pPr marL="2286000" indent="0">
+              <a:buNone/>
+              <a:defRPr sz="1000"/>
+            </a:lvl6pPr>
+            <a:lvl7pPr marL="2743200" indent="0">
+              <a:buNone/>
+              <a:defRPr sz="1000"/>
+            </a:lvl7pPr>
+            <a:lvl8pPr marL="3200400" indent="0">
+              <a:buNone/>
+              <a:defRPr sz="1000"/>
+            </a:lvl8pPr>
+            <a:lvl9pPr marL="3657600" indent="0">
+              <a:buNone/>
+              <a:defRPr sz="1000"/>
+            </a:lvl9pPr>
+          </a:lstStyle>
+          <a:p>
+            <a:pPr lvl="0"/>
+            <a:r>
+              <a:rPr lang="ja-JP" altLang="en-US" smtClean="0"/>
+              <a:t>マスター テキストの書式設定</a:t>
+            </a:r>
+          </a:p>
+        </p:txBody>
+      </p:sp>
+      <p:sp>
+        <p:nvSpPr>
+          <p:cNvPr id="5" name="Date Placeholder 4"/>
+          <p:cNvSpPr>
+            <a:spLocks noGrp="1"/>
+          </p:cNvSpPr>
+          <p:nvPr>
+            <p:ph type="dt" sz="half" idx="10"/>
+          </p:nvPr>
+        </p:nvSpPr>
+        <p:spPr/>
+        <p:txBody>
+          <a:bodyPr/>
+          <a:lstStyle/>
+          <a:p>
+            <a:fld id="{35AA80D5-8410-4C48-99E3-6682EC04A757}" type="datetimeFigureOut">
+              <a:rPr kumimoji="1" lang="ja-JP" altLang="en-US" smtClean="0"/>
+              <a:t>2019/11/19</a:t>
+            </a:fld>
+            <a:endParaRPr kumimoji="1" lang="ja-JP" altLang="en-US"/>
+          </a:p>
+        </p:txBody>
+      </p:sp>
+      <p:sp>
+        <p:nvSpPr>
+          <p:cNvPr id="6" name="Footer Placeholder 5"/>
+          <p:cNvSpPr>
+            <a:spLocks noGrp="1"/>
+          </p:cNvSpPr>
+          <p:nvPr>
+            <p:ph type="ftr" sz="quarter" idx="11"/>
+          </p:nvPr>
+        </p:nvSpPr>
+        <p:spPr/>
+        <p:txBody>
+          <a:bodyPr/>
+          <a:lstStyle/>
+          <a:p>
+            <a:endParaRPr kumimoji="1" lang="ja-JP" altLang="en-US"/>
+          </a:p>
+        </p:txBody>
+      </p:sp>
+      <p:sp>
+        <p:nvSpPr>
+          <p:cNvPr id="7" name="Slide Number Placeholder 6"/>
+          <p:cNvSpPr>
+            <a:spLocks noGrp="1"/>
+          </p:cNvSpPr>
+          <p:nvPr>
+            <p:ph type="sldNum" sz="quarter" idx="12"/>
+          </p:nvPr>
+        </p:nvSpPr>
+        <p:spPr/>
+        <p:txBody>
+          <a:bodyPr/>
+          <a:lstStyle/>
+          <a:p>
+            <a:fld id="{2989D18C-571D-4DB1-B733-2BAB920AC529}" type="slidenum">
+              <a:rPr kumimoji="1" lang="ja-JP" altLang="en-US" smtClean="0"/>
+              <a:t>‹#›</a:t>
+            </a:fld>
+            <a:endParaRPr kumimoji="1" lang="ja-JP" altLang="en-US"/>
+          </a:p>
+        </p:txBody>
+      </p:sp>
+      <p:sp>
+        <p:nvSpPr>
+          <p:cNvPr id="11" name="TextBox 10"/>
+          <p:cNvSpPr txBox="1"/>
+          <p:nvPr/>
+        </p:nvSpPr>
+        <p:spPr>
+          <a:xfrm>
+            <a:off x="836612" y="735241"/>
+            <a:ext cx="609600" cy="584776"/>
+          </a:xfrm>
+          <a:prstGeom prst="rect">
+            <a:avLst/>
+          </a:prstGeom>
+        </p:spPr>
+        <p:txBody>
+          <a:bodyPr vert="horz" lIns="91440" tIns="45720" rIns="91440" bIns="45720" rtlCol="0" anchor="ctr">
+            <a:noAutofit/>
+          </a:bodyPr>
+          <a:lstStyle>
+            <a:lvl1pPr>
+              <a:spcBef>
+                <a:spcPct val="0"/>
+              </a:spcBef>
+              <a:buNone/>
+              <a:defRPr sz="3200" b="0" cap="all">
+                <a:ln w="3175" cmpd="sng">
+                  <a:noFill/>
+                </a:ln>
+                <a:effectLst>
+                  <a:glow rad="38100">
+                    <a:schemeClr val="bg1">
+                      <a:lumMod val="65000"/>
+                      <a:lumOff val="35000"/>
+                      <a:alpha val="40000"/>
+                    </a:schemeClr>
+                  </a:glow>
+                  <a:outerShdw blurRad="28575" dist="38100" dir="14040000" algn="tl" rotWithShape="0">
+                    <a:srgbClr val="000000">
+                      <a:alpha val="25000"/>
+                    </a:srgbClr>
+                  </a:outerShdw>
+                </a:effectLst>
+              </a:defRPr>
+            </a:lvl1pPr>
+            <a:lvl2pPr>
+              <a:defRPr>
+                <a:solidFill>
+                  <a:schemeClr val="tx2"/>
+                </a:solidFill>
+              </a:defRPr>
+            </a:lvl2pPr>
+            <a:lvl3pPr>
+              <a:defRPr>
+                <a:solidFill>
+                  <a:schemeClr val="tx2"/>
+                </a:solidFill>
+              </a:defRPr>
+            </a:lvl3pPr>
+            <a:lvl4pPr>
+              <a:defRPr>
+                <a:solidFill>
+                  <a:schemeClr val="tx2"/>
+                </a:solidFill>
+              </a:defRPr>
+            </a:lvl4pPr>
+            <a:lvl5pPr>
+              <a:defRPr>
+                <a:solidFill>
+                  <a:schemeClr val="tx2"/>
+                </a:solidFill>
+              </a:defRPr>
+            </a:lvl5pPr>
+            <a:lvl6pPr>
+              <a:defRPr>
+                <a:solidFill>
+                  <a:schemeClr val="tx2"/>
+                </a:solidFill>
+              </a:defRPr>
+            </a:lvl6pPr>
+            <a:lvl7pPr>
+              <a:defRPr>
+                <a:solidFill>
+                  <a:schemeClr val="tx2"/>
+                </a:solidFill>
+              </a:defRPr>
+            </a:lvl7pPr>
+            <a:lvl8pPr>
+              <a:defRPr>
+                <a:solidFill>
+                  <a:schemeClr val="tx2"/>
+                </a:solidFill>
+              </a:defRPr>
+            </a:lvl8pPr>
+            <a:lvl9pPr>
+              <a:defRPr>
+                <a:solidFill>
+                  <a:schemeClr val="tx2"/>
+                </a:solidFill>
+              </a:defRPr>
+            </a:lvl9pPr>
+          </a:lstStyle>
+          <a:p>
+            <a:pPr lvl="0"/>
+            <a:r>
+              <a:rPr lang="en-US" sz="8000" dirty="0">
+                <a:solidFill>
+                  <a:schemeClr val="tx1"/>
+                </a:solidFill>
+                <a:effectLst/>
+              </a:rPr>
+              <a:t>“</a:t>
+            </a:r>
+          </a:p>
+        </p:txBody>
+      </p:sp>
+      <p:sp>
+        <p:nvSpPr>
+          <p:cNvPr id="13" name="TextBox 12"/>
+          <p:cNvSpPr txBox="1"/>
+          <p:nvPr/>
+        </p:nvSpPr>
+        <p:spPr>
+          <a:xfrm>
+            <a:off x="10657956" y="2972093"/>
+            <a:ext cx="609600" cy="584776"/>
+          </a:xfrm>
+          <a:prstGeom prst="rect">
+            <a:avLst/>
+          </a:prstGeom>
+        </p:spPr>
+        <p:txBody>
+          <a:bodyPr vert="horz" lIns="91440" tIns="45720" rIns="91440" bIns="45720" rtlCol="0" anchor="ctr">
+            <a:noAutofit/>
+          </a:bodyPr>
+          <a:lstStyle>
+            <a:lvl1pPr>
+              <a:spcBef>
+                <a:spcPct val="0"/>
+              </a:spcBef>
+              <a:buNone/>
+              <a:defRPr sz="3200" b="0" cap="all">
+                <a:ln w="3175" cmpd="sng">
+                  <a:noFill/>
+                </a:ln>
+                <a:effectLst>
+                  <a:glow rad="38100">
+                    <a:schemeClr val="bg1">
+                      <a:lumMod val="65000"/>
+                      <a:lumOff val="35000"/>
+                      <a:alpha val="40000"/>
+                    </a:schemeClr>
+                  </a:glow>
+                  <a:outerShdw blurRad="28575" dist="38100" dir="14040000" algn="tl" rotWithShape="0">
+                    <a:srgbClr val="000000">
+                      <a:alpha val="25000"/>
+                    </a:srgbClr>
+                  </a:outerShdw>
+                </a:effectLst>
+              </a:defRPr>
+            </a:lvl1pPr>
+            <a:lvl2pPr>
+              <a:defRPr>
+                <a:solidFill>
+                  <a:schemeClr val="tx2"/>
+                </a:solidFill>
+              </a:defRPr>
+            </a:lvl2pPr>
+            <a:lvl3pPr>
+              <a:defRPr>
+                <a:solidFill>
+                  <a:schemeClr val="tx2"/>
+                </a:solidFill>
+              </a:defRPr>
+            </a:lvl3pPr>
+            <a:lvl4pPr>
+              <a:defRPr>
+                <a:solidFill>
+                  <a:schemeClr val="tx2"/>
+                </a:solidFill>
+              </a:defRPr>
+            </a:lvl4pPr>
+            <a:lvl5pPr>
+              <a:defRPr>
+                <a:solidFill>
+                  <a:schemeClr val="tx2"/>
+                </a:solidFill>
+              </a:defRPr>
+            </a:lvl5pPr>
+            <a:lvl6pPr>
+              <a:defRPr>
+                <a:solidFill>
+                  <a:schemeClr val="tx2"/>
+                </a:solidFill>
+              </a:defRPr>
+            </a:lvl6pPr>
+            <a:lvl7pPr>
+              <a:defRPr>
+                <a:solidFill>
+                  <a:schemeClr val="tx2"/>
+                </a:solidFill>
+              </a:defRPr>
+            </a:lvl7pPr>
+            <a:lvl8pPr>
+              <a:defRPr>
+                <a:solidFill>
+                  <a:schemeClr val="tx2"/>
+                </a:solidFill>
+              </a:defRPr>
+            </a:lvl8pPr>
+            <a:lvl9pPr>
+              <a:defRPr>
+                <a:solidFill>
+                  <a:schemeClr val="tx2"/>
+                </a:solidFill>
+              </a:defRPr>
+            </a:lvl9pPr>
+          </a:lstStyle>
+          <a:p>
+            <a:pPr lvl="0" algn="r"/>
+            <a:r>
+              <a:rPr lang="en-US" sz="8000" dirty="0">
+                <a:solidFill>
+                  <a:schemeClr val="tx1"/>
+                </a:solidFill>
+                <a:effectLst/>
+              </a:rPr>
+              <a:t>”</a:t>
+            </a:r>
+          </a:p>
+        </p:txBody>
+      </p:sp>
+    </p:spTree>
+    <p:extLst>
+      <p:ext uri="{BB962C8B-B14F-4D97-AF65-F5344CB8AC3E}">
+        <p14:creationId xmlns:p14="http://schemas.microsoft.com/office/powerpoint/2010/main" val="1226025418"/>
+      </p:ext>
+    </p:extLst>
+  </p:cSld>
+  <p:clrMapOvr>
+    <a:masterClrMapping/>
+  </p:clrMapOvr>
+</p:sldLayout>
+</file>
+
+<file path=ppt/slideLayouts/slideLayout13.xml><?xml version="1.0" encoding="utf-8"?>
+<p:sldLayout xmlns:a="http://schemas.openxmlformats.org/drawingml/2006/main" xmlns:r="http://schemas.openxmlformats.org/officeDocument/2006/relationships" xmlns:p="http://schemas.openxmlformats.org/presentationml/2006/main" preserve="1">
+  <p:cSld name="名札">
+    <p:spTree>
+      <p:nvGrpSpPr>
+        <p:cNvPr id="1" name=""/>
+        <p:cNvGrpSpPr/>
+        <p:nvPr/>
+      </p:nvGrpSpPr>
+      <p:grpSpPr>
+        <a:xfrm>
+          <a:off x="0" y="0"/>
+          <a:ext cx="0" cy="0"/>
+          <a:chOff x="0" y="0"/>
+          <a:chExt cx="0" cy="0"/>
+        </a:xfrm>
+      </p:grpSpPr>
+      <p:sp>
+        <p:nvSpPr>
+          <p:cNvPr id="2" name="Title 1"/>
+          <p:cNvSpPr>
+            <a:spLocks noGrp="1"/>
+          </p:cNvSpPr>
+          <p:nvPr>
+            <p:ph type="title"/>
+          </p:nvPr>
+        </p:nvSpPr>
+        <p:spPr>
+          <a:xfrm>
+            <a:off x="913806" y="2126942"/>
+            <a:ext cx="10355327" cy="2511835"/>
+          </a:xfrm>
+        </p:spPr>
+        <p:txBody>
+          <a:bodyPr anchor="b"/>
+          <a:lstStyle>
+            <a:lvl1pPr>
+              <a:defRPr sz="3200"/>
+            </a:lvl1pPr>
+          </a:lstStyle>
+          <a:p>
+            <a:r>
+              <a:rPr lang="ja-JP" altLang="en-US" smtClean="0"/>
+              <a:t>マスター タイトルの書式設定</a:t>
+            </a:r>
+            <a:endParaRPr lang="en-US" dirty="0"/>
+          </a:p>
+        </p:txBody>
+      </p:sp>
+      <p:sp>
+        <p:nvSpPr>
+          <p:cNvPr id="4" name="Text Placeholder 3"/>
+          <p:cNvSpPr>
+            <a:spLocks noGrp="1"/>
+          </p:cNvSpPr>
+          <p:nvPr>
+            <p:ph type="body" sz="half" idx="2"/>
+          </p:nvPr>
+        </p:nvSpPr>
+        <p:spPr>
+          <a:xfrm>
+            <a:off x="913794" y="4650556"/>
+            <a:ext cx="10353763" cy="1140644"/>
+          </a:xfrm>
+        </p:spPr>
+        <p:txBody>
+          <a:bodyPr anchor="t"/>
+          <a:lstStyle>
+            <a:lvl1pPr marL="0" indent="0" algn="ctr">
+              <a:buNone/>
+              <a:defRPr sz="1600"/>
+            </a:lvl1pPr>
+            <a:lvl2pPr marL="457200" indent="0">
+              <a:buNone/>
+              <a:defRPr sz="1400"/>
+            </a:lvl2pPr>
+            <a:lvl3pPr marL="914400" indent="0">
+              <a:buNone/>
+              <a:defRPr sz="1200"/>
+            </a:lvl3pPr>
+            <a:lvl4pPr marL="1371600" indent="0">
+              <a:buNone/>
+              <a:defRPr sz="1000"/>
+            </a:lvl4pPr>
+            <a:lvl5pPr marL="1828800" indent="0">
+              <a:buNone/>
+              <a:defRPr sz="1000"/>
+            </a:lvl5pPr>
+            <a:lvl6pPr marL="2286000" indent="0">
+              <a:buNone/>
+              <a:defRPr sz="1000"/>
+            </a:lvl6pPr>
+            <a:lvl7pPr marL="2743200" indent="0">
+              <a:buNone/>
+              <a:defRPr sz="1000"/>
+            </a:lvl7pPr>
+            <a:lvl8pPr marL="3200400" indent="0">
+              <a:buNone/>
+              <a:defRPr sz="1000"/>
+            </a:lvl8pPr>
+            <a:lvl9pPr marL="3657600" indent="0">
+              <a:buNone/>
+              <a:defRPr sz="1000"/>
+            </a:lvl9pPr>
+          </a:lstStyle>
+          <a:p>
+            <a:pPr lvl="0"/>
+            <a:r>
+              <a:rPr lang="ja-JP" altLang="en-US" smtClean="0"/>
+              <a:t>マスター テキストの書式設定</a:t>
+            </a:r>
+          </a:p>
+        </p:txBody>
+      </p:sp>
+      <p:sp>
+        <p:nvSpPr>
+          <p:cNvPr id="5" name="Date Placeholder 4"/>
+          <p:cNvSpPr>
+            <a:spLocks noGrp="1"/>
+          </p:cNvSpPr>
+          <p:nvPr>
+            <p:ph type="dt" sz="half" idx="10"/>
+          </p:nvPr>
+        </p:nvSpPr>
+        <p:spPr/>
+        <p:txBody>
+          <a:bodyPr/>
+          <a:lstStyle/>
+          <a:p>
+            <a:fld id="{35AA80D5-8410-4C48-99E3-6682EC04A757}" type="datetimeFigureOut">
+              <a:rPr kumimoji="1" lang="ja-JP" altLang="en-US" smtClean="0"/>
+              <a:t>2019/11/19</a:t>
+            </a:fld>
+            <a:endParaRPr kumimoji="1" lang="ja-JP" altLang="en-US"/>
+          </a:p>
+        </p:txBody>
+      </p:sp>
+      <p:sp>
+        <p:nvSpPr>
+          <p:cNvPr id="6" name="Footer Placeholder 5"/>
+          <p:cNvSpPr>
+            <a:spLocks noGrp="1"/>
+          </p:cNvSpPr>
+          <p:nvPr>
+            <p:ph type="ftr" sz="quarter" idx="11"/>
+          </p:nvPr>
+        </p:nvSpPr>
+        <p:spPr/>
+        <p:txBody>
+          <a:bodyPr/>
+          <a:lstStyle/>
+          <a:p>
+            <a:endParaRPr kumimoji="1" lang="ja-JP" altLang="en-US"/>
+          </a:p>
+        </p:txBody>
+      </p:sp>
+      <p:sp>
+        <p:nvSpPr>
+          <p:cNvPr id="7" name="Slide Number Placeholder 6"/>
+          <p:cNvSpPr>
+            <a:spLocks noGrp="1"/>
+          </p:cNvSpPr>
+          <p:nvPr>
+            <p:ph type="sldNum" sz="quarter" idx="12"/>
+          </p:nvPr>
+        </p:nvSpPr>
+        <p:spPr/>
+        <p:txBody>
+          <a:bodyPr/>
+          <a:lstStyle/>
+          <a:p>
+            <a:fld id="{2989D18C-571D-4DB1-B733-2BAB920AC529}" type="slidenum">
+              <a:rPr kumimoji="1" lang="ja-JP" altLang="en-US" smtClean="0"/>
+              <a:t>‹#›</a:t>
+            </a:fld>
+            <a:endParaRPr kumimoji="1" lang="ja-JP" altLang="en-US"/>
+          </a:p>
+        </p:txBody>
+      </p:sp>
+    </p:spTree>
+    <p:extLst>
+      <p:ext uri="{BB962C8B-B14F-4D97-AF65-F5344CB8AC3E}">
+        <p14:creationId xmlns:p14="http://schemas.microsoft.com/office/powerpoint/2010/main" val="357744035"/>
+      </p:ext>
+    </p:extLst>
+  </p:cSld>
+  <p:clrMapOvr>
+    <a:masterClrMapping/>
+  </p:clrMapOvr>
+</p:sldLayout>
+</file>
+
+<file path=ppt/slideLayouts/slideLayout14.xml><?xml version="1.0" encoding="utf-8"?>
+<p:sldLayout xmlns:a="http://schemas.openxmlformats.org/drawingml/2006/main" xmlns:r="http://schemas.openxmlformats.org/officeDocument/2006/relationships" xmlns:p="http://schemas.openxmlformats.org/presentationml/2006/main" preserve="1">
+  <p:cSld name="3 段">
+    <p:spTree>
+      <p:nvGrpSpPr>
+        <p:cNvPr id="1" name=""/>
+        <p:cNvGrpSpPr/>
+        <p:nvPr/>
+      </p:nvGrpSpPr>
+      <p:grpSpPr>
+        <a:xfrm>
+          <a:off x="0" y="0"/>
+          <a:ext cx="0" cy="0"/>
+          <a:chOff x="0" y="0"/>
+          <a:chExt cx="0" cy="0"/>
+        </a:xfrm>
+      </p:grpSpPr>
+      <p:sp>
+        <p:nvSpPr>
+          <p:cNvPr id="15" name="Title 1"/>
+          <p:cNvSpPr>
+            <a:spLocks noGrp="1"/>
+          </p:cNvSpPr>
+          <p:nvPr>
+            <p:ph type="title"/>
+          </p:nvPr>
+        </p:nvSpPr>
+        <p:spPr>
+          <a:xfrm>
+            <a:off x="913794" y="609600"/>
+            <a:ext cx="10353762" cy="1325563"/>
+          </a:xfrm>
+        </p:spPr>
+        <p:txBody>
+          <a:bodyPr/>
+          <a:lstStyle/>
+          <a:p>
+            <a:r>
+              <a:rPr lang="ja-JP" altLang="en-US" smtClean="0"/>
+              <a:t>マスター タイトルの書式設定</a:t>
+            </a:r>
+            <a:endParaRPr lang="en-US" dirty="0"/>
+          </a:p>
+        </p:txBody>
+      </p:sp>
+      <p:sp>
+        <p:nvSpPr>
+          <p:cNvPr id="7" name="Text Placeholder 2"/>
+          <p:cNvSpPr>
+            <a:spLocks noGrp="1"/>
+          </p:cNvSpPr>
+          <p:nvPr>
+            <p:ph type="body" idx="1"/>
+          </p:nvPr>
+        </p:nvSpPr>
+        <p:spPr>
+          <a:xfrm>
+            <a:off x="913794" y="2088319"/>
+            <a:ext cx="3298956" cy="823305"/>
+          </a:xfrm>
+        </p:spPr>
+        <p:txBody>
+          <a:bodyPr anchor="b">
+            <a:noAutofit/>
+          </a:bodyPr>
+          <a:lstStyle>
+            <a:lvl1pPr marL="0" indent="0" algn="ctr">
+              <a:lnSpc>
+                <a:spcPct val="100000"/>
+              </a:lnSpc>
+              <a:buNone/>
+              <a:defRPr sz="2400" b="0">
+                <a:solidFill>
+                  <a:schemeClr val="tx1"/>
+                </a:solidFill>
+              </a:defRPr>
+            </a:lvl1pPr>
+            <a:lvl2pPr marL="457200" indent="0">
+              <a:buNone/>
+              <a:defRPr sz="2000" b="1"/>
+            </a:lvl2pPr>
+            <a:lvl3pPr marL="914400" indent="0">
+              <a:buNone/>
+              <a:defRPr sz="1800" b="1"/>
+            </a:lvl3pPr>
+            <a:lvl4pPr marL="1371600" indent="0">
+              <a:buNone/>
+              <a:defRPr sz="1600" b="1"/>
+            </a:lvl4pPr>
+            <a:lvl5pPr marL="1828800" indent="0">
+              <a:buNone/>
+              <a:defRPr sz="1600" b="1"/>
+            </a:lvl5pPr>
+            <a:lvl6pPr marL="2286000" indent="0">
+              <a:buNone/>
+              <a:defRPr sz="1600" b="1"/>
+            </a:lvl6pPr>
+            <a:lvl7pPr marL="2743200" indent="0">
+              <a:buNone/>
+              <a:defRPr sz="1600" b="1"/>
+            </a:lvl7pPr>
+            <a:lvl8pPr marL="3200400" indent="0">
+              <a:buNone/>
+              <a:defRPr sz="1600" b="1"/>
+            </a:lvl8pPr>
+            <a:lvl9pPr marL="3657600" indent="0">
+              <a:buNone/>
+              <a:defRPr sz="1600" b="1"/>
+            </a:lvl9pPr>
+          </a:lstStyle>
+          <a:p>
+            <a:pPr lvl="0"/>
+            <a:r>
+              <a:rPr lang="ja-JP" altLang="en-US" smtClean="0"/>
+              <a:t>マスター テキストの書式設定</a:t>
+            </a:r>
+          </a:p>
+        </p:txBody>
+      </p:sp>
+      <p:sp>
+        <p:nvSpPr>
+          <p:cNvPr id="8" name="Text Placeholder 3"/>
+          <p:cNvSpPr>
+            <a:spLocks noGrp="1"/>
+          </p:cNvSpPr>
+          <p:nvPr>
+            <p:ph type="body" sz="half" idx="15"/>
+          </p:nvPr>
+        </p:nvSpPr>
+        <p:spPr>
+          <a:xfrm>
+            <a:off x="913794" y="2911624"/>
+            <a:ext cx="3298956" cy="2879576"/>
+          </a:xfrm>
+        </p:spPr>
+        <p:txBody>
+          <a:bodyPr anchor="t">
+            <a:normAutofit/>
+          </a:bodyPr>
+          <a:lstStyle>
+            <a:lvl1pPr marL="0" indent="0" algn="ctr">
+              <a:buNone/>
+              <a:defRPr sz="1400"/>
+            </a:lvl1pPr>
+            <a:lvl2pPr marL="457200" indent="0">
+              <a:buNone/>
+              <a:defRPr sz="1200"/>
+            </a:lvl2pPr>
+            <a:lvl3pPr marL="914400" indent="0">
+              <a:buNone/>
+              <a:defRPr sz="1000"/>
+            </a:lvl3pPr>
+            <a:lvl4pPr marL="1371600" indent="0">
+              <a:buNone/>
+              <a:defRPr sz="900"/>
+            </a:lvl4pPr>
+            <a:lvl5pPr marL="1828800" indent="0">
+              <a:buNone/>
+              <a:defRPr sz="900"/>
+            </a:lvl5pPr>
+            <a:lvl6pPr marL="2286000" indent="0">
+              <a:buNone/>
+              <a:defRPr sz="900"/>
+            </a:lvl6pPr>
+            <a:lvl7pPr marL="2743200" indent="0">
+              <a:buNone/>
+              <a:defRPr sz="900"/>
+            </a:lvl7pPr>
+            <a:lvl8pPr marL="3200400" indent="0">
+              <a:buNone/>
+              <a:defRPr sz="900"/>
+            </a:lvl8pPr>
+            <a:lvl9pPr marL="3657600" indent="0">
+              <a:buNone/>
+              <a:defRPr sz="900"/>
+            </a:lvl9pPr>
+          </a:lstStyle>
+          <a:p>
+            <a:pPr lvl="0"/>
+            <a:r>
+              <a:rPr lang="ja-JP" altLang="en-US" smtClean="0"/>
+              <a:t>マスター テキストの書式設定</a:t>
+            </a:r>
+          </a:p>
+        </p:txBody>
+      </p:sp>
+      <p:sp>
+        <p:nvSpPr>
+          <p:cNvPr id="9" name="Text Placeholder 4"/>
+          <p:cNvSpPr>
+            <a:spLocks noGrp="1"/>
+          </p:cNvSpPr>
+          <p:nvPr>
+            <p:ph type="body" sz="quarter" idx="3"/>
+          </p:nvPr>
+        </p:nvSpPr>
+        <p:spPr>
+          <a:xfrm>
+            <a:off x="4444878" y="2088320"/>
+            <a:ext cx="3298558" cy="823304"/>
+          </a:xfrm>
+        </p:spPr>
+        <p:txBody>
+          <a:bodyPr anchor="b">
+            <a:noAutofit/>
+          </a:bodyPr>
+          <a:lstStyle>
+            <a:lvl1pPr marL="0" indent="0" algn="ctr">
+              <a:lnSpc>
+                <a:spcPct val="100000"/>
+              </a:lnSpc>
+              <a:buNone/>
+              <a:defRPr sz="2400" b="0">
+                <a:solidFill>
+                  <a:schemeClr val="tx1"/>
+                </a:solidFill>
+              </a:defRPr>
+            </a:lvl1pPr>
+            <a:lvl2pPr marL="457200" indent="0">
+              <a:buNone/>
+              <a:defRPr sz="2000" b="1"/>
+            </a:lvl2pPr>
+            <a:lvl3pPr marL="914400" indent="0">
+              <a:buNone/>
+              <a:defRPr sz="1800" b="1"/>
+            </a:lvl3pPr>
+            <a:lvl4pPr marL="1371600" indent="0">
+              <a:buNone/>
+              <a:defRPr sz="1600" b="1"/>
+            </a:lvl4pPr>
+            <a:lvl5pPr marL="1828800" indent="0">
+              <a:buNone/>
+              <a:defRPr sz="1600" b="1"/>
+            </a:lvl5pPr>
+            <a:lvl6pPr marL="2286000" indent="0">
+              <a:buNone/>
+              <a:defRPr sz="1600" b="1"/>
+            </a:lvl6pPr>
+            <a:lvl7pPr marL="2743200" indent="0">
+              <a:buNone/>
+              <a:defRPr sz="1600" b="1"/>
+            </a:lvl7pPr>
+            <a:lvl8pPr marL="3200400" indent="0">
+              <a:buNone/>
+              <a:defRPr sz="1600" b="1"/>
+            </a:lvl8pPr>
+            <a:lvl9pPr marL="3657600" indent="0">
+              <a:buNone/>
+              <a:defRPr sz="1600" b="1"/>
+            </a:lvl9pPr>
+          </a:lstStyle>
+          <a:p>
+            <a:pPr lvl="0"/>
+            <a:r>
+              <a:rPr lang="ja-JP" altLang="en-US" smtClean="0"/>
+              <a:t>マスター テキストの書式設定</a:t>
+            </a:r>
+          </a:p>
+        </p:txBody>
+      </p:sp>
+      <p:sp>
+        <p:nvSpPr>
+          <p:cNvPr id="10" name="Text Placeholder 3"/>
+          <p:cNvSpPr>
+            <a:spLocks noGrp="1"/>
+          </p:cNvSpPr>
+          <p:nvPr>
+            <p:ph type="body" sz="half" idx="16"/>
+          </p:nvPr>
+        </p:nvSpPr>
+        <p:spPr>
+          <a:xfrm>
+            <a:off x="4444878" y="2911624"/>
+            <a:ext cx="3299821" cy="2879576"/>
+          </a:xfrm>
+        </p:spPr>
+        <p:txBody>
+          <a:bodyPr anchor="t">
+            <a:normAutofit/>
+          </a:bodyPr>
+          <a:lstStyle>
+            <a:lvl1pPr marL="0" indent="0" algn="ctr">
+              <a:buNone/>
+              <a:defRPr sz="1400"/>
+            </a:lvl1pPr>
+            <a:lvl2pPr marL="457200" indent="0">
+              <a:buNone/>
+              <a:defRPr sz="1200"/>
+            </a:lvl2pPr>
+            <a:lvl3pPr marL="914400" indent="0">
+              <a:buNone/>
+              <a:defRPr sz="1000"/>
+            </a:lvl3pPr>
+            <a:lvl4pPr marL="1371600" indent="0">
+              <a:buNone/>
+              <a:defRPr sz="900"/>
+            </a:lvl4pPr>
+            <a:lvl5pPr marL="1828800" indent="0">
+              <a:buNone/>
+              <a:defRPr sz="900"/>
+            </a:lvl5pPr>
+            <a:lvl6pPr marL="2286000" indent="0">
+              <a:buNone/>
+              <a:defRPr sz="900"/>
+            </a:lvl6pPr>
+            <a:lvl7pPr marL="2743200" indent="0">
+              <a:buNone/>
+              <a:defRPr sz="900"/>
+            </a:lvl7pPr>
+            <a:lvl8pPr marL="3200400" indent="0">
+              <a:buNone/>
+              <a:defRPr sz="900"/>
+            </a:lvl8pPr>
+            <a:lvl9pPr marL="3657600" indent="0">
+              <a:buNone/>
+              <a:defRPr sz="900"/>
+            </a:lvl9pPr>
+          </a:lstStyle>
+          <a:p>
+            <a:pPr lvl="0"/>
+            <a:r>
+              <a:rPr lang="ja-JP" altLang="en-US" smtClean="0"/>
+              <a:t>マスター テキストの書式設定</a:t>
+            </a:r>
+          </a:p>
+        </p:txBody>
+      </p:sp>
+      <p:sp>
+        <p:nvSpPr>
+          <p:cNvPr id="11" name="Text Placeholder 4"/>
+          <p:cNvSpPr>
+            <a:spLocks noGrp="1"/>
+          </p:cNvSpPr>
+          <p:nvPr>
+            <p:ph type="body" sz="quarter" idx="13"/>
+          </p:nvPr>
+        </p:nvSpPr>
+        <p:spPr>
+          <a:xfrm>
+            <a:off x="7973298" y="2088320"/>
+            <a:ext cx="3291211" cy="823304"/>
+          </a:xfrm>
+        </p:spPr>
+        <p:txBody>
+          <a:bodyPr anchor="b">
+            <a:noAutofit/>
+          </a:bodyPr>
+          <a:lstStyle>
+            <a:lvl1pPr marL="0" indent="0" algn="ctr">
+              <a:lnSpc>
+                <a:spcPct val="100000"/>
+              </a:lnSpc>
+              <a:buNone/>
+              <a:defRPr sz="2400" b="0">
+                <a:solidFill>
+                  <a:schemeClr val="tx1"/>
+                </a:solidFill>
+              </a:defRPr>
+            </a:lvl1pPr>
+            <a:lvl2pPr marL="457200" indent="0">
+              <a:buNone/>
+              <a:defRPr sz="2000" b="1"/>
+            </a:lvl2pPr>
+            <a:lvl3pPr marL="914400" indent="0">
+              <a:buNone/>
+              <a:defRPr sz="1800" b="1"/>
+            </a:lvl3pPr>
+            <a:lvl4pPr marL="1371600" indent="0">
+              <a:buNone/>
+              <a:defRPr sz="1600" b="1"/>
+            </a:lvl4pPr>
+            <a:lvl5pPr marL="1828800" indent="0">
+              <a:buNone/>
+              <a:defRPr sz="1600" b="1"/>
+            </a:lvl5pPr>
+            <a:lvl6pPr marL="2286000" indent="0">
+              <a:buNone/>
+              <a:defRPr sz="1600" b="1"/>
+            </a:lvl6pPr>
+            <a:lvl7pPr marL="2743200" indent="0">
+              <a:buNone/>
+              <a:defRPr sz="1600" b="1"/>
+            </a:lvl7pPr>
+            <a:lvl8pPr marL="3200400" indent="0">
+              <a:buNone/>
+              <a:defRPr sz="1600" b="1"/>
+            </a:lvl8pPr>
+            <a:lvl9pPr marL="3657600" indent="0">
+              <a:buNone/>
+              <a:defRPr sz="1600" b="1"/>
+            </a:lvl9pPr>
+          </a:lstStyle>
+          <a:p>
+            <a:pPr lvl="0"/>
+            <a:r>
+              <a:rPr lang="ja-JP" altLang="en-US" smtClean="0"/>
+              <a:t>マスター テキストの書式設定</a:t>
+            </a:r>
+          </a:p>
+        </p:txBody>
+      </p:sp>
+      <p:sp>
+        <p:nvSpPr>
+          <p:cNvPr id="12" name="Text Placeholder 3"/>
+          <p:cNvSpPr>
+            <a:spLocks noGrp="1"/>
+          </p:cNvSpPr>
+          <p:nvPr>
+            <p:ph type="body" sz="half" idx="17"/>
+          </p:nvPr>
+        </p:nvSpPr>
+        <p:spPr>
+          <a:xfrm>
+            <a:off x="7976346" y="2911624"/>
+            <a:ext cx="3291211" cy="2879576"/>
+          </a:xfrm>
+        </p:spPr>
+        <p:txBody>
+          <a:bodyPr anchor="t">
+            <a:normAutofit/>
+          </a:bodyPr>
+          <a:lstStyle>
+            <a:lvl1pPr marL="0" indent="0" algn="ctr">
+              <a:buNone/>
+              <a:defRPr sz="1400"/>
+            </a:lvl1pPr>
+            <a:lvl2pPr marL="457200" indent="0">
+              <a:buNone/>
+              <a:defRPr sz="1200"/>
+            </a:lvl2pPr>
+            <a:lvl3pPr marL="914400" indent="0">
+              <a:buNone/>
+              <a:defRPr sz="1000"/>
+            </a:lvl3pPr>
+            <a:lvl4pPr marL="1371600" indent="0">
+              <a:buNone/>
+              <a:defRPr sz="900"/>
+            </a:lvl4pPr>
+            <a:lvl5pPr marL="1828800" indent="0">
+              <a:buNone/>
+              <a:defRPr sz="900"/>
+            </a:lvl5pPr>
+            <a:lvl6pPr marL="2286000" indent="0">
+              <a:buNone/>
+              <a:defRPr sz="900"/>
+            </a:lvl6pPr>
+            <a:lvl7pPr marL="2743200" indent="0">
+              <a:buNone/>
+              <a:defRPr sz="900"/>
+            </a:lvl7pPr>
+            <a:lvl8pPr marL="3200400" indent="0">
+              <a:buNone/>
+              <a:defRPr sz="900"/>
+            </a:lvl8pPr>
+            <a:lvl9pPr marL="3657600" indent="0">
+              <a:buNone/>
+              <a:defRPr sz="900"/>
+            </a:lvl9pPr>
+          </a:lstStyle>
+          <a:p>
+            <a:pPr lvl="0"/>
+            <a:r>
+              <a:rPr lang="ja-JP" altLang="en-US" smtClean="0"/>
+              <a:t>マスター テキストの書式設定</a:t>
+            </a:r>
+          </a:p>
+        </p:txBody>
+      </p:sp>
+      <p:sp>
+        <p:nvSpPr>
+          <p:cNvPr id="3" name="Date Placeholder 2"/>
+          <p:cNvSpPr>
+            <a:spLocks noGrp="1"/>
+          </p:cNvSpPr>
+          <p:nvPr>
+            <p:ph type="dt" sz="half" idx="10"/>
+          </p:nvPr>
+        </p:nvSpPr>
+        <p:spPr/>
+        <p:txBody>
+          <a:bodyPr/>
+          <a:lstStyle/>
+          <a:p>
+            <a:fld id="{35AA80D5-8410-4C48-99E3-6682EC04A757}" type="datetimeFigureOut">
+              <a:rPr kumimoji="1" lang="ja-JP" altLang="en-US" smtClean="0"/>
+              <a:t>2019/11/19</a:t>
+            </a:fld>
+            <a:endParaRPr kumimoji="1" lang="ja-JP" altLang="en-US"/>
+          </a:p>
+        </p:txBody>
+      </p:sp>
+      <p:sp>
+        <p:nvSpPr>
+          <p:cNvPr id="4" name="Footer Placeholder 3"/>
+          <p:cNvSpPr>
+            <a:spLocks noGrp="1"/>
+          </p:cNvSpPr>
+          <p:nvPr>
+            <p:ph type="ftr" sz="quarter" idx="11"/>
+          </p:nvPr>
+        </p:nvSpPr>
+        <p:spPr/>
+        <p:txBody>
+          <a:bodyPr/>
+          <a:lstStyle/>
+          <a:p>
+            <a:endParaRPr kumimoji="1" lang="ja-JP" altLang="en-US"/>
+          </a:p>
+        </p:txBody>
+      </p:sp>
+      <p:sp>
+        <p:nvSpPr>
+          <p:cNvPr id="5" name="Slide Number Placeholder 4"/>
+          <p:cNvSpPr>
+            <a:spLocks noGrp="1"/>
+          </p:cNvSpPr>
+          <p:nvPr>
+            <p:ph type="sldNum" sz="quarter" idx="12"/>
+          </p:nvPr>
+        </p:nvSpPr>
+        <p:spPr/>
+        <p:txBody>
+          <a:bodyPr/>
+          <a:lstStyle/>
+          <a:p>
+            <a:fld id="{2989D18C-571D-4DB1-B733-2BAB920AC529}" type="slidenum">
+              <a:rPr kumimoji="1" lang="ja-JP" altLang="en-US" smtClean="0"/>
+              <a:t>‹#›</a:t>
+            </a:fld>
+            <a:endParaRPr kumimoji="1" lang="ja-JP" altLang="en-US"/>
+          </a:p>
+        </p:txBody>
+      </p:sp>
+    </p:spTree>
+    <p:extLst>
+      <p:ext uri="{BB962C8B-B14F-4D97-AF65-F5344CB8AC3E}">
+        <p14:creationId xmlns:p14="http://schemas.microsoft.com/office/powerpoint/2010/main" val="1831285414"/>
+      </p:ext>
+    </p:extLst>
+  </p:cSld>
+  <p:clrMapOvr>
+    <a:masterClrMapping/>
+  </p:clrMapOvr>
+</p:sldLayout>
+</file>
+
+<file path=ppt/slideLayouts/slideLayout15.xml><?xml version="1.0" encoding="utf-8"?>
+<p:sldLayout xmlns:a="http://schemas.openxmlformats.org/drawingml/2006/main" xmlns:r="http://schemas.openxmlformats.org/officeDocument/2006/relationships" xmlns:p="http://schemas.openxmlformats.org/presentationml/2006/main" preserve="1">
+  <p:cSld name="3 つの画像列">
+    <p:spTree>
+      <p:nvGrpSpPr>
+        <p:cNvPr id="1" name=""/>
+        <p:cNvGrpSpPr/>
+        <p:nvPr/>
+      </p:nvGrpSpPr>
+      <p:grpSpPr>
+        <a:xfrm>
+          <a:off x="0" y="0"/>
+          <a:ext cx="0" cy="0"/>
+          <a:chOff x="0" y="0"/>
+          <a:chExt cx="0" cy="0"/>
+        </a:xfrm>
+      </p:grpSpPr>
+      <p:sp>
+        <p:nvSpPr>
+          <p:cNvPr id="30" name="Title 1"/>
+          <p:cNvSpPr>
+            <a:spLocks noGrp="1"/>
+          </p:cNvSpPr>
+          <p:nvPr>
+            <p:ph type="title"/>
+          </p:nvPr>
+        </p:nvSpPr>
+        <p:spPr>
+          <a:xfrm>
+            <a:off x="913795" y="609600"/>
+            <a:ext cx="10353762" cy="1325563"/>
+          </a:xfrm>
+        </p:spPr>
+        <p:txBody>
+          <a:bodyPr/>
+          <a:lstStyle/>
+          <a:p>
+            <a:r>
+              <a:rPr lang="ja-JP" altLang="en-US" smtClean="0"/>
+              <a:t>マスター タイトルの書式設定</a:t>
+            </a:r>
+            <a:endParaRPr lang="en-US" dirty="0"/>
+          </a:p>
+        </p:txBody>
+      </p:sp>
+      <p:sp>
+        <p:nvSpPr>
+          <p:cNvPr id="19" name="Text Placeholder 2"/>
+          <p:cNvSpPr>
+            <a:spLocks noGrp="1"/>
+          </p:cNvSpPr>
+          <p:nvPr>
+            <p:ph type="body" idx="1"/>
+          </p:nvPr>
+        </p:nvSpPr>
+        <p:spPr>
+          <a:xfrm>
+            <a:off x="913795" y="4195899"/>
+            <a:ext cx="3298955" cy="576262"/>
+          </a:xfrm>
+        </p:spPr>
+        <p:txBody>
+          <a:bodyPr anchor="b">
+            <a:noAutofit/>
+          </a:bodyPr>
+          <a:lstStyle>
+            <a:lvl1pPr marL="0" indent="0" algn="ctr">
+              <a:lnSpc>
+                <a:spcPct val="100000"/>
+              </a:lnSpc>
+              <a:buNone/>
+              <a:defRPr sz="2000" b="0">
+                <a:solidFill>
+                  <a:schemeClr val="tx1"/>
+                </a:solidFill>
+              </a:defRPr>
+            </a:lvl1pPr>
+            <a:lvl2pPr marL="457200" indent="0">
+              <a:buNone/>
+              <a:defRPr sz="2000" b="1"/>
+            </a:lvl2pPr>
+            <a:lvl3pPr marL="914400" indent="0">
+              <a:buNone/>
+              <a:defRPr sz="1800" b="1"/>
+            </a:lvl3pPr>
+            <a:lvl4pPr marL="1371600" indent="0">
+              <a:buNone/>
+              <a:defRPr sz="1600" b="1"/>
+            </a:lvl4pPr>
+            <a:lvl5pPr marL="1828800" indent="0">
+              <a:buNone/>
+              <a:defRPr sz="1600" b="1"/>
+            </a:lvl5pPr>
+            <a:lvl6pPr marL="2286000" indent="0">
+              <a:buNone/>
+              <a:defRPr sz="1600" b="1"/>
+            </a:lvl6pPr>
+            <a:lvl7pPr marL="2743200" indent="0">
+              <a:buNone/>
+              <a:defRPr sz="1600" b="1"/>
+            </a:lvl7pPr>
+            <a:lvl8pPr marL="3200400" indent="0">
+              <a:buNone/>
+              <a:defRPr sz="1600" b="1"/>
+            </a:lvl8pPr>
+            <a:lvl9pPr marL="3657600" indent="0">
+              <a:buNone/>
+              <a:defRPr sz="1600" b="1"/>
+            </a:lvl9pPr>
+          </a:lstStyle>
+          <a:p>
+            <a:pPr lvl="0"/>
+            <a:r>
+              <a:rPr lang="ja-JP" altLang="en-US" smtClean="0"/>
+              <a:t>マスター テキストの書式設定</a:t>
+            </a:r>
+          </a:p>
+        </p:txBody>
+      </p:sp>
+      <p:sp>
+        <p:nvSpPr>
+          <p:cNvPr id="20" name="Picture Placeholder 2"/>
+          <p:cNvSpPr>
+            <a:spLocks noGrp="1" noChangeAspect="1"/>
+          </p:cNvSpPr>
+          <p:nvPr>
+            <p:ph type="pic" idx="15"/>
+          </p:nvPr>
+        </p:nvSpPr>
+        <p:spPr>
+          <a:xfrm>
+            <a:off x="1092020" y="2298987"/>
+            <a:ext cx="2940050" cy="1524000"/>
+          </a:xfrm>
+          <a:prstGeom prst="roundRect">
+            <a:avLst>
+              <a:gd name="adj" fmla="val 0"/>
+            </a:avLst>
+          </a:prstGeom>
+          <a:noFill/>
+          <a:ln w="146050" cap="sq">
+            <a:solidFill>
+              <a:srgbClr val="FFFFFF"/>
+            </a:solidFill>
+            <a:miter lim="800000"/>
+          </a:ln>
+          <a:effectLst>
+            <a:outerShdw blurRad="55000" dist="18000" dir="5400000" algn="tl" rotWithShape="0">
+              <a:srgbClr val="000000">
+                <a:alpha val="40000"/>
+              </a:srgbClr>
+            </a:outerShdw>
+          </a:effectLst>
+          <a:scene3d>
+            <a:camera prst="orthographicFront"/>
+            <a:lightRig rig="twoPt" dir="t">
+              <a:rot lat="0" lon="0" rev="7200000"/>
+            </a:lightRig>
+          </a:scene3d>
+          <a:sp3d>
+            <a:bevelT w="25400" h="19050"/>
+            <a:contourClr>
+              <a:srgbClr val="FFFFFF"/>
+            </a:contourClr>
+          </a:sp3d>
+        </p:spPr>
+        <p:txBody>
+          <a:bodyPr anchor="t">
+            <a:normAutofit/>
+          </a:bodyPr>
+          <a:lstStyle>
+            <a:lvl1pPr marL="0" indent="0" algn="ctr">
+              <a:buNone/>
+              <a:defRPr sz="1600"/>
+            </a:lvl1pPr>
+            <a:lvl2pPr marL="457200" indent="0">
+              <a:buNone/>
+              <a:defRPr sz="1600"/>
+            </a:lvl2pPr>
+            <a:lvl3pPr marL="914400" indent="0">
+              <a:buNone/>
+              <a:defRPr sz="1600"/>
+            </a:lvl3pPr>
+            <a:lvl4pPr marL="1371600" indent="0">
+              <a:buNone/>
+              <a:defRPr sz="1600"/>
+            </a:lvl4pPr>
+            <a:lvl5pPr marL="1828800" indent="0">
+              <a:buNone/>
+              <a:defRPr sz="1600"/>
+            </a:lvl5pPr>
+            <a:lvl6pPr marL="2286000" indent="0">
+              <a:buNone/>
+              <a:defRPr sz="1600"/>
+            </a:lvl6pPr>
+            <a:lvl7pPr marL="2743200" indent="0">
+              <a:buNone/>
+              <a:defRPr sz="1600"/>
+            </a:lvl7pPr>
+            <a:lvl8pPr marL="3200400" indent="0">
+              <a:buNone/>
+              <a:defRPr sz="1600"/>
+            </a:lvl8pPr>
+            <a:lvl9pPr marL="3657600" indent="0">
+              <a:buNone/>
+              <a:defRPr sz="1600"/>
+            </a:lvl9pPr>
+          </a:lstStyle>
+          <a:p>
+            <a:r>
+              <a:rPr lang="ja-JP" altLang="en-US" smtClean="0"/>
+              <a:t>図を追加</a:t>
+            </a:r>
+            <a:endParaRPr lang="en-US" dirty="0"/>
+          </a:p>
+        </p:txBody>
+      </p:sp>
+      <p:sp>
+        <p:nvSpPr>
+          <p:cNvPr id="21" name="Text Placeholder 3"/>
+          <p:cNvSpPr>
+            <a:spLocks noGrp="1"/>
+          </p:cNvSpPr>
+          <p:nvPr>
+            <p:ph type="body" sz="half" idx="18"/>
+          </p:nvPr>
+        </p:nvSpPr>
+        <p:spPr>
+          <a:xfrm>
+            <a:off x="913795" y="4772161"/>
+            <a:ext cx="3298955" cy="1019038"/>
+          </a:xfrm>
+        </p:spPr>
+        <p:txBody>
+          <a:bodyPr anchor="t">
+            <a:normAutofit/>
+          </a:bodyPr>
+          <a:lstStyle>
+            <a:lvl1pPr marL="0" indent="0" algn="ctr">
+              <a:buNone/>
+              <a:defRPr sz="1400"/>
+            </a:lvl1pPr>
+            <a:lvl2pPr marL="457200" indent="0">
+              <a:buNone/>
+              <a:defRPr sz="1200"/>
+            </a:lvl2pPr>
+            <a:lvl3pPr marL="914400" indent="0">
+              <a:buNone/>
+              <a:defRPr sz="1000"/>
+            </a:lvl3pPr>
+            <a:lvl4pPr marL="1371600" indent="0">
+              <a:buNone/>
+              <a:defRPr sz="900"/>
+            </a:lvl4pPr>
+            <a:lvl5pPr marL="1828800" indent="0">
+              <a:buNone/>
+              <a:defRPr sz="900"/>
+            </a:lvl5pPr>
+            <a:lvl6pPr marL="2286000" indent="0">
+              <a:buNone/>
+              <a:defRPr sz="900"/>
+            </a:lvl6pPr>
+            <a:lvl7pPr marL="2743200" indent="0">
+              <a:buNone/>
+              <a:defRPr sz="900"/>
+            </a:lvl7pPr>
+            <a:lvl8pPr marL="3200400" indent="0">
+              <a:buNone/>
+              <a:defRPr sz="900"/>
+            </a:lvl8pPr>
+            <a:lvl9pPr marL="3657600" indent="0">
+              <a:buNone/>
+              <a:defRPr sz="900"/>
+            </a:lvl9pPr>
+          </a:lstStyle>
+          <a:p>
+            <a:pPr lvl="0"/>
+            <a:r>
+              <a:rPr lang="ja-JP" altLang="en-US" smtClean="0"/>
+              <a:t>マスター テキストの書式設定</a:t>
+            </a:r>
+          </a:p>
+        </p:txBody>
+      </p:sp>
+      <p:sp>
+        <p:nvSpPr>
+          <p:cNvPr id="22" name="Text Placeholder 4"/>
+          <p:cNvSpPr>
+            <a:spLocks noGrp="1"/>
+          </p:cNvSpPr>
+          <p:nvPr>
+            <p:ph type="body" sz="quarter" idx="3"/>
+          </p:nvPr>
+        </p:nvSpPr>
+        <p:spPr>
+          <a:xfrm>
+            <a:off x="4442701" y="4195899"/>
+            <a:ext cx="3298983" cy="576262"/>
+          </a:xfrm>
+        </p:spPr>
+        <p:txBody>
+          <a:bodyPr anchor="b">
+            <a:noAutofit/>
+          </a:bodyPr>
+          <a:lstStyle>
+            <a:lvl1pPr marL="0" indent="0" algn="ctr">
+              <a:lnSpc>
+                <a:spcPct val="100000"/>
+              </a:lnSpc>
+              <a:buNone/>
+              <a:defRPr sz="2000" b="0">
+                <a:solidFill>
+                  <a:schemeClr val="tx1"/>
+                </a:solidFill>
+              </a:defRPr>
+            </a:lvl1pPr>
+            <a:lvl2pPr marL="457200" indent="0">
+              <a:buNone/>
+              <a:defRPr sz="2000" b="1"/>
+            </a:lvl2pPr>
+            <a:lvl3pPr marL="914400" indent="0">
+              <a:buNone/>
+              <a:defRPr sz="1800" b="1"/>
+            </a:lvl3pPr>
+            <a:lvl4pPr marL="1371600" indent="0">
+              <a:buNone/>
+              <a:defRPr sz="1600" b="1"/>
+            </a:lvl4pPr>
+            <a:lvl5pPr marL="1828800" indent="0">
+              <a:buNone/>
+              <a:defRPr sz="1600" b="1"/>
+            </a:lvl5pPr>
+            <a:lvl6pPr marL="2286000" indent="0">
+              <a:buNone/>
+              <a:defRPr sz="1600" b="1"/>
+            </a:lvl6pPr>
+            <a:lvl7pPr marL="2743200" indent="0">
+              <a:buNone/>
+              <a:defRPr sz="1600" b="1"/>
+            </a:lvl7pPr>
+            <a:lvl8pPr marL="3200400" indent="0">
+              <a:buNone/>
+              <a:defRPr sz="1600" b="1"/>
+            </a:lvl8pPr>
+            <a:lvl9pPr marL="3657600" indent="0">
+              <a:buNone/>
+              <a:defRPr sz="1600" b="1"/>
+            </a:lvl9pPr>
+          </a:lstStyle>
+          <a:p>
+            <a:pPr lvl="0"/>
+            <a:r>
+              <a:rPr lang="ja-JP" altLang="en-US" smtClean="0"/>
+              <a:t>マスター テキストの書式設定</a:t>
+            </a:r>
+          </a:p>
+        </p:txBody>
+      </p:sp>
+      <p:sp>
+        <p:nvSpPr>
+          <p:cNvPr id="23" name="Picture Placeholder 2"/>
+          <p:cNvSpPr>
+            <a:spLocks noGrp="1" noChangeAspect="1"/>
+          </p:cNvSpPr>
+          <p:nvPr>
+            <p:ph type="pic" idx="21"/>
+          </p:nvPr>
+        </p:nvSpPr>
+        <p:spPr>
+          <a:xfrm>
+            <a:off x="4568996" y="2298987"/>
+            <a:ext cx="2930525" cy="1524000"/>
+          </a:xfrm>
+          <a:prstGeom prst="roundRect">
+            <a:avLst>
+              <a:gd name="adj" fmla="val 0"/>
+            </a:avLst>
+          </a:prstGeom>
+          <a:noFill/>
+          <a:ln w="146050" cap="sq">
+            <a:solidFill>
+              <a:srgbClr val="FFFFFF"/>
+            </a:solidFill>
+            <a:miter lim="800000"/>
+          </a:ln>
+          <a:effectLst>
+            <a:outerShdw blurRad="55000" dist="18000" dir="5400000" algn="tl" rotWithShape="0">
+              <a:srgbClr val="000000">
+                <a:alpha val="40000"/>
+              </a:srgbClr>
+            </a:outerShdw>
+          </a:effectLst>
+          <a:scene3d>
+            <a:camera prst="orthographicFront"/>
+            <a:lightRig rig="twoPt" dir="t">
+              <a:rot lat="0" lon="0" rev="7200000"/>
+            </a:lightRig>
+          </a:scene3d>
+          <a:sp3d>
+            <a:bevelT w="25400" h="19050"/>
+            <a:contourClr>
+              <a:srgbClr val="FFFFFF"/>
+            </a:contourClr>
+          </a:sp3d>
+        </p:spPr>
+        <p:txBody>
+          <a:bodyPr anchor="t">
+            <a:normAutofit/>
+          </a:bodyPr>
+          <a:lstStyle>
+            <a:lvl1pPr marL="0" indent="0" algn="ctr">
+              <a:buNone/>
+              <a:defRPr sz="1600"/>
+            </a:lvl1pPr>
+            <a:lvl2pPr marL="457200" indent="0">
+              <a:buNone/>
+              <a:defRPr sz="1600"/>
+            </a:lvl2pPr>
+            <a:lvl3pPr marL="914400" indent="0">
+              <a:buNone/>
+              <a:defRPr sz="1600"/>
+            </a:lvl3pPr>
+            <a:lvl4pPr marL="1371600" indent="0">
+              <a:buNone/>
+              <a:defRPr sz="1600"/>
+            </a:lvl4pPr>
+            <a:lvl5pPr marL="1828800" indent="0">
+              <a:buNone/>
+              <a:defRPr sz="1600"/>
+            </a:lvl5pPr>
+            <a:lvl6pPr marL="2286000" indent="0">
+              <a:buNone/>
+              <a:defRPr sz="1600"/>
+            </a:lvl6pPr>
+            <a:lvl7pPr marL="2743200" indent="0">
+              <a:buNone/>
+              <a:defRPr sz="1600"/>
+            </a:lvl7pPr>
+            <a:lvl8pPr marL="3200400" indent="0">
+              <a:buNone/>
+              <a:defRPr sz="1600"/>
+            </a:lvl8pPr>
+            <a:lvl9pPr marL="3657600" indent="0">
+              <a:buNone/>
+              <a:defRPr sz="1600"/>
+            </a:lvl9pPr>
+          </a:lstStyle>
+          <a:p>
+            <a:r>
+              <a:rPr lang="ja-JP" altLang="en-US" smtClean="0"/>
+              <a:t>図を追加</a:t>
+            </a:r>
+            <a:endParaRPr lang="en-US" dirty="0"/>
+          </a:p>
+        </p:txBody>
+      </p:sp>
+      <p:sp>
+        <p:nvSpPr>
+          <p:cNvPr id="24" name="Text Placeholder 3"/>
+          <p:cNvSpPr>
+            <a:spLocks noGrp="1"/>
+          </p:cNvSpPr>
+          <p:nvPr>
+            <p:ph type="body" sz="half" idx="19"/>
+          </p:nvPr>
+        </p:nvSpPr>
+        <p:spPr>
+          <a:xfrm>
+            <a:off x="4441348" y="4772160"/>
+            <a:ext cx="3300336" cy="1019038"/>
+          </a:xfrm>
+        </p:spPr>
+        <p:txBody>
+          <a:bodyPr anchor="t">
+            <a:normAutofit/>
+          </a:bodyPr>
+          <a:lstStyle>
+            <a:lvl1pPr marL="0" indent="0" algn="ctr">
+              <a:buNone/>
+              <a:defRPr sz="1400"/>
+            </a:lvl1pPr>
+            <a:lvl2pPr marL="457200" indent="0">
+              <a:buNone/>
+              <a:defRPr sz="1200"/>
+            </a:lvl2pPr>
+            <a:lvl3pPr marL="914400" indent="0">
+              <a:buNone/>
+              <a:defRPr sz="1000"/>
+            </a:lvl3pPr>
+            <a:lvl4pPr marL="1371600" indent="0">
+              <a:buNone/>
+              <a:defRPr sz="900"/>
+            </a:lvl4pPr>
+            <a:lvl5pPr marL="1828800" indent="0">
+              <a:buNone/>
+              <a:defRPr sz="900"/>
+            </a:lvl5pPr>
+            <a:lvl6pPr marL="2286000" indent="0">
+              <a:buNone/>
+              <a:defRPr sz="900"/>
+            </a:lvl6pPr>
+            <a:lvl7pPr marL="2743200" indent="0">
+              <a:buNone/>
+              <a:defRPr sz="900"/>
+            </a:lvl7pPr>
+            <a:lvl8pPr marL="3200400" indent="0">
+              <a:buNone/>
+              <a:defRPr sz="900"/>
+            </a:lvl8pPr>
+            <a:lvl9pPr marL="3657600" indent="0">
+              <a:buNone/>
+              <a:defRPr sz="900"/>
+            </a:lvl9pPr>
+          </a:lstStyle>
+          <a:p>
+            <a:pPr lvl="0"/>
+            <a:r>
+              <a:rPr lang="ja-JP" altLang="en-US" smtClean="0"/>
+              <a:t>マスター テキストの書式設定</a:t>
+            </a:r>
+          </a:p>
+        </p:txBody>
+      </p:sp>
+      <p:sp>
+        <p:nvSpPr>
+          <p:cNvPr id="25" name="Text Placeholder 4"/>
+          <p:cNvSpPr>
+            <a:spLocks noGrp="1"/>
+          </p:cNvSpPr>
+          <p:nvPr>
+            <p:ph type="body" sz="quarter" idx="13"/>
+          </p:nvPr>
+        </p:nvSpPr>
+        <p:spPr>
+          <a:xfrm>
+            <a:off x="7973423" y="4195899"/>
+            <a:ext cx="3289900" cy="576262"/>
+          </a:xfrm>
+        </p:spPr>
+        <p:txBody>
+          <a:bodyPr anchor="b">
+            <a:noAutofit/>
+          </a:bodyPr>
+          <a:lstStyle>
+            <a:lvl1pPr marL="0" indent="0" algn="ctr">
+              <a:lnSpc>
+                <a:spcPct val="100000"/>
+              </a:lnSpc>
+              <a:buNone/>
+              <a:defRPr sz="2000" b="0">
+                <a:solidFill>
+                  <a:schemeClr val="tx1"/>
+                </a:solidFill>
+              </a:defRPr>
+            </a:lvl1pPr>
+            <a:lvl2pPr marL="457200" indent="0">
+              <a:buNone/>
+              <a:defRPr sz="2000" b="1"/>
+            </a:lvl2pPr>
+            <a:lvl3pPr marL="914400" indent="0">
+              <a:buNone/>
+              <a:defRPr sz="1800" b="1"/>
+            </a:lvl3pPr>
+            <a:lvl4pPr marL="1371600" indent="0">
+              <a:buNone/>
+              <a:defRPr sz="1600" b="1"/>
+            </a:lvl4pPr>
+            <a:lvl5pPr marL="1828800" indent="0">
+              <a:buNone/>
+              <a:defRPr sz="1600" b="1"/>
+            </a:lvl5pPr>
+            <a:lvl6pPr marL="2286000" indent="0">
+              <a:buNone/>
+              <a:defRPr sz="1600" b="1"/>
+            </a:lvl6pPr>
+            <a:lvl7pPr marL="2743200" indent="0">
+              <a:buNone/>
+              <a:defRPr sz="1600" b="1"/>
+            </a:lvl7pPr>
+            <a:lvl8pPr marL="3200400" indent="0">
+              <a:buNone/>
+              <a:defRPr sz="1600" b="1"/>
+            </a:lvl8pPr>
+            <a:lvl9pPr marL="3657600" indent="0">
+              <a:buNone/>
+              <a:defRPr sz="1600" b="1"/>
+            </a:lvl9pPr>
+          </a:lstStyle>
+          <a:p>
+            <a:pPr lvl="0"/>
+            <a:r>
+              <a:rPr lang="ja-JP" altLang="en-US" smtClean="0"/>
+              <a:t>マスター テキストの書式設定</a:t>
+            </a:r>
+          </a:p>
+        </p:txBody>
+      </p:sp>
+      <p:sp>
+        <p:nvSpPr>
+          <p:cNvPr id="26" name="Picture Placeholder 2"/>
+          <p:cNvSpPr>
+            <a:spLocks noGrp="1" noChangeAspect="1"/>
+          </p:cNvSpPr>
+          <p:nvPr>
+            <p:ph type="pic" idx="22"/>
+          </p:nvPr>
+        </p:nvSpPr>
+        <p:spPr>
+          <a:xfrm>
+            <a:off x="8152803" y="2298987"/>
+            <a:ext cx="2932113" cy="1524000"/>
+          </a:xfrm>
+          <a:prstGeom prst="roundRect">
+            <a:avLst>
+              <a:gd name="adj" fmla="val 0"/>
+            </a:avLst>
+          </a:prstGeom>
+          <a:noFill/>
+          <a:ln w="146050" cap="sq">
+            <a:solidFill>
+              <a:srgbClr val="FFFFFF"/>
+            </a:solidFill>
+            <a:miter lim="800000"/>
+          </a:ln>
+          <a:effectLst>
+            <a:outerShdw blurRad="55000" dist="18000" dir="5400000" algn="tl" rotWithShape="0">
+              <a:srgbClr val="000000">
+                <a:alpha val="40000"/>
+              </a:srgbClr>
+            </a:outerShdw>
+          </a:effectLst>
+          <a:scene3d>
+            <a:camera prst="orthographicFront"/>
+            <a:lightRig rig="twoPt" dir="t">
+              <a:rot lat="0" lon="0" rev="7200000"/>
+            </a:lightRig>
+          </a:scene3d>
+          <a:sp3d>
+            <a:bevelT w="25400" h="19050"/>
+            <a:contourClr>
+              <a:srgbClr val="FFFFFF"/>
+            </a:contourClr>
+          </a:sp3d>
+        </p:spPr>
+        <p:txBody>
+          <a:bodyPr anchor="t">
+            <a:normAutofit/>
+          </a:bodyPr>
+          <a:lstStyle>
+            <a:lvl1pPr marL="0" indent="0" algn="ctr">
+              <a:buNone/>
+              <a:defRPr sz="1600"/>
+            </a:lvl1pPr>
+            <a:lvl2pPr marL="457200" indent="0">
+              <a:buNone/>
+              <a:defRPr sz="1600"/>
+            </a:lvl2pPr>
+            <a:lvl3pPr marL="914400" indent="0">
+              <a:buNone/>
+              <a:defRPr sz="1600"/>
+            </a:lvl3pPr>
+            <a:lvl4pPr marL="1371600" indent="0">
+              <a:buNone/>
+              <a:defRPr sz="1600"/>
+            </a:lvl4pPr>
+            <a:lvl5pPr marL="1828800" indent="0">
+              <a:buNone/>
+              <a:defRPr sz="1600"/>
+            </a:lvl5pPr>
+            <a:lvl6pPr marL="2286000" indent="0">
+              <a:buNone/>
+              <a:defRPr sz="1600"/>
+            </a:lvl6pPr>
+            <a:lvl7pPr marL="2743200" indent="0">
+              <a:buNone/>
+              <a:defRPr sz="1600"/>
+            </a:lvl7pPr>
+            <a:lvl8pPr marL="3200400" indent="0">
+              <a:buNone/>
+              <a:defRPr sz="1600"/>
+            </a:lvl8pPr>
+            <a:lvl9pPr marL="3657600" indent="0">
+              <a:buNone/>
+              <a:defRPr sz="1600"/>
+            </a:lvl9pPr>
+          </a:lstStyle>
+          <a:p>
+            <a:r>
+              <a:rPr lang="ja-JP" altLang="en-US" smtClean="0"/>
+              <a:t>図を追加</a:t>
+            </a:r>
+            <a:endParaRPr lang="en-US" dirty="0"/>
+          </a:p>
+        </p:txBody>
+      </p:sp>
+      <p:sp>
+        <p:nvSpPr>
+          <p:cNvPr id="27" name="Text Placeholder 3"/>
+          <p:cNvSpPr>
+            <a:spLocks noGrp="1"/>
+          </p:cNvSpPr>
+          <p:nvPr>
+            <p:ph type="body" sz="half" idx="20"/>
+          </p:nvPr>
+        </p:nvSpPr>
+        <p:spPr>
+          <a:xfrm>
+            <a:off x="7973298" y="4772161"/>
+            <a:ext cx="3294258" cy="1019037"/>
+          </a:xfrm>
+        </p:spPr>
+        <p:txBody>
+          <a:bodyPr anchor="t">
+            <a:normAutofit/>
+          </a:bodyPr>
+          <a:lstStyle>
+            <a:lvl1pPr marL="0" indent="0" algn="ctr">
+              <a:buNone/>
+              <a:defRPr sz="1400"/>
+            </a:lvl1pPr>
+            <a:lvl2pPr marL="457200" indent="0">
+              <a:buNone/>
+              <a:defRPr sz="1200"/>
+            </a:lvl2pPr>
+            <a:lvl3pPr marL="914400" indent="0">
+              <a:buNone/>
+              <a:defRPr sz="1000"/>
+            </a:lvl3pPr>
+            <a:lvl4pPr marL="1371600" indent="0">
+              <a:buNone/>
+              <a:defRPr sz="900"/>
+            </a:lvl4pPr>
+            <a:lvl5pPr marL="1828800" indent="0">
+              <a:buNone/>
+              <a:defRPr sz="900"/>
+            </a:lvl5pPr>
+            <a:lvl6pPr marL="2286000" indent="0">
+              <a:buNone/>
+              <a:defRPr sz="900"/>
+            </a:lvl6pPr>
+            <a:lvl7pPr marL="2743200" indent="0">
+              <a:buNone/>
+              <a:defRPr sz="900"/>
+            </a:lvl7pPr>
+            <a:lvl8pPr marL="3200400" indent="0">
+              <a:buNone/>
+              <a:defRPr sz="900"/>
+            </a:lvl8pPr>
+            <a:lvl9pPr marL="3657600" indent="0">
+              <a:buNone/>
+              <a:defRPr sz="900"/>
+            </a:lvl9pPr>
+          </a:lstStyle>
+          <a:p>
+            <a:pPr lvl="0"/>
+            <a:r>
+              <a:rPr lang="ja-JP" altLang="en-US" smtClean="0"/>
+              <a:t>マスター テキストの書式設定</a:t>
+            </a:r>
+          </a:p>
+        </p:txBody>
+      </p:sp>
+      <p:sp>
+        <p:nvSpPr>
+          <p:cNvPr id="3" name="Date Placeholder 2"/>
+          <p:cNvSpPr>
+            <a:spLocks noGrp="1"/>
+          </p:cNvSpPr>
+          <p:nvPr>
+            <p:ph type="dt" sz="half" idx="10"/>
+          </p:nvPr>
+        </p:nvSpPr>
+        <p:spPr/>
+        <p:txBody>
+          <a:bodyPr/>
+          <a:lstStyle/>
+          <a:p>
+            <a:fld id="{35AA80D5-8410-4C48-99E3-6682EC04A757}" type="datetimeFigureOut">
+              <a:rPr kumimoji="1" lang="ja-JP" altLang="en-US" smtClean="0"/>
+              <a:t>2019/11/19</a:t>
+            </a:fld>
+            <a:endParaRPr kumimoji="1" lang="ja-JP" altLang="en-US"/>
+          </a:p>
+        </p:txBody>
+      </p:sp>
+      <p:sp>
+        <p:nvSpPr>
+          <p:cNvPr id="4" name="Footer Placeholder 3"/>
+          <p:cNvSpPr>
+            <a:spLocks noGrp="1"/>
+          </p:cNvSpPr>
+          <p:nvPr>
+            <p:ph type="ftr" sz="quarter" idx="11"/>
+          </p:nvPr>
+        </p:nvSpPr>
+        <p:spPr/>
+        <p:txBody>
+          <a:bodyPr/>
+          <a:lstStyle/>
+          <a:p>
+            <a:endParaRPr kumimoji="1" lang="ja-JP" altLang="en-US"/>
+          </a:p>
+        </p:txBody>
+      </p:sp>
+      <p:sp>
+        <p:nvSpPr>
+          <p:cNvPr id="5" name="Slide Number Placeholder 4"/>
+          <p:cNvSpPr>
+            <a:spLocks noGrp="1"/>
+          </p:cNvSpPr>
+          <p:nvPr>
+            <p:ph type="sldNum" sz="quarter" idx="12"/>
+          </p:nvPr>
+        </p:nvSpPr>
+        <p:spPr/>
+        <p:txBody>
+          <a:bodyPr/>
+          <a:lstStyle/>
+          <a:p>
+            <a:fld id="{2989D18C-571D-4DB1-B733-2BAB920AC529}" type="slidenum">
+              <a:rPr kumimoji="1" lang="ja-JP" altLang="en-US" smtClean="0"/>
+              <a:t>‹#›</a:t>
+            </a:fld>
+            <a:endParaRPr kumimoji="1" lang="ja-JP" altLang="en-US"/>
+          </a:p>
+        </p:txBody>
+      </p:sp>
+    </p:spTree>
+    <p:extLst>
+      <p:ext uri="{BB962C8B-B14F-4D97-AF65-F5344CB8AC3E}">
+        <p14:creationId xmlns:p14="http://schemas.microsoft.com/office/powerpoint/2010/main" val="1164306992"/>
+      </p:ext>
+    </p:extLst>
+  </p:cSld>
+  <p:clrMapOvr>
+    <a:masterClrMapping/>
+  </p:clrMapOvr>
+</p:sldLayout>
+</file>
+
+<file path=ppt/slideLayouts/slideLayout16.xml><?xml version="1.0" encoding="utf-8"?>
 <p:sldLayout xmlns:a="http://schemas.openxmlformats.org/drawingml/2006/main" xmlns:r="http://schemas.openxmlformats.org/officeDocument/2006/relationships" xmlns:p="http://schemas.openxmlformats.org/presentationml/2006/main" type="vertTx" preserve="1">
   <p:cSld name="タイトルと&#10;縦書きテキスト">
     <p:spTree>
@@ -320,7 +2878,7 @@
       </p:grpSpPr>
       <p:sp>
         <p:nvSpPr>
-          <p:cNvPr id="2" name="タイトル 1"/>
+          <p:cNvPr id="2" name="Title 1"/>
           <p:cNvSpPr>
             <a:spLocks noGrp="1"/>
           </p:cNvSpPr>
@@ -334,16 +2892,16 @@
           <a:lstStyle/>
           <a:p>
             <a:r>
-              <a:rPr kumimoji="1" lang="ja-JP" altLang="en-US" smtClean="0"/>
+              <a:rPr lang="ja-JP" altLang="en-US" smtClean="0"/>
               <a:t>マスター タイトルの書式設定</a:t>
             </a:r>
-            <a:endParaRPr kumimoji="1" lang="ja-JP" altLang="en-US"/>
-          </a:p>
-        </p:txBody>
-      </p:sp>
-      <p:sp>
-        <p:nvSpPr>
-          <p:cNvPr id="3" name="縦書きテキスト プレースホルダー 2"/>
+            <a:endParaRPr lang="en-US" dirty="0"/>
+          </a:p>
+        </p:txBody>
+      </p:sp>
+      <p:sp>
+        <p:nvSpPr>
+          <p:cNvPr id="3" name="Vertical Text Placeholder 2"/>
           <p:cNvSpPr>
             <a:spLocks noGrp="1"/>
           </p:cNvSpPr>
@@ -358,76 +2916,76 @@
           <a:p>
             <a:pPr lvl="0"/>
             <a:r>
-              <a:rPr kumimoji="1" lang="ja-JP" altLang="en-US" smtClean="0"/>
+              <a:rPr lang="ja-JP" altLang="en-US" smtClean="0"/>
               <a:t>マスター テキストの書式設定</a:t>
             </a:r>
           </a:p>
           <a:p>
             <a:pPr lvl="1"/>
             <a:r>
-              <a:rPr kumimoji="1" lang="ja-JP" altLang="en-US" smtClean="0"/>
+              <a:rPr lang="ja-JP" altLang="en-US" smtClean="0"/>
               <a:t>第 </a:t>
             </a:r>
             <a:r>
-              <a:rPr kumimoji="1" lang="en-US" altLang="ja-JP" smtClean="0"/>
+              <a:rPr lang="en-US" altLang="ja-JP" smtClean="0"/>
               <a:t>2 </a:t>
             </a:r>
             <a:r>
-              <a:rPr kumimoji="1" lang="ja-JP" altLang="en-US" smtClean="0"/>
+              <a:rPr lang="ja-JP" altLang="en-US" smtClean="0"/>
               <a:t>レベル</a:t>
             </a:r>
           </a:p>
           <a:p>
             <a:pPr lvl="2"/>
             <a:r>
-              <a:rPr kumimoji="1" lang="ja-JP" altLang="en-US" smtClean="0"/>
+              <a:rPr lang="ja-JP" altLang="en-US" smtClean="0"/>
               <a:t>第 </a:t>
             </a:r>
             <a:r>
-              <a:rPr kumimoji="1" lang="en-US" altLang="ja-JP" smtClean="0"/>
+              <a:rPr lang="en-US" altLang="ja-JP" smtClean="0"/>
               <a:t>3 </a:t>
             </a:r>
             <a:r>
-              <a:rPr kumimoji="1" lang="ja-JP" altLang="en-US" smtClean="0"/>
+              <a:rPr lang="ja-JP" altLang="en-US" smtClean="0"/>
               <a:t>レベル</a:t>
             </a:r>
           </a:p>
           <a:p>
             <a:pPr lvl="3"/>
             <a:r>
-              <a:rPr kumimoji="1" lang="ja-JP" altLang="en-US" smtClean="0"/>
+              <a:rPr lang="ja-JP" altLang="en-US" smtClean="0"/>
               <a:t>第 </a:t>
             </a:r>
             <a:r>
-              <a:rPr kumimoji="1" lang="en-US" altLang="ja-JP" smtClean="0"/>
+              <a:rPr lang="en-US" altLang="ja-JP" smtClean="0"/>
               <a:t>4 </a:t>
             </a:r>
             <a:r>
-              <a:rPr kumimoji="1" lang="ja-JP" altLang="en-US" smtClean="0"/>
+              <a:rPr lang="ja-JP" altLang="en-US" smtClean="0"/>
               <a:t>レベル</a:t>
             </a:r>
           </a:p>
           <a:p>
             <a:pPr lvl="4"/>
             <a:r>
-              <a:rPr kumimoji="1" lang="ja-JP" altLang="en-US" smtClean="0"/>
+              <a:rPr lang="ja-JP" altLang="en-US" smtClean="0"/>
               <a:t>第 </a:t>
             </a:r>
             <a:r>
-              <a:rPr kumimoji="1" lang="en-US" altLang="ja-JP" smtClean="0"/>
+              <a:rPr lang="en-US" altLang="ja-JP" smtClean="0"/>
               <a:t>5 </a:t>
             </a:r>
             <a:r>
-              <a:rPr kumimoji="1" lang="ja-JP" altLang="en-US" smtClean="0"/>
+              <a:rPr lang="ja-JP" altLang="en-US" smtClean="0"/>
               <a:t>レベル</a:t>
             </a:r>
-            <a:endParaRPr kumimoji="1" lang="ja-JP" altLang="en-US"/>
-          </a:p>
-        </p:txBody>
-      </p:sp>
-      <p:sp>
-        <p:nvSpPr>
-          <p:cNvPr id="4" name="日付プレースホルダー 3"/>
+            <a:endParaRPr lang="en-US" dirty="0"/>
+          </a:p>
+        </p:txBody>
+      </p:sp>
+      <p:sp>
+        <p:nvSpPr>
+          <p:cNvPr id="4" name="Date Placeholder 3"/>
           <p:cNvSpPr>
             <a:spLocks noGrp="1"/>
           </p:cNvSpPr>
@@ -450,7 +3008,7 @@
       </p:sp>
       <p:sp>
         <p:nvSpPr>
-          <p:cNvPr id="5" name="フッター プレースホルダー 4"/>
+          <p:cNvPr id="5" name="Footer Placeholder 4"/>
           <p:cNvSpPr>
             <a:spLocks noGrp="1"/>
           </p:cNvSpPr>
@@ -469,7 +3027,7 @@
       </p:sp>
       <p:sp>
         <p:nvSpPr>
-          <p:cNvPr id="6" name="スライド番号プレースホルダー 5"/>
+          <p:cNvPr id="6" name="Slide Number Placeholder 5"/>
           <p:cNvSpPr>
             <a:spLocks noGrp="1"/>
           </p:cNvSpPr>
@@ -493,7 +3051,7 @@
     </p:spTree>
     <p:extLst>
       <p:ext uri="{BB962C8B-B14F-4D97-AF65-F5344CB8AC3E}">
-        <p14:creationId xmlns:p14="http://schemas.microsoft.com/office/powerpoint/2010/main" val="3733004202"/>
+        <p14:creationId xmlns:p14="http://schemas.microsoft.com/office/powerpoint/2010/main" val="2207012989"/>
       </p:ext>
     </p:extLst>
   </p:cSld>
@@ -503,7 +3061,7 @@
 </p:sldLayout>
 </file>
 
-<file path=ppt/slideLayouts/slideLayout11.xml><?xml version="1.0" encoding="utf-8"?>
+<file path=ppt/slideLayouts/slideLayout17.xml><?xml version="1.0" encoding="utf-8"?>
 <p:sldLayout xmlns:a="http://schemas.openxmlformats.org/drawingml/2006/main" xmlns:r="http://schemas.openxmlformats.org/officeDocument/2006/relationships" xmlns:p="http://schemas.openxmlformats.org/presentationml/2006/main" type="vertTitleAndTx" preserve="1">
   <p:cSld name="縦書きタイトルと&#10;縦書きテキスト">
     <p:spTree>
@@ -522,7 +3080,7 @@
       </p:grpSpPr>
       <p:sp>
         <p:nvSpPr>
-          <p:cNvPr id="2" name="縦書きタイトル 1"/>
+          <p:cNvPr id="2" name="Vertical Title 1"/>
           <p:cNvSpPr>
             <a:spLocks noGrp="1"/>
           </p:cNvSpPr>
@@ -532,25 +3090,29 @@
         </p:nvSpPr>
         <p:spPr>
           <a:xfrm>
-            <a:off x="8724900" y="365125"/>
-            <a:ext cx="2628900" cy="5811838"/>
+            <a:off x="8724900" y="609599"/>
+            <a:ext cx="2542657" cy="5181601"/>
           </a:xfrm>
         </p:spPr>
         <p:txBody>
           <a:bodyPr vert="eaVert"/>
-          <a:lstStyle/>
-          <a:p>
-            <a:r>
-              <a:rPr kumimoji="1" lang="ja-JP" altLang="en-US" smtClean="0"/>
+          <a:lstStyle>
+            <a:lvl1pPr algn="l">
+              <a:defRPr/>
+            </a:lvl1pPr>
+          </a:lstStyle>
+          <a:p>
+            <a:r>
+              <a:rPr lang="ja-JP" altLang="en-US" smtClean="0"/>
               <a:t>マスター タイトルの書式設定</a:t>
             </a:r>
-            <a:endParaRPr kumimoji="1" lang="ja-JP" altLang="en-US"/>
-          </a:p>
-        </p:txBody>
-      </p:sp>
-      <p:sp>
-        <p:nvSpPr>
-          <p:cNvPr id="3" name="縦書きテキスト プレースホルダー 2"/>
+            <a:endParaRPr lang="en-US" dirty="0"/>
+          </a:p>
+        </p:txBody>
+      </p:sp>
+      <p:sp>
+        <p:nvSpPr>
+          <p:cNvPr id="3" name="Vertical Text Placeholder 2"/>
           <p:cNvSpPr>
             <a:spLocks noGrp="1"/>
           </p:cNvSpPr>
@@ -560,8 +3122,8 @@
         </p:nvSpPr>
         <p:spPr>
           <a:xfrm>
-            <a:off x="838200" y="365125"/>
-            <a:ext cx="7734300" cy="5811838"/>
+            <a:off x="913794" y="609599"/>
+            <a:ext cx="7658705" cy="5181601"/>
           </a:xfrm>
         </p:spPr>
         <p:txBody>
@@ -570,76 +3132,76 @@
           <a:p>
             <a:pPr lvl="0"/>
             <a:r>
-              <a:rPr kumimoji="1" lang="ja-JP" altLang="en-US" smtClean="0"/>
+              <a:rPr lang="ja-JP" altLang="en-US" smtClean="0"/>
               <a:t>マスター テキストの書式設定</a:t>
             </a:r>
           </a:p>
           <a:p>
             <a:pPr lvl="1"/>
             <a:r>
-              <a:rPr kumimoji="1" lang="ja-JP" altLang="en-US" smtClean="0"/>
+              <a:rPr lang="ja-JP" altLang="en-US" smtClean="0"/>
               <a:t>第 </a:t>
             </a:r>
             <a:r>
-              <a:rPr kumimoji="1" lang="en-US" altLang="ja-JP" smtClean="0"/>
+              <a:rPr lang="en-US" altLang="ja-JP" smtClean="0"/>
               <a:t>2 </a:t>
             </a:r>
             <a:r>
-              <a:rPr kumimoji="1" lang="ja-JP" altLang="en-US" smtClean="0"/>
+              <a:rPr lang="ja-JP" altLang="en-US" smtClean="0"/>
               <a:t>レベル</a:t>
             </a:r>
           </a:p>
           <a:p>
             <a:pPr lvl="2"/>
             <a:r>
-              <a:rPr kumimoji="1" lang="ja-JP" altLang="en-US" smtClean="0"/>
+              <a:rPr lang="ja-JP" altLang="en-US" smtClean="0"/>
               <a:t>第 </a:t>
             </a:r>
             <a:r>
-              <a:rPr kumimoji="1" lang="en-US" altLang="ja-JP" smtClean="0"/>
+              <a:rPr lang="en-US" altLang="ja-JP" smtClean="0"/>
               <a:t>3 </a:t>
             </a:r>
             <a:r>
-              <a:rPr kumimoji="1" lang="ja-JP" altLang="en-US" smtClean="0"/>
+              <a:rPr lang="ja-JP" altLang="en-US" smtClean="0"/>
               <a:t>レベル</a:t>
             </a:r>
           </a:p>
           <a:p>
             <a:pPr lvl="3"/>
             <a:r>
-              <a:rPr kumimoji="1" lang="ja-JP" altLang="en-US" smtClean="0"/>
+              <a:rPr lang="ja-JP" altLang="en-US" smtClean="0"/>
               <a:t>第 </a:t>
             </a:r>
             <a:r>
-              <a:rPr kumimoji="1" lang="en-US" altLang="ja-JP" smtClean="0"/>
+              <a:rPr lang="en-US" altLang="ja-JP" smtClean="0"/>
               <a:t>4 </a:t>
             </a:r>
             <a:r>
-              <a:rPr kumimoji="1" lang="ja-JP" altLang="en-US" smtClean="0"/>
+              <a:rPr lang="ja-JP" altLang="en-US" smtClean="0"/>
               <a:t>レベル</a:t>
             </a:r>
           </a:p>
           <a:p>
             <a:pPr lvl="4"/>
             <a:r>
-              <a:rPr kumimoji="1" lang="ja-JP" altLang="en-US" smtClean="0"/>
+              <a:rPr lang="ja-JP" altLang="en-US" smtClean="0"/>
               <a:t>第 </a:t>
             </a:r>
             <a:r>
-              <a:rPr kumimoji="1" lang="en-US" altLang="ja-JP" smtClean="0"/>
+              <a:rPr lang="en-US" altLang="ja-JP" smtClean="0"/>
               <a:t>5 </a:t>
             </a:r>
             <a:r>
-              <a:rPr kumimoji="1" lang="ja-JP" altLang="en-US" smtClean="0"/>
+              <a:rPr lang="ja-JP" altLang="en-US" smtClean="0"/>
               <a:t>レベル</a:t>
             </a:r>
-            <a:endParaRPr kumimoji="1" lang="ja-JP" altLang="en-US"/>
-          </a:p>
-        </p:txBody>
-      </p:sp>
-      <p:sp>
-        <p:nvSpPr>
-          <p:cNvPr id="4" name="日付プレースホルダー 3"/>
+            <a:endParaRPr lang="en-US" dirty="0"/>
+          </a:p>
+        </p:txBody>
+      </p:sp>
+      <p:sp>
+        <p:nvSpPr>
+          <p:cNvPr id="4" name="Date Placeholder 3"/>
           <p:cNvSpPr>
             <a:spLocks noGrp="1"/>
           </p:cNvSpPr>
@@ -662,7 +3224,7 @@
       </p:sp>
       <p:sp>
         <p:nvSpPr>
-          <p:cNvPr id="5" name="フッター プレースホルダー 4"/>
+          <p:cNvPr id="5" name="Footer Placeholder 4"/>
           <p:cNvSpPr>
             <a:spLocks noGrp="1"/>
           </p:cNvSpPr>
@@ -681,7 +3243,7 @@
       </p:sp>
       <p:sp>
         <p:nvSpPr>
-          <p:cNvPr id="6" name="スライド番号プレースホルダー 5"/>
+          <p:cNvPr id="6" name="Slide Number Placeholder 5"/>
           <p:cNvSpPr>
             <a:spLocks noGrp="1"/>
           </p:cNvSpPr>
@@ -705,7 +3267,7 @@
     </p:spTree>
     <p:extLst>
       <p:ext uri="{BB962C8B-B14F-4D97-AF65-F5344CB8AC3E}">
-        <p14:creationId xmlns:p14="http://schemas.microsoft.com/office/powerpoint/2010/main" val="1845421201"/>
+        <p14:creationId xmlns:p14="http://schemas.microsoft.com/office/powerpoint/2010/main" val="2401896007"/>
       </p:ext>
     </p:extLst>
   </p:cSld>
@@ -734,7 +3296,7 @@
       </p:grpSpPr>
       <p:sp>
         <p:nvSpPr>
-          <p:cNvPr id="2" name="タイトル 1"/>
+          <p:cNvPr id="2" name="Title 1"/>
           <p:cNvSpPr>
             <a:spLocks noGrp="1"/>
           </p:cNvSpPr>
@@ -748,16 +3310,16 @@
           <a:lstStyle/>
           <a:p>
             <a:r>
-              <a:rPr kumimoji="1" lang="ja-JP" altLang="en-US" smtClean="0"/>
+              <a:rPr lang="ja-JP" altLang="en-US" smtClean="0"/>
               <a:t>マスター タイトルの書式設定</a:t>
             </a:r>
-            <a:endParaRPr kumimoji="1" lang="ja-JP" altLang="en-US"/>
-          </a:p>
-        </p:txBody>
-      </p:sp>
-      <p:sp>
-        <p:nvSpPr>
-          <p:cNvPr id="3" name="コンテンツ プレースホルダー 2"/>
+            <a:endParaRPr lang="en-US" dirty="0"/>
+          </a:p>
+        </p:txBody>
+      </p:sp>
+      <p:sp>
+        <p:nvSpPr>
+          <p:cNvPr id="3" name="Content Placeholder 2"/>
           <p:cNvSpPr>
             <a:spLocks noGrp="1"/>
           </p:cNvSpPr>
@@ -772,76 +3334,76 @@
           <a:p>
             <a:pPr lvl="0"/>
             <a:r>
-              <a:rPr kumimoji="1" lang="ja-JP" altLang="en-US" smtClean="0"/>
+              <a:rPr lang="ja-JP" altLang="en-US" smtClean="0"/>
               <a:t>マスター テキストの書式設定</a:t>
             </a:r>
           </a:p>
           <a:p>
             <a:pPr lvl="1"/>
             <a:r>
-              <a:rPr kumimoji="1" lang="ja-JP" altLang="en-US" smtClean="0"/>
+              <a:rPr lang="ja-JP" altLang="en-US" smtClean="0"/>
               <a:t>第 </a:t>
             </a:r>
             <a:r>
-              <a:rPr kumimoji="1" lang="en-US" altLang="ja-JP" smtClean="0"/>
+              <a:rPr lang="en-US" altLang="ja-JP" smtClean="0"/>
               <a:t>2 </a:t>
             </a:r>
             <a:r>
-              <a:rPr kumimoji="1" lang="ja-JP" altLang="en-US" smtClean="0"/>
+              <a:rPr lang="ja-JP" altLang="en-US" smtClean="0"/>
               <a:t>レベル</a:t>
             </a:r>
           </a:p>
           <a:p>
             <a:pPr lvl="2"/>
             <a:r>
-              <a:rPr kumimoji="1" lang="ja-JP" altLang="en-US" smtClean="0"/>
+              <a:rPr lang="ja-JP" altLang="en-US" smtClean="0"/>
               <a:t>第 </a:t>
             </a:r>
             <a:r>
-              <a:rPr kumimoji="1" lang="en-US" altLang="ja-JP" smtClean="0"/>
+              <a:rPr lang="en-US" altLang="ja-JP" smtClean="0"/>
               <a:t>3 </a:t>
             </a:r>
             <a:r>
-              <a:rPr kumimoji="1" lang="ja-JP" altLang="en-US" smtClean="0"/>
+              <a:rPr lang="ja-JP" altLang="en-US" smtClean="0"/>
               <a:t>レベル</a:t>
             </a:r>
           </a:p>
           <a:p>
             <a:pPr lvl="3"/>
             <a:r>
-              <a:rPr kumimoji="1" lang="ja-JP" altLang="en-US" smtClean="0"/>
+              <a:rPr lang="ja-JP" altLang="en-US" smtClean="0"/>
               <a:t>第 </a:t>
             </a:r>
             <a:r>
-              <a:rPr kumimoji="1" lang="en-US" altLang="ja-JP" smtClean="0"/>
+              <a:rPr lang="en-US" altLang="ja-JP" smtClean="0"/>
               <a:t>4 </a:t>
             </a:r>
             <a:r>
-              <a:rPr kumimoji="1" lang="ja-JP" altLang="en-US" smtClean="0"/>
+              <a:rPr lang="ja-JP" altLang="en-US" smtClean="0"/>
               <a:t>レベル</a:t>
             </a:r>
           </a:p>
           <a:p>
             <a:pPr lvl="4"/>
             <a:r>
-              <a:rPr kumimoji="1" lang="ja-JP" altLang="en-US" smtClean="0"/>
+              <a:rPr lang="ja-JP" altLang="en-US" smtClean="0"/>
               <a:t>第 </a:t>
             </a:r>
             <a:r>
-              <a:rPr kumimoji="1" lang="en-US" altLang="ja-JP" smtClean="0"/>
+              <a:rPr lang="en-US" altLang="ja-JP" smtClean="0"/>
               <a:t>5 </a:t>
             </a:r>
             <a:r>
-              <a:rPr kumimoji="1" lang="ja-JP" altLang="en-US" smtClean="0"/>
+              <a:rPr lang="ja-JP" altLang="en-US" smtClean="0"/>
               <a:t>レベル</a:t>
             </a:r>
-            <a:endParaRPr kumimoji="1" lang="ja-JP" altLang="en-US"/>
-          </a:p>
-        </p:txBody>
-      </p:sp>
-      <p:sp>
-        <p:nvSpPr>
-          <p:cNvPr id="4" name="日付プレースホルダー 3"/>
+            <a:endParaRPr lang="en-US" dirty="0"/>
+          </a:p>
+        </p:txBody>
+      </p:sp>
+      <p:sp>
+        <p:nvSpPr>
+          <p:cNvPr id="4" name="Date Placeholder 3"/>
           <p:cNvSpPr>
             <a:spLocks noGrp="1"/>
           </p:cNvSpPr>
@@ -864,7 +3426,7 @@
       </p:sp>
       <p:sp>
         <p:nvSpPr>
-          <p:cNvPr id="5" name="フッター プレースホルダー 4"/>
+          <p:cNvPr id="5" name="Footer Placeholder 4"/>
           <p:cNvSpPr>
             <a:spLocks noGrp="1"/>
           </p:cNvSpPr>
@@ -883,7 +3445,7 @@
       </p:sp>
       <p:sp>
         <p:nvSpPr>
-          <p:cNvPr id="6" name="スライド番号プレースホルダー 5"/>
+          <p:cNvPr id="6" name="Slide Number Placeholder 5"/>
           <p:cNvSpPr>
             <a:spLocks noGrp="1"/>
           </p:cNvSpPr>
@@ -907,7 +3469,7 @@
     </p:spTree>
     <p:extLst>
       <p:ext uri="{BB962C8B-B14F-4D97-AF65-F5344CB8AC3E}">
-        <p14:creationId xmlns:p14="http://schemas.microsoft.com/office/powerpoint/2010/main" val="1898047138"/>
+        <p14:creationId xmlns:p14="http://schemas.microsoft.com/office/powerpoint/2010/main" val="42890394"/>
       </p:ext>
     </p:extLst>
   </p:cSld>
@@ -936,7 +3498,7 @@
       </p:grpSpPr>
       <p:sp>
         <p:nvSpPr>
-          <p:cNvPr id="2" name="タイトル 1"/>
+          <p:cNvPr id="2" name="Title 1"/>
           <p:cNvSpPr>
             <a:spLocks noGrp="1"/>
           </p:cNvSpPr>
@@ -946,29 +3508,31 @@
         </p:nvSpPr>
         <p:spPr>
           <a:xfrm>
-            <a:off x="831850" y="1709738"/>
-            <a:ext cx="10515600" cy="2852737"/>
+            <a:off x="1229244" y="657226"/>
+            <a:ext cx="9733512" cy="2852737"/>
           </a:xfrm>
         </p:spPr>
         <p:txBody>
-          <a:bodyPr anchor="b"/>
+          <a:bodyPr anchor="b">
+            <a:normAutofit/>
+          </a:bodyPr>
           <a:lstStyle>
             <a:lvl1pPr>
-              <a:defRPr sz="6000"/>
+              <a:defRPr sz="3400"/>
             </a:lvl1pPr>
           </a:lstStyle>
           <a:p>
             <a:r>
-              <a:rPr kumimoji="1" lang="ja-JP" altLang="en-US" smtClean="0"/>
+              <a:rPr lang="ja-JP" altLang="en-US" smtClean="0"/>
               <a:t>マスター タイトルの書式設定</a:t>
             </a:r>
-            <a:endParaRPr kumimoji="1" lang="ja-JP" altLang="en-US"/>
-          </a:p>
-        </p:txBody>
-      </p:sp>
-      <p:sp>
-        <p:nvSpPr>
-          <p:cNvPr id="3" name="テキスト プレースホルダー 2"/>
+            <a:endParaRPr lang="en-US" dirty="0"/>
+          </a:p>
+        </p:txBody>
+      </p:sp>
+      <p:sp>
+        <p:nvSpPr>
+          <p:cNvPr id="3" name="Text Placeholder 2"/>
           <p:cNvSpPr>
             <a:spLocks noGrp="1"/>
           </p:cNvSpPr>
@@ -978,14 +3542,14 @@
         </p:nvSpPr>
         <p:spPr>
           <a:xfrm>
-            <a:off x="831850" y="4589463"/>
-            <a:ext cx="10515600" cy="1500187"/>
+            <a:off x="1229244" y="3602038"/>
+            <a:ext cx="9733512" cy="1500187"/>
           </a:xfrm>
         </p:spPr>
         <p:txBody>
           <a:bodyPr/>
           <a:lstStyle>
-            <a:lvl1pPr marL="0" indent="0">
+            <a:lvl1pPr marL="0" indent="0" algn="ctr">
               <a:buNone/>
               <a:defRPr sz="2400">
                 <a:solidFill>
@@ -1079,7 +3643,7 @@
           <a:p>
             <a:pPr lvl="0"/>
             <a:r>
-              <a:rPr kumimoji="1" lang="ja-JP" altLang="en-US" smtClean="0"/>
+              <a:rPr lang="ja-JP" altLang="en-US" smtClean="0"/>
               <a:t>マスター テキストの書式設定</a:t>
             </a:r>
           </a:p>
@@ -1087,7 +3651,7 @@
       </p:sp>
       <p:sp>
         <p:nvSpPr>
-          <p:cNvPr id="4" name="日付プレースホルダー 3"/>
+          <p:cNvPr id="4" name="Date Placeholder 3"/>
           <p:cNvSpPr>
             <a:spLocks noGrp="1"/>
           </p:cNvSpPr>
@@ -1110,7 +3674,7 @@
       </p:sp>
       <p:sp>
         <p:nvSpPr>
-          <p:cNvPr id="5" name="フッター プレースホルダー 4"/>
+          <p:cNvPr id="5" name="Footer Placeholder 4"/>
           <p:cNvSpPr>
             <a:spLocks noGrp="1"/>
           </p:cNvSpPr>
@@ -1129,7 +3693,7 @@
       </p:sp>
       <p:sp>
         <p:nvSpPr>
-          <p:cNvPr id="6" name="スライド番号プレースホルダー 5"/>
+          <p:cNvPr id="6" name="Slide Number Placeholder 5"/>
           <p:cNvSpPr>
             <a:spLocks noGrp="1"/>
           </p:cNvSpPr>
@@ -1153,7 +3717,7 @@
     </p:spTree>
     <p:extLst>
       <p:ext uri="{BB962C8B-B14F-4D97-AF65-F5344CB8AC3E}">
-        <p14:creationId xmlns:p14="http://schemas.microsoft.com/office/powerpoint/2010/main" val="1023091822"/>
+        <p14:creationId xmlns:p14="http://schemas.microsoft.com/office/powerpoint/2010/main" val="624107575"/>
       </p:ext>
     </p:extLst>
   </p:cSld>
@@ -1182,130 +3746,46 @@
       </p:grpSpPr>
       <p:sp>
         <p:nvSpPr>
-          <p:cNvPr id="2" name="タイトル 1"/>
+          <p:cNvPr id="2" name="Title 1"/>
           <p:cNvSpPr>
             <a:spLocks noGrp="1"/>
           </p:cNvSpPr>
           <p:nvPr>
             <p:ph type="title"/>
-          </p:nvPr>
-        </p:nvSpPr>
-        <p:spPr/>
-        <p:txBody>
-          <a:bodyPr/>
-          <a:lstStyle/>
-          <a:p>
-            <a:r>
-              <a:rPr kumimoji="1" lang="ja-JP" altLang="en-US" smtClean="0"/>
-              <a:t>マスター タイトルの書式設定</a:t>
-            </a:r>
-            <a:endParaRPr kumimoji="1" lang="ja-JP" altLang="en-US"/>
-          </a:p>
-        </p:txBody>
-      </p:sp>
-      <p:sp>
-        <p:nvSpPr>
-          <p:cNvPr id="3" name="コンテンツ プレースホルダー 2"/>
-          <p:cNvSpPr>
-            <a:spLocks noGrp="1"/>
-          </p:cNvSpPr>
-          <p:nvPr>
-            <p:ph sz="half" idx="1"/>
           </p:nvPr>
         </p:nvSpPr>
         <p:spPr>
           <a:xfrm>
-            <a:off x="838200" y="1825625"/>
-            <a:ext cx="5181600" cy="4351338"/>
+            <a:off x="913795" y="609600"/>
+            <a:ext cx="10353761" cy="1326321"/>
           </a:xfrm>
         </p:spPr>
         <p:txBody>
           <a:bodyPr/>
           <a:lstStyle/>
           <a:p>
-            <a:pPr lvl="0"/>
-            <a:r>
-              <a:rPr kumimoji="1" lang="ja-JP" altLang="en-US" smtClean="0"/>
-              <a:t>マスター テキストの書式設定</a:t>
-            </a:r>
-          </a:p>
-          <a:p>
-            <a:pPr lvl="1"/>
-            <a:r>
-              <a:rPr kumimoji="1" lang="ja-JP" altLang="en-US" smtClean="0"/>
-              <a:t>第 </a:t>
-            </a:r>
-            <a:r>
-              <a:rPr kumimoji="1" lang="en-US" altLang="ja-JP" smtClean="0"/>
-              <a:t>2 </a:t>
-            </a:r>
-            <a:r>
-              <a:rPr kumimoji="1" lang="ja-JP" altLang="en-US" smtClean="0"/>
-              <a:t>レベル</a:t>
-            </a:r>
-          </a:p>
-          <a:p>
-            <a:pPr lvl="2"/>
-            <a:r>
-              <a:rPr kumimoji="1" lang="ja-JP" altLang="en-US" smtClean="0"/>
-              <a:t>第 </a:t>
-            </a:r>
-            <a:r>
-              <a:rPr kumimoji="1" lang="en-US" altLang="ja-JP" smtClean="0"/>
-              <a:t>3 </a:t>
-            </a:r>
-            <a:r>
-              <a:rPr kumimoji="1" lang="ja-JP" altLang="en-US" smtClean="0"/>
-              <a:t>レベル</a:t>
-            </a:r>
-          </a:p>
-          <a:p>
-            <a:pPr lvl="3"/>
-            <a:r>
-              <a:rPr kumimoji="1" lang="ja-JP" altLang="en-US" smtClean="0"/>
-              <a:t>第 </a:t>
-            </a:r>
-            <a:r>
-              <a:rPr kumimoji="1" lang="en-US" altLang="ja-JP" smtClean="0"/>
-              <a:t>4 </a:t>
-            </a:r>
-            <a:r>
-              <a:rPr kumimoji="1" lang="ja-JP" altLang="en-US" smtClean="0"/>
-              <a:t>レベル</a:t>
-            </a:r>
-          </a:p>
-          <a:p>
-            <a:pPr lvl="4"/>
-            <a:r>
-              <a:rPr kumimoji="1" lang="ja-JP" altLang="en-US" smtClean="0"/>
-              <a:t>第 </a:t>
-            </a:r>
-            <a:r>
-              <a:rPr kumimoji="1" lang="en-US" altLang="ja-JP" smtClean="0"/>
-              <a:t>5 </a:t>
-            </a:r>
-            <a:r>
-              <a:rPr kumimoji="1" lang="ja-JP" altLang="en-US" smtClean="0"/>
-              <a:t>レベル</a:t>
-            </a:r>
-            <a:endParaRPr kumimoji="1" lang="ja-JP" altLang="en-US"/>
-          </a:p>
-        </p:txBody>
-      </p:sp>
-      <p:sp>
-        <p:nvSpPr>
-          <p:cNvPr id="4" name="コンテンツ プレースホルダー 3"/>
-          <p:cNvSpPr>
-            <a:spLocks noGrp="1"/>
-          </p:cNvSpPr>
-          <p:nvPr>
-            <p:ph sz="half" idx="2"/>
+            <a:r>
+              <a:rPr lang="ja-JP" altLang="en-US" smtClean="0"/>
+              <a:t>マスター タイトルの書式設定</a:t>
+            </a:r>
+            <a:endParaRPr lang="en-US" dirty="0"/>
+          </a:p>
+        </p:txBody>
+      </p:sp>
+      <p:sp>
+        <p:nvSpPr>
+          <p:cNvPr id="3" name="Content Placeholder 2"/>
+          <p:cNvSpPr>
+            <a:spLocks noGrp="1"/>
+          </p:cNvSpPr>
+          <p:nvPr>
+            <p:ph sz="half" idx="1"/>
           </p:nvPr>
         </p:nvSpPr>
         <p:spPr>
           <a:xfrm>
-            <a:off x="6172200" y="1825625"/>
-            <a:ext cx="5181600" cy="4351338"/>
+            <a:off x="913795" y="2088319"/>
+            <a:ext cx="5106004" cy="3702881"/>
           </a:xfrm>
         </p:spPr>
         <p:txBody>
@@ -1314,76 +3794,165 @@
           <a:p>
             <a:pPr lvl="0"/>
             <a:r>
-              <a:rPr kumimoji="1" lang="ja-JP" altLang="en-US" smtClean="0"/>
+              <a:rPr lang="ja-JP" altLang="en-US" smtClean="0"/>
               <a:t>マスター テキストの書式設定</a:t>
             </a:r>
           </a:p>
           <a:p>
             <a:pPr lvl="1"/>
             <a:r>
-              <a:rPr kumimoji="1" lang="ja-JP" altLang="en-US" smtClean="0"/>
+              <a:rPr lang="ja-JP" altLang="en-US" smtClean="0"/>
               <a:t>第 </a:t>
             </a:r>
             <a:r>
-              <a:rPr kumimoji="1" lang="en-US" altLang="ja-JP" smtClean="0"/>
+              <a:rPr lang="en-US" altLang="ja-JP" smtClean="0"/>
               <a:t>2 </a:t>
             </a:r>
             <a:r>
-              <a:rPr kumimoji="1" lang="ja-JP" altLang="en-US" smtClean="0"/>
+              <a:rPr lang="ja-JP" altLang="en-US" smtClean="0"/>
               <a:t>レベル</a:t>
             </a:r>
           </a:p>
           <a:p>
             <a:pPr lvl="2"/>
             <a:r>
-              <a:rPr kumimoji="1" lang="ja-JP" altLang="en-US" smtClean="0"/>
+              <a:rPr lang="ja-JP" altLang="en-US" smtClean="0"/>
               <a:t>第 </a:t>
             </a:r>
             <a:r>
-              <a:rPr kumimoji="1" lang="en-US" altLang="ja-JP" smtClean="0"/>
+              <a:rPr lang="en-US" altLang="ja-JP" smtClean="0"/>
               <a:t>3 </a:t>
             </a:r>
             <a:r>
-              <a:rPr kumimoji="1" lang="ja-JP" altLang="en-US" smtClean="0"/>
+              <a:rPr lang="ja-JP" altLang="en-US" smtClean="0"/>
               <a:t>レベル</a:t>
             </a:r>
           </a:p>
           <a:p>
             <a:pPr lvl="3"/>
             <a:r>
-              <a:rPr kumimoji="1" lang="ja-JP" altLang="en-US" smtClean="0"/>
+              <a:rPr lang="ja-JP" altLang="en-US" smtClean="0"/>
               <a:t>第 </a:t>
             </a:r>
             <a:r>
-              <a:rPr kumimoji="1" lang="en-US" altLang="ja-JP" smtClean="0"/>
+              <a:rPr lang="en-US" altLang="ja-JP" smtClean="0"/>
               <a:t>4 </a:t>
             </a:r>
             <a:r>
-              <a:rPr kumimoji="1" lang="ja-JP" altLang="en-US" smtClean="0"/>
+              <a:rPr lang="ja-JP" altLang="en-US" smtClean="0"/>
               <a:t>レベル</a:t>
             </a:r>
           </a:p>
           <a:p>
             <a:pPr lvl="4"/>
             <a:r>
-              <a:rPr kumimoji="1" lang="ja-JP" altLang="en-US" smtClean="0"/>
+              <a:rPr lang="ja-JP" altLang="en-US" smtClean="0"/>
               <a:t>第 </a:t>
             </a:r>
             <a:r>
-              <a:rPr kumimoji="1" lang="en-US" altLang="ja-JP" smtClean="0"/>
+              <a:rPr lang="en-US" altLang="ja-JP" smtClean="0"/>
               <a:t>5 </a:t>
             </a:r>
             <a:r>
-              <a:rPr kumimoji="1" lang="ja-JP" altLang="en-US" smtClean="0"/>
+              <a:rPr lang="ja-JP" altLang="en-US" smtClean="0"/>
               <a:t>レベル</a:t>
             </a:r>
-            <a:endParaRPr kumimoji="1" lang="ja-JP" altLang="en-US"/>
-          </a:p>
-        </p:txBody>
-      </p:sp>
-      <p:sp>
-        <p:nvSpPr>
-          <p:cNvPr id="5" name="日付プレースホルダー 4"/>
+            <a:endParaRPr lang="en-US" dirty="0"/>
+          </a:p>
+        </p:txBody>
+      </p:sp>
+      <p:sp>
+        <p:nvSpPr>
+          <p:cNvPr id="4" name="Content Placeholder 3"/>
+          <p:cNvSpPr>
+            <a:spLocks noGrp="1"/>
+          </p:cNvSpPr>
+          <p:nvPr>
+            <p:ph sz="half" idx="2"/>
+          </p:nvPr>
+        </p:nvSpPr>
+        <p:spPr>
+          <a:xfrm>
+            <a:off x="6173403" y="2088319"/>
+            <a:ext cx="5094154" cy="3702881"/>
+          </a:xfrm>
+        </p:spPr>
+        <p:txBody>
+          <a:bodyPr/>
+          <a:lstStyle/>
+          <a:p>
+            <a:pPr lvl="0"/>
+            <a:r>
+              <a:rPr lang="ja-JP" altLang="en-US" smtClean="0"/>
+              <a:t>マスター テキストの書式設定</a:t>
+            </a:r>
+          </a:p>
+          <a:p>
+            <a:pPr lvl="1"/>
+            <a:r>
+              <a:rPr lang="ja-JP" altLang="en-US" smtClean="0"/>
+              <a:t>第 </a:t>
+            </a:r>
+            <a:r>
+              <a:rPr lang="en-US" altLang="ja-JP" smtClean="0"/>
+              <a:t>2 </a:t>
+            </a:r>
+            <a:r>
+              <a:rPr lang="ja-JP" altLang="en-US" smtClean="0"/>
+              <a:t>レベル</a:t>
+            </a:r>
+          </a:p>
+          <a:p>
+            <a:pPr lvl="2"/>
+            <a:r>
+              <a:rPr lang="ja-JP" altLang="en-US" smtClean="0"/>
+              <a:t>第 </a:t>
+            </a:r>
+            <a:r>
+              <a:rPr lang="en-US" altLang="ja-JP" smtClean="0"/>
+              <a:t>3 </a:t>
+            </a:r>
+            <a:r>
+              <a:rPr lang="ja-JP" altLang="en-US" smtClean="0"/>
+              <a:t>レベル</a:t>
+            </a:r>
+          </a:p>
+          <a:p>
+            <a:pPr lvl="3"/>
+            <a:r>
+              <a:rPr lang="ja-JP" altLang="en-US" smtClean="0"/>
+              <a:t>第 </a:t>
+            </a:r>
+            <a:r>
+              <a:rPr lang="en-US" altLang="ja-JP" smtClean="0"/>
+              <a:t>4 </a:t>
+            </a:r>
+            <a:r>
+              <a:rPr lang="ja-JP" altLang="en-US" smtClean="0"/>
+              <a:t>レベル</a:t>
+            </a:r>
+          </a:p>
+          <a:p>
+            <a:pPr lvl="4"/>
+            <a:r>
+              <a:rPr lang="ja-JP" altLang="en-US" smtClean="0"/>
+              <a:t>第 </a:t>
+            </a:r>
+            <a:r>
+              <a:rPr lang="en-US" altLang="ja-JP" smtClean="0"/>
+              <a:t>5 </a:t>
+            </a:r>
+            <a:r>
+              <a:rPr lang="ja-JP" altLang="en-US" smtClean="0"/>
+              <a:t>レベル</a:t>
+            </a:r>
+            <a:endParaRPr lang="en-US" dirty="0"/>
+          </a:p>
+        </p:txBody>
+      </p:sp>
+      <p:sp>
+        <p:nvSpPr>
+          <p:cNvPr id="5" name="Date Placeholder 4"/>
           <p:cNvSpPr>
             <a:spLocks noGrp="1"/>
           </p:cNvSpPr>
@@ -1406,7 +3975,7 @@
       </p:sp>
       <p:sp>
         <p:nvSpPr>
-          <p:cNvPr id="6" name="フッター プレースホルダー 5"/>
+          <p:cNvPr id="6" name="Footer Placeholder 5"/>
           <p:cNvSpPr>
             <a:spLocks noGrp="1"/>
           </p:cNvSpPr>
@@ -1425,7 +3994,7 @@
       </p:sp>
       <p:sp>
         <p:nvSpPr>
-          <p:cNvPr id="7" name="スライド番号プレースホルダー 6"/>
+          <p:cNvPr id="7" name="Slide Number Placeholder 6"/>
           <p:cNvSpPr>
             <a:spLocks noGrp="1"/>
           </p:cNvSpPr>
@@ -1449,7 +4018,7 @@
     </p:spTree>
     <p:extLst>
       <p:ext uri="{BB962C8B-B14F-4D97-AF65-F5344CB8AC3E}">
-        <p14:creationId xmlns:p14="http://schemas.microsoft.com/office/powerpoint/2010/main" val="2891564622"/>
+        <p14:creationId xmlns:p14="http://schemas.microsoft.com/office/powerpoint/2010/main" val="2963123590"/>
       </p:ext>
     </p:extLst>
   </p:cSld>
@@ -1478,7 +4047,7 @@
       </p:grpSpPr>
       <p:sp>
         <p:nvSpPr>
-          <p:cNvPr id="2" name="タイトル 1"/>
+          <p:cNvPr id="2" name="Title 1"/>
           <p:cNvSpPr>
             <a:spLocks noGrp="1"/>
           </p:cNvSpPr>
@@ -1488,8 +4057,8 @@
         </p:nvSpPr>
         <p:spPr>
           <a:xfrm>
-            <a:off x="839788" y="365125"/>
-            <a:ext cx="10515600" cy="1325563"/>
+            <a:off x="913795" y="609600"/>
+            <a:ext cx="10353761" cy="1325563"/>
           </a:xfrm>
         </p:spPr>
         <p:txBody>
@@ -1497,16 +4066,16 @@
           <a:lstStyle/>
           <a:p>
             <a:r>
-              <a:rPr kumimoji="1" lang="ja-JP" altLang="en-US" smtClean="0"/>
+              <a:rPr lang="ja-JP" altLang="en-US" smtClean="0"/>
               <a:t>マスター タイトルの書式設定</a:t>
             </a:r>
-            <a:endParaRPr kumimoji="1" lang="ja-JP" altLang="en-US"/>
-          </a:p>
-        </p:txBody>
-      </p:sp>
-      <p:sp>
-        <p:nvSpPr>
-          <p:cNvPr id="3" name="テキスト プレースホルダー 2"/>
+            <a:endParaRPr lang="en-US" dirty="0"/>
+          </a:p>
+        </p:txBody>
+      </p:sp>
+      <p:sp>
+        <p:nvSpPr>
+          <p:cNvPr id="3" name="Text Placeholder 2"/>
           <p:cNvSpPr>
             <a:spLocks noGrp="1"/>
           </p:cNvSpPr>
@@ -1516,14 +4085,17 @@
         </p:nvSpPr>
         <p:spPr>
           <a:xfrm>
-            <a:off x="839788" y="1681163"/>
-            <a:ext cx="5157787" cy="823912"/>
+            <a:off x="1141804" y="2088320"/>
+            <a:ext cx="4879199" cy="823912"/>
           </a:xfrm>
         </p:spPr>
         <p:txBody>
           <a:bodyPr anchor="b"/>
           <a:lstStyle>
             <a:lvl1pPr marL="0" indent="0">
+              <a:lnSpc>
+                <a:spcPct val="100000"/>
+              </a:lnSpc>
               <a:buNone/>
               <a:defRPr sz="2400" b="1"/>
             </a:lvl1pPr>
@@ -1563,7 +4135,7 @@
           <a:p>
             <a:pPr lvl="0"/>
             <a:r>
-              <a:rPr kumimoji="1" lang="ja-JP" altLang="en-US" smtClean="0"/>
+              <a:rPr lang="ja-JP" altLang="en-US" smtClean="0"/>
               <a:t>マスター テキストの書式設定</a:t>
             </a:r>
           </a:p>
@@ -1571,7 +4143,7 @@
       </p:sp>
       <p:sp>
         <p:nvSpPr>
-          <p:cNvPr id="4" name="コンテンツ プレースホルダー 3"/>
+          <p:cNvPr id="4" name="Content Placeholder 3"/>
           <p:cNvSpPr>
             <a:spLocks noGrp="1"/>
           </p:cNvSpPr>
@@ -1581,8 +4153,8 @@
         </p:nvSpPr>
         <p:spPr>
           <a:xfrm>
-            <a:off x="839788" y="2505075"/>
-            <a:ext cx="5157787" cy="3684588"/>
+            <a:off x="913795" y="2912232"/>
+            <a:ext cx="5107208" cy="2878968"/>
           </a:xfrm>
         </p:spPr>
         <p:txBody>
@@ -1591,76 +4163,76 @@
           <a:p>
             <a:pPr lvl="0"/>
             <a:r>
-              <a:rPr kumimoji="1" lang="ja-JP" altLang="en-US" smtClean="0"/>
+              <a:rPr lang="ja-JP" altLang="en-US" smtClean="0"/>
               <a:t>マスター テキストの書式設定</a:t>
             </a:r>
           </a:p>
           <a:p>
             <a:pPr lvl="1"/>
             <a:r>
-              <a:rPr kumimoji="1" lang="ja-JP" altLang="en-US" smtClean="0"/>
+              <a:rPr lang="ja-JP" altLang="en-US" smtClean="0"/>
               <a:t>第 </a:t>
             </a:r>
             <a:r>
-              <a:rPr kumimoji="1" lang="en-US" altLang="ja-JP" smtClean="0"/>
+              <a:rPr lang="en-US" altLang="ja-JP" smtClean="0"/>
               <a:t>2 </a:t>
             </a:r>
             <a:r>
-              <a:rPr kumimoji="1" lang="ja-JP" altLang="en-US" smtClean="0"/>
+              <a:rPr lang="ja-JP" altLang="en-US" smtClean="0"/>
               <a:t>レベル</a:t>
             </a:r>
           </a:p>
           <a:p>
             <a:pPr lvl="2"/>
             <a:r>
-              <a:rPr kumimoji="1" lang="ja-JP" altLang="en-US" smtClean="0"/>
+              <a:rPr lang="ja-JP" altLang="en-US" smtClean="0"/>
               <a:t>第 </a:t>
             </a:r>
             <a:r>
-              <a:rPr kumimoji="1" lang="en-US" altLang="ja-JP" smtClean="0"/>
+              <a:rPr lang="en-US" altLang="ja-JP" smtClean="0"/>
               <a:t>3 </a:t>
             </a:r>
             <a:r>
-              <a:rPr kumimoji="1" lang="ja-JP" altLang="en-US" smtClean="0"/>
+              <a:rPr lang="ja-JP" altLang="en-US" smtClean="0"/>
               <a:t>レベル</a:t>
             </a:r>
           </a:p>
           <a:p>
             <a:pPr lvl="3"/>
             <a:r>
-              <a:rPr kumimoji="1" lang="ja-JP" altLang="en-US" smtClean="0"/>
+              <a:rPr lang="ja-JP" altLang="en-US" smtClean="0"/>
               <a:t>第 </a:t>
             </a:r>
             <a:r>
-              <a:rPr kumimoji="1" lang="en-US" altLang="ja-JP" smtClean="0"/>
+              <a:rPr lang="en-US" altLang="ja-JP" smtClean="0"/>
               <a:t>4 </a:t>
             </a:r>
             <a:r>
-              <a:rPr kumimoji="1" lang="ja-JP" altLang="en-US" smtClean="0"/>
+              <a:rPr lang="ja-JP" altLang="en-US" smtClean="0"/>
               <a:t>レベル</a:t>
             </a:r>
           </a:p>
           <a:p>
             <a:pPr lvl="4"/>
             <a:r>
-              <a:rPr kumimoji="1" lang="ja-JP" altLang="en-US" smtClean="0"/>
+              <a:rPr lang="ja-JP" altLang="en-US" smtClean="0"/>
               <a:t>第 </a:t>
             </a:r>
             <a:r>
-              <a:rPr kumimoji="1" lang="en-US" altLang="ja-JP" smtClean="0"/>
+              <a:rPr lang="en-US" altLang="ja-JP" smtClean="0"/>
               <a:t>5 </a:t>
             </a:r>
             <a:r>
-              <a:rPr kumimoji="1" lang="ja-JP" altLang="en-US" smtClean="0"/>
+              <a:rPr lang="ja-JP" altLang="en-US" smtClean="0"/>
               <a:t>レベル</a:t>
             </a:r>
-            <a:endParaRPr kumimoji="1" lang="ja-JP" altLang="en-US"/>
-          </a:p>
-        </p:txBody>
-      </p:sp>
-      <p:sp>
-        <p:nvSpPr>
-          <p:cNvPr id="5" name="テキスト プレースホルダー 4"/>
+            <a:endParaRPr lang="en-US" dirty="0"/>
+          </a:p>
+        </p:txBody>
+      </p:sp>
+      <p:sp>
+        <p:nvSpPr>
+          <p:cNvPr id="5" name="Text Placeholder 4"/>
           <p:cNvSpPr>
             <a:spLocks noGrp="1"/>
           </p:cNvSpPr>
@@ -1670,14 +4242,17 @@
         </p:nvSpPr>
         <p:spPr>
           <a:xfrm>
-            <a:off x="6172200" y="1681163"/>
-            <a:ext cx="5183188" cy="823912"/>
+            <a:off x="6402003" y="2088320"/>
+            <a:ext cx="4865554" cy="823912"/>
           </a:xfrm>
         </p:spPr>
         <p:txBody>
           <a:bodyPr anchor="b"/>
           <a:lstStyle>
             <a:lvl1pPr marL="0" indent="0">
+              <a:lnSpc>
+                <a:spcPct val="100000"/>
+              </a:lnSpc>
               <a:buNone/>
               <a:defRPr sz="2400" b="1"/>
             </a:lvl1pPr>
@@ -1717,7 +4292,7 @@
           <a:p>
             <a:pPr lvl="0"/>
             <a:r>
-              <a:rPr kumimoji="1" lang="ja-JP" altLang="en-US" smtClean="0"/>
+              <a:rPr lang="ja-JP" altLang="en-US" smtClean="0"/>
               <a:t>マスター テキストの書式設定</a:t>
             </a:r>
           </a:p>
@@ -1725,7 +4300,7 @@
       </p:sp>
       <p:sp>
         <p:nvSpPr>
-          <p:cNvPr id="6" name="コンテンツ プレースホルダー 5"/>
+          <p:cNvPr id="6" name="Content Placeholder 5"/>
           <p:cNvSpPr>
             <a:spLocks noGrp="1"/>
           </p:cNvSpPr>
@@ -1735,8 +4310,8 @@
         </p:nvSpPr>
         <p:spPr>
           <a:xfrm>
-            <a:off x="6172200" y="2505075"/>
-            <a:ext cx="5183188" cy="3684588"/>
+            <a:off x="6172200" y="2912232"/>
+            <a:ext cx="5095357" cy="2878968"/>
           </a:xfrm>
         </p:spPr>
         <p:txBody>
@@ -1745,76 +4320,76 @@
           <a:p>
             <a:pPr lvl="0"/>
             <a:r>
-              <a:rPr kumimoji="1" lang="ja-JP" altLang="en-US" smtClean="0"/>
+              <a:rPr lang="ja-JP" altLang="en-US" smtClean="0"/>
               <a:t>マスター テキストの書式設定</a:t>
             </a:r>
           </a:p>
           <a:p>
             <a:pPr lvl="1"/>
             <a:r>
-              <a:rPr kumimoji="1" lang="ja-JP" altLang="en-US" smtClean="0"/>
+              <a:rPr lang="ja-JP" altLang="en-US" smtClean="0"/>
               <a:t>第 </a:t>
             </a:r>
             <a:r>
-              <a:rPr kumimoji="1" lang="en-US" altLang="ja-JP" smtClean="0"/>
+              <a:rPr lang="en-US" altLang="ja-JP" smtClean="0"/>
               <a:t>2 </a:t>
             </a:r>
             <a:r>
-              <a:rPr kumimoji="1" lang="ja-JP" altLang="en-US" smtClean="0"/>
+              <a:rPr lang="ja-JP" altLang="en-US" smtClean="0"/>
               <a:t>レベル</a:t>
             </a:r>
           </a:p>
           <a:p>
             <a:pPr lvl="2"/>
             <a:r>
-              <a:rPr kumimoji="1" lang="ja-JP" altLang="en-US" smtClean="0"/>
+              <a:rPr lang="ja-JP" altLang="en-US" smtClean="0"/>
               <a:t>第 </a:t>
             </a:r>
             <a:r>
-              <a:rPr kumimoji="1" lang="en-US" altLang="ja-JP" smtClean="0"/>
+              <a:rPr lang="en-US" altLang="ja-JP" smtClean="0"/>
               <a:t>3 </a:t>
             </a:r>
             <a:r>
-              <a:rPr kumimoji="1" lang="ja-JP" altLang="en-US" smtClean="0"/>
+              <a:rPr lang="ja-JP" altLang="en-US" smtClean="0"/>
               <a:t>レベル</a:t>
             </a:r>
           </a:p>
           <a:p>
             <a:pPr lvl="3"/>
             <a:r>
-              <a:rPr kumimoji="1" lang="ja-JP" altLang="en-US" smtClean="0"/>
+              <a:rPr lang="ja-JP" altLang="en-US" smtClean="0"/>
               <a:t>第 </a:t>
             </a:r>
             <a:r>
-              <a:rPr kumimoji="1" lang="en-US" altLang="ja-JP" smtClean="0"/>
+              <a:rPr lang="en-US" altLang="ja-JP" smtClean="0"/>
               <a:t>4 </a:t>
             </a:r>
             <a:r>
-              <a:rPr kumimoji="1" lang="ja-JP" altLang="en-US" smtClean="0"/>
+              <a:rPr lang="ja-JP" altLang="en-US" smtClean="0"/>
               <a:t>レベル</a:t>
             </a:r>
           </a:p>
           <a:p>
             <a:pPr lvl="4"/>
             <a:r>
-              <a:rPr kumimoji="1" lang="ja-JP" altLang="en-US" smtClean="0"/>
+              <a:rPr lang="ja-JP" altLang="en-US" smtClean="0"/>
               <a:t>第 </a:t>
             </a:r>
             <a:r>
-              <a:rPr kumimoji="1" lang="en-US" altLang="ja-JP" smtClean="0"/>
+              <a:rPr lang="en-US" altLang="ja-JP" smtClean="0"/>
               <a:t>5 </a:t>
             </a:r>
             <a:r>
-              <a:rPr kumimoji="1" lang="ja-JP" altLang="en-US" smtClean="0"/>
+              <a:rPr lang="ja-JP" altLang="en-US" smtClean="0"/>
               <a:t>レベル</a:t>
             </a:r>
-            <a:endParaRPr kumimoji="1" lang="ja-JP" altLang="en-US"/>
-          </a:p>
-        </p:txBody>
-      </p:sp>
-      <p:sp>
-        <p:nvSpPr>
-          <p:cNvPr id="7" name="日付プレースホルダー 6"/>
+            <a:endParaRPr lang="en-US" dirty="0"/>
+          </a:p>
+        </p:txBody>
+      </p:sp>
+      <p:sp>
+        <p:nvSpPr>
+          <p:cNvPr id="7" name="Date Placeholder 6"/>
           <p:cNvSpPr>
             <a:spLocks noGrp="1"/>
           </p:cNvSpPr>
@@ -1837,7 +4412,7 @@
       </p:sp>
       <p:sp>
         <p:nvSpPr>
-          <p:cNvPr id="8" name="フッター プレースホルダー 7"/>
+          <p:cNvPr id="8" name="Footer Placeholder 7"/>
           <p:cNvSpPr>
             <a:spLocks noGrp="1"/>
           </p:cNvSpPr>
@@ -1856,7 +4431,7 @@
       </p:sp>
       <p:sp>
         <p:nvSpPr>
-          <p:cNvPr id="9" name="スライド番号プレースホルダー 8"/>
+          <p:cNvPr id="9" name="Slide Number Placeholder 8"/>
           <p:cNvSpPr>
             <a:spLocks noGrp="1"/>
           </p:cNvSpPr>
@@ -1880,7 +4455,7 @@
     </p:spTree>
     <p:extLst>
       <p:ext uri="{BB962C8B-B14F-4D97-AF65-F5344CB8AC3E}">
-        <p14:creationId xmlns:p14="http://schemas.microsoft.com/office/powerpoint/2010/main" val="629930295"/>
+        <p14:creationId xmlns:p14="http://schemas.microsoft.com/office/powerpoint/2010/main" val="2400732717"/>
       </p:ext>
     </p:extLst>
   </p:cSld>
@@ -1909,7 +4484,7 @@
       </p:grpSpPr>
       <p:sp>
         <p:nvSpPr>
-          <p:cNvPr id="2" name="タイトル 1"/>
+          <p:cNvPr id="2" name="Title 1"/>
           <p:cNvSpPr>
             <a:spLocks noGrp="1"/>
           </p:cNvSpPr>
@@ -1923,16 +4498,16 @@
           <a:lstStyle/>
           <a:p>
             <a:r>
-              <a:rPr kumimoji="1" lang="ja-JP" altLang="en-US" smtClean="0"/>
+              <a:rPr lang="ja-JP" altLang="en-US" smtClean="0"/>
               <a:t>マスター タイトルの書式設定</a:t>
             </a:r>
-            <a:endParaRPr kumimoji="1" lang="ja-JP" altLang="en-US"/>
-          </a:p>
-        </p:txBody>
-      </p:sp>
-      <p:sp>
-        <p:nvSpPr>
-          <p:cNvPr id="3" name="日付プレースホルダー 2"/>
+            <a:endParaRPr lang="en-US" dirty="0"/>
+          </a:p>
+        </p:txBody>
+      </p:sp>
+      <p:sp>
+        <p:nvSpPr>
+          <p:cNvPr id="3" name="Date Placeholder 2"/>
           <p:cNvSpPr>
             <a:spLocks noGrp="1"/>
           </p:cNvSpPr>
@@ -1955,7 +4530,7 @@
       </p:sp>
       <p:sp>
         <p:nvSpPr>
-          <p:cNvPr id="4" name="フッター プレースホルダー 3"/>
+          <p:cNvPr id="4" name="Footer Placeholder 3"/>
           <p:cNvSpPr>
             <a:spLocks noGrp="1"/>
           </p:cNvSpPr>
@@ -1974,7 +4549,7 @@
       </p:sp>
       <p:sp>
         <p:nvSpPr>
-          <p:cNvPr id="5" name="スライド番号プレースホルダー 4"/>
+          <p:cNvPr id="5" name="Slide Number Placeholder 4"/>
           <p:cNvSpPr>
             <a:spLocks noGrp="1"/>
           </p:cNvSpPr>
@@ -1998,7 +4573,7 @@
     </p:spTree>
     <p:extLst>
       <p:ext uri="{BB962C8B-B14F-4D97-AF65-F5344CB8AC3E}">
-        <p14:creationId xmlns:p14="http://schemas.microsoft.com/office/powerpoint/2010/main" val="2380071968"/>
+        <p14:creationId xmlns:p14="http://schemas.microsoft.com/office/powerpoint/2010/main" val="2439786185"/>
       </p:ext>
     </p:extLst>
   </p:cSld>
@@ -2027,7 +4602,7 @@
       </p:grpSpPr>
       <p:sp>
         <p:nvSpPr>
-          <p:cNvPr id="2" name="日付プレースホルダー 1"/>
+          <p:cNvPr id="2" name="Date Placeholder 1"/>
           <p:cNvSpPr>
             <a:spLocks noGrp="1"/>
           </p:cNvSpPr>
@@ -2050,7 +4625,7 @@
       </p:sp>
       <p:sp>
         <p:nvSpPr>
-          <p:cNvPr id="3" name="フッター プレースホルダー 2"/>
+          <p:cNvPr id="3" name="Footer Placeholder 2"/>
           <p:cNvSpPr>
             <a:spLocks noGrp="1"/>
           </p:cNvSpPr>
@@ -2069,7 +4644,7 @@
       </p:sp>
       <p:sp>
         <p:nvSpPr>
-          <p:cNvPr id="4" name="スライド番号プレースホルダー 3"/>
+          <p:cNvPr id="4" name="Slide Number Placeholder 3"/>
           <p:cNvSpPr>
             <a:spLocks noGrp="1"/>
           </p:cNvSpPr>
@@ -2093,7 +4668,7 @@
     </p:spTree>
     <p:extLst>
       <p:ext uri="{BB962C8B-B14F-4D97-AF65-F5344CB8AC3E}">
-        <p14:creationId xmlns:p14="http://schemas.microsoft.com/office/powerpoint/2010/main" val="248205002"/>
+        <p14:creationId xmlns:p14="http://schemas.microsoft.com/office/powerpoint/2010/main" val="1759735406"/>
       </p:ext>
     </p:extLst>
   </p:cSld>
@@ -2122,7 +4697,7 @@
       </p:grpSpPr>
       <p:sp>
         <p:nvSpPr>
-          <p:cNvPr id="2" name="タイトル 1"/>
+          <p:cNvPr id="2" name="Title 1"/>
           <p:cNvSpPr>
             <a:spLocks noGrp="1"/>
           </p:cNvSpPr>
@@ -2132,29 +4707,31 @@
         </p:nvSpPr>
         <p:spPr>
           <a:xfrm>
-            <a:off x="839788" y="457200"/>
-            <a:ext cx="3932237" cy="1600200"/>
+            <a:off x="917228" y="609600"/>
+            <a:ext cx="3932237" cy="2362200"/>
           </a:xfrm>
         </p:spPr>
         <p:txBody>
-          <a:bodyPr anchor="b"/>
+          <a:bodyPr anchor="b">
+            <a:normAutofit/>
+          </a:bodyPr>
           <a:lstStyle>
             <a:lvl1pPr>
-              <a:defRPr sz="3200"/>
+              <a:defRPr sz="2800"/>
             </a:lvl1pPr>
           </a:lstStyle>
           <a:p>
             <a:r>
-              <a:rPr kumimoji="1" lang="ja-JP" altLang="en-US" smtClean="0"/>
+              <a:rPr lang="ja-JP" altLang="en-US" smtClean="0"/>
               <a:t>マスター タイトルの書式設定</a:t>
             </a:r>
-            <a:endParaRPr kumimoji="1" lang="ja-JP" altLang="en-US"/>
-          </a:p>
-        </p:txBody>
-      </p:sp>
-      <p:sp>
-        <p:nvSpPr>
-          <p:cNvPr id="3" name="コンテンツ プレースホルダー 2"/>
+            <a:endParaRPr lang="en-US" dirty="0"/>
+          </a:p>
+        </p:txBody>
+      </p:sp>
+      <p:sp>
+        <p:nvSpPr>
+          <p:cNvPr id="3" name="Content Placeholder 2"/>
           <p:cNvSpPr>
             <a:spLocks noGrp="1"/>
           </p:cNvSpPr>
@@ -2164,131 +4741,103 @@
         </p:nvSpPr>
         <p:spPr>
           <a:xfrm>
-            <a:off x="5183188" y="987425"/>
-            <a:ext cx="6172200" cy="4873625"/>
+            <a:off x="5078064" y="609600"/>
+            <a:ext cx="6189492" cy="5181600"/>
           </a:xfrm>
         </p:spPr>
         <p:txBody>
+          <a:bodyPr anchor="ctr"/>
+          <a:lstStyle/>
+          <a:p>
+            <a:pPr lvl="0"/>
+            <a:r>
+              <a:rPr lang="ja-JP" altLang="en-US" smtClean="0"/>
+              <a:t>マスター テキストの書式設定</a:t>
+            </a:r>
+          </a:p>
+          <a:p>
+            <a:pPr lvl="1"/>
+            <a:r>
+              <a:rPr lang="ja-JP" altLang="en-US" smtClean="0"/>
+              <a:t>第 </a:t>
+            </a:r>
+            <a:r>
+              <a:rPr lang="en-US" altLang="ja-JP" smtClean="0"/>
+              <a:t>2 </a:t>
+            </a:r>
+            <a:r>
+              <a:rPr lang="ja-JP" altLang="en-US" smtClean="0"/>
+              <a:t>レベル</a:t>
+            </a:r>
+          </a:p>
+          <a:p>
+            <a:pPr lvl="2"/>
+            <a:r>
+              <a:rPr lang="ja-JP" altLang="en-US" smtClean="0"/>
+              <a:t>第 </a:t>
+            </a:r>
+            <a:r>
+              <a:rPr lang="en-US" altLang="ja-JP" smtClean="0"/>
+              <a:t>3 </a:t>
+            </a:r>
+            <a:r>
+              <a:rPr lang="ja-JP" altLang="en-US" smtClean="0"/>
+              <a:t>レベル</a:t>
+            </a:r>
+          </a:p>
+          <a:p>
+            <a:pPr lvl="3"/>
+            <a:r>
+              <a:rPr lang="ja-JP" altLang="en-US" smtClean="0"/>
+              <a:t>第 </a:t>
+            </a:r>
+            <a:r>
+              <a:rPr lang="en-US" altLang="ja-JP" smtClean="0"/>
+              <a:t>4 </a:t>
+            </a:r>
+            <a:r>
+              <a:rPr lang="ja-JP" altLang="en-US" smtClean="0"/>
+              <a:t>レベル</a:t>
+            </a:r>
+          </a:p>
+          <a:p>
+            <a:pPr lvl="4"/>
+            <a:r>
+              <a:rPr lang="ja-JP" altLang="en-US" smtClean="0"/>
+              <a:t>第 </a:t>
+            </a:r>
+            <a:r>
+              <a:rPr lang="en-US" altLang="ja-JP" smtClean="0"/>
+              <a:t>5 </a:t>
+            </a:r>
+            <a:r>
+              <a:rPr lang="ja-JP" altLang="en-US" smtClean="0"/>
+              <a:t>レベル</a:t>
+            </a:r>
+            <a:endParaRPr lang="en-US" dirty="0"/>
+          </a:p>
+        </p:txBody>
+      </p:sp>
+      <p:sp>
+        <p:nvSpPr>
+          <p:cNvPr id="4" name="Text Placeholder 3"/>
+          <p:cNvSpPr>
+            <a:spLocks noGrp="1"/>
+          </p:cNvSpPr>
+          <p:nvPr>
+            <p:ph type="body" sz="half" idx="2"/>
+          </p:nvPr>
+        </p:nvSpPr>
+        <p:spPr>
+          <a:xfrm>
+            <a:off x="917228" y="2971800"/>
+            <a:ext cx="3932237" cy="2819399"/>
+          </a:xfrm>
+        </p:spPr>
+        <p:txBody>
           <a:bodyPr/>
           <a:lstStyle>
-            <a:lvl1pPr>
-              <a:defRPr sz="3200"/>
-            </a:lvl1pPr>
-            <a:lvl2pPr>
-              <a:defRPr sz="2800"/>
-            </a:lvl2pPr>
-            <a:lvl3pPr>
-              <a:defRPr sz="2400"/>
-            </a:lvl3pPr>
-            <a:lvl4pPr>
-              <a:defRPr sz="2000"/>
-            </a:lvl4pPr>
-            <a:lvl5pPr>
-              <a:defRPr sz="2000"/>
-            </a:lvl5pPr>
-            <a:lvl6pPr>
-              <a:defRPr sz="2000"/>
-            </a:lvl6pPr>
-            <a:lvl7pPr>
-              <a:defRPr sz="2000"/>
-            </a:lvl7pPr>
-            <a:lvl8pPr>
-              <a:defRPr sz="2000"/>
-            </a:lvl8pPr>
-            <a:lvl9pPr>
-              <a:defRPr sz="2000"/>
-            </a:lvl9pPr>
-          </a:lstStyle>
-          <a:p>
-            <a:pPr lvl="0"/>
-            <a:r>
-              <a:rPr kumimoji="1" lang="ja-JP" altLang="en-US" smtClean="0"/>
-              <a:t>マスター テキストの書式設定</a:t>
-            </a:r>
-          </a:p>
-          <a:p>
-            <a:pPr lvl="1"/>
-            <a:r>
-              <a:rPr kumimoji="1" lang="ja-JP" altLang="en-US" smtClean="0"/>
-              <a:t>第 </a:t>
-            </a:r>
-            <a:r>
-              <a:rPr kumimoji="1" lang="en-US" altLang="ja-JP" smtClean="0"/>
-              <a:t>2 </a:t>
-            </a:r>
-            <a:r>
-              <a:rPr kumimoji="1" lang="ja-JP" altLang="en-US" smtClean="0"/>
-              <a:t>レベル</a:t>
-            </a:r>
-          </a:p>
-          <a:p>
-            <a:pPr lvl="2"/>
-            <a:r>
-              <a:rPr kumimoji="1" lang="ja-JP" altLang="en-US" smtClean="0"/>
-              <a:t>第 </a:t>
-            </a:r>
-            <a:r>
-              <a:rPr kumimoji="1" lang="en-US" altLang="ja-JP" smtClean="0"/>
-              <a:t>3 </a:t>
-            </a:r>
-            <a:r>
-              <a:rPr kumimoji="1" lang="ja-JP" altLang="en-US" smtClean="0"/>
-              <a:t>レベル</a:t>
-            </a:r>
-          </a:p>
-          <a:p>
-            <a:pPr lvl="3"/>
-            <a:r>
-              <a:rPr kumimoji="1" lang="ja-JP" altLang="en-US" smtClean="0"/>
-              <a:t>第 </a:t>
-            </a:r>
-            <a:r>
-              <a:rPr kumimoji="1" lang="en-US" altLang="ja-JP" smtClean="0"/>
-              <a:t>4 </a:t>
-            </a:r>
-            <a:r>
-              <a:rPr kumimoji="1" lang="ja-JP" altLang="en-US" smtClean="0"/>
-              <a:t>レベル</a:t>
-            </a:r>
-          </a:p>
-          <a:p>
-            <a:pPr lvl="4"/>
-            <a:r>
-              <a:rPr kumimoji="1" lang="ja-JP" altLang="en-US" smtClean="0"/>
-              <a:t>第 </a:t>
-            </a:r>
-            <a:r>
-              <a:rPr kumimoji="1" lang="en-US" altLang="ja-JP" smtClean="0"/>
-              <a:t>5 </a:t>
-            </a:r>
-            <a:r>
-              <a:rPr kumimoji="1" lang="ja-JP" altLang="en-US" smtClean="0"/>
-              <a:t>レベル</a:t>
-            </a:r>
-            <a:endParaRPr kumimoji="1" lang="ja-JP" altLang="en-US"/>
-          </a:p>
-        </p:txBody>
-      </p:sp>
-      <p:sp>
-        <p:nvSpPr>
-          <p:cNvPr id="4" name="テキスト プレースホルダー 3"/>
-          <p:cNvSpPr>
-            <a:spLocks noGrp="1"/>
-          </p:cNvSpPr>
-          <p:nvPr>
-            <p:ph type="body" sz="half" idx="2"/>
-          </p:nvPr>
-        </p:nvSpPr>
-        <p:spPr>
-          <a:xfrm>
-            <a:off x="839788" y="2057400"/>
-            <a:ext cx="3932237" cy="3811588"/>
-          </a:xfrm>
-        </p:spPr>
-        <p:txBody>
-          <a:bodyPr/>
-          <a:lstStyle>
-            <a:lvl1pPr marL="0" indent="0">
+            <a:lvl1pPr marL="0" indent="0" algn="ctr">
               <a:buNone/>
               <a:defRPr sz="1600"/>
             </a:lvl1pPr>
@@ -2328,7 +4877,7 @@
           <a:p>
             <a:pPr lvl="0"/>
             <a:r>
-              <a:rPr kumimoji="1" lang="ja-JP" altLang="en-US" smtClean="0"/>
+              <a:rPr lang="ja-JP" altLang="en-US" smtClean="0"/>
               <a:t>マスター テキストの書式設定</a:t>
             </a:r>
           </a:p>
@@ -2336,7 +4885,7 @@
       </p:sp>
       <p:sp>
         <p:nvSpPr>
-          <p:cNvPr id="5" name="日付プレースホルダー 4"/>
+          <p:cNvPr id="5" name="Date Placeholder 4"/>
           <p:cNvSpPr>
             <a:spLocks noGrp="1"/>
           </p:cNvSpPr>
@@ -2359,7 +4908,7 @@
       </p:sp>
       <p:sp>
         <p:nvSpPr>
-          <p:cNvPr id="6" name="フッター プレースホルダー 5"/>
+          <p:cNvPr id="6" name="Footer Placeholder 5"/>
           <p:cNvSpPr>
             <a:spLocks noGrp="1"/>
           </p:cNvSpPr>
@@ -2378,7 +4927,7 @@
       </p:sp>
       <p:sp>
         <p:nvSpPr>
-          <p:cNvPr id="7" name="スライド番号プレースホルダー 6"/>
+          <p:cNvPr id="7" name="Slide Number Placeholder 6"/>
           <p:cNvSpPr>
             <a:spLocks noGrp="1"/>
           </p:cNvSpPr>
@@ -2402,7 +4951,7 @@
     </p:spTree>
     <p:extLst>
       <p:ext uri="{BB962C8B-B14F-4D97-AF65-F5344CB8AC3E}">
-        <p14:creationId xmlns:p14="http://schemas.microsoft.com/office/powerpoint/2010/main" val="3085332145"/>
+        <p14:creationId xmlns:p14="http://schemas.microsoft.com/office/powerpoint/2010/main" val="1814302032"/>
       </p:ext>
     </p:extLst>
   </p:cSld>
@@ -2431,7 +4980,7 @@
       </p:grpSpPr>
       <p:sp>
         <p:nvSpPr>
-          <p:cNvPr id="2" name="タイトル 1"/>
+          <p:cNvPr id="2" name="Title 1"/>
           <p:cNvSpPr>
             <a:spLocks noGrp="1"/>
           </p:cNvSpPr>
@@ -2441,12 +4990,14 @@
         </p:nvSpPr>
         <p:spPr>
           <a:xfrm>
-            <a:off x="839788" y="457200"/>
-            <a:ext cx="3932237" cy="1600200"/>
+            <a:off x="917227" y="609600"/>
+            <a:ext cx="5929773" cy="2362200"/>
           </a:xfrm>
         </p:spPr>
         <p:txBody>
-          <a:bodyPr anchor="b"/>
+          <a:bodyPr anchor="b">
+            <a:normAutofit/>
+          </a:bodyPr>
           <a:lstStyle>
             <a:lvl1pPr>
               <a:defRPr sz="3200"/>
@@ -2454,18 +5005,18 @@
           </a:lstStyle>
           <a:p>
             <a:r>
-              <a:rPr kumimoji="1" lang="ja-JP" altLang="en-US" smtClean="0"/>
+              <a:rPr lang="ja-JP" altLang="en-US" smtClean="0"/>
               <a:t>マスター タイトルの書式設定</a:t>
             </a:r>
-            <a:endParaRPr kumimoji="1" lang="ja-JP" altLang="en-US"/>
-          </a:p>
-        </p:txBody>
-      </p:sp>
-      <p:sp>
-        <p:nvSpPr>
-          <p:cNvPr id="3" name="図プレースホルダー 2"/>
-          <p:cNvSpPr>
-            <a:spLocks noGrp="1"/>
+            <a:endParaRPr lang="en-US" dirty="0"/>
+          </a:p>
+        </p:txBody>
+      </p:sp>
+      <p:sp>
+        <p:nvSpPr>
+          <p:cNvPr id="3" name="Picture Placeholder 2"/>
+          <p:cNvSpPr>
+            <a:spLocks noGrp="1" noChangeAspect="1"/>
           </p:cNvSpPr>
           <p:nvPr>
             <p:ph type="pic" idx="1"/>
@@ -2473,14 +5024,40 @@
         </p:nvSpPr>
         <p:spPr>
           <a:xfrm>
-            <a:off x="5183188" y="987425"/>
-            <a:ext cx="6172200" cy="4873625"/>
+            <a:off x="7424804" y="758881"/>
+            <a:ext cx="3255356" cy="4883038"/>
           </a:xfrm>
+          <a:noFill/>
+          <a:ln w="190500" cap="sq">
+            <a:solidFill>
+              <a:srgbClr val="FFFFFF"/>
+            </a:solidFill>
+            <a:miter lim="800000"/>
+          </a:ln>
+          <a:effectLst>
+            <a:outerShdw blurRad="55000" dist="18000" dir="5400000" algn="tl" rotWithShape="0">
+              <a:srgbClr val="000000">
+                <a:alpha val="40000"/>
+              </a:srgbClr>
+            </a:outerShdw>
+          </a:effectLst>
+          <a:scene3d>
+            <a:camera prst="orthographicFront"/>
+            <a:lightRig rig="twoPt" dir="t">
+              <a:rot lat="0" lon="0" rev="7200000"/>
+            </a:lightRig>
+          </a:scene3d>
+          <a:sp3d>
+            <a:bevelT w="25400" h="19050"/>
+            <a:contourClr>
+              <a:srgbClr val="FFFFFF"/>
+            </a:contourClr>
+          </a:sp3d>
         </p:spPr>
         <p:txBody>
-          <a:bodyPr/>
+          <a:bodyPr anchor="t"/>
           <a:lstStyle>
-            <a:lvl1pPr marL="0" indent="0">
+            <a:lvl1pPr marL="0" indent="0" algn="ctr">
               <a:buNone/>
               <a:defRPr sz="3200"/>
             </a:lvl1pPr>
@@ -2518,13 +5095,17 @@
             </a:lvl9pPr>
           </a:lstStyle>
           <a:p>
-            <a:endParaRPr kumimoji="1" lang="ja-JP" altLang="en-US"/>
-          </a:p>
-        </p:txBody>
-      </p:sp>
-      <p:sp>
-        <p:nvSpPr>
-          <p:cNvPr id="4" name="テキスト プレースホルダー 3"/>
+            <a:r>
+              <a:rPr lang="ja-JP" altLang="en-US" smtClean="0"/>
+              <a:t>図を追加</a:t>
+            </a:r>
+            <a:endParaRPr lang="en-US" dirty="0"/>
+          </a:p>
+        </p:txBody>
+      </p:sp>
+      <p:sp>
+        <p:nvSpPr>
+          <p:cNvPr id="4" name="Text Placeholder 3"/>
           <p:cNvSpPr>
             <a:spLocks noGrp="1"/>
           </p:cNvSpPr>
@@ -2534,16 +5115,18 @@
         </p:nvSpPr>
         <p:spPr>
           <a:xfrm>
-            <a:off x="839788" y="2057400"/>
-            <a:ext cx="3932237" cy="3811588"/>
+            <a:off x="913794" y="2971800"/>
+            <a:ext cx="5934950" cy="2819400"/>
           </a:xfrm>
         </p:spPr>
         <p:txBody>
-          <a:bodyPr/>
+          <a:bodyPr>
+            <a:normAutofit/>
+          </a:bodyPr>
           <a:lstStyle>
-            <a:lvl1pPr marL="0" indent="0">
-              <a:buNone/>
-              <a:defRPr sz="1600"/>
+            <a:lvl1pPr marL="0" indent="0" algn="ctr">
+              <a:buNone/>
+              <a:defRPr sz="1800"/>
             </a:lvl1pPr>
             <a:lvl2pPr marL="457200" indent="0">
               <a:buNone/>
@@ -2581,7 +5164,7 @@
           <a:p>
             <a:pPr lvl="0"/>
             <a:r>
-              <a:rPr kumimoji="1" lang="ja-JP" altLang="en-US" smtClean="0"/>
+              <a:rPr lang="ja-JP" altLang="en-US" smtClean="0"/>
               <a:t>マスター テキストの書式設定</a:t>
             </a:r>
           </a:p>
@@ -2589,7 +5172,7 @@
       </p:sp>
       <p:sp>
         <p:nvSpPr>
-          <p:cNvPr id="5" name="日付プレースホルダー 4"/>
+          <p:cNvPr id="5" name="Date Placeholder 4"/>
           <p:cNvSpPr>
             <a:spLocks noGrp="1"/>
           </p:cNvSpPr>
@@ -2612,7 +5195,7 @@
       </p:sp>
       <p:sp>
         <p:nvSpPr>
-          <p:cNvPr id="6" name="フッター プレースホルダー 5"/>
+          <p:cNvPr id="6" name="Footer Placeholder 5"/>
           <p:cNvSpPr>
             <a:spLocks noGrp="1"/>
           </p:cNvSpPr>
@@ -2631,7 +5214,7 @@
       </p:sp>
       <p:sp>
         <p:nvSpPr>
-          <p:cNvPr id="7" name="スライド番号プレースホルダー 6"/>
+          <p:cNvPr id="7" name="Slide Number Placeholder 6"/>
           <p:cNvSpPr>
             <a:spLocks noGrp="1"/>
           </p:cNvSpPr>
@@ -2655,7 +5238,7 @@
     </p:spTree>
     <p:extLst>
       <p:ext uri="{BB962C8B-B14F-4D97-AF65-F5344CB8AC3E}">
-        <p14:creationId xmlns:p14="http://schemas.microsoft.com/office/powerpoint/2010/main" val="2640089378"/>
+        <p14:creationId xmlns:p14="http://schemas.microsoft.com/office/powerpoint/2010/main" val="4127854757"/>
       </p:ext>
     </p:extLst>
   </p:cSld>
@@ -2669,8 +5252,8 @@
 <p:sldMaster xmlns:a="http://schemas.openxmlformats.org/drawingml/2006/main" xmlns:r="http://schemas.openxmlformats.org/officeDocument/2006/relationships" xmlns:p="http://schemas.openxmlformats.org/presentationml/2006/main">
   <p:cSld>
     <p:bg>
-      <p:bgRef idx="1001">
-        <a:schemeClr val="bg1"/>
+      <p:bgRef idx="1003">
+        <a:schemeClr val="bg2"/>
       </p:bgRef>
     </p:bg>
     <p:spTree>
@@ -2689,7 +5272,7 @@
       </p:grpSpPr>
       <p:sp>
         <p:nvSpPr>
-          <p:cNvPr id="2" name="タイトル プレースホルダー 1"/>
+          <p:cNvPr id="2" name="Title Placeholder 1"/>
           <p:cNvSpPr>
             <a:spLocks noGrp="1"/>
           </p:cNvSpPr>
@@ -2699,8 +5282,8 @@
         </p:nvSpPr>
         <p:spPr>
           <a:xfrm>
-            <a:off x="838200" y="365125"/>
-            <a:ext cx="10515600" cy="1325563"/>
+            <a:off x="913795" y="609600"/>
+            <a:ext cx="10353761" cy="1326321"/>
           </a:xfrm>
           <a:prstGeom prst="rect">
             <a:avLst/>
@@ -2713,16 +5296,16 @@
           <a:lstStyle/>
           <a:p>
             <a:r>
-              <a:rPr kumimoji="1" lang="ja-JP" altLang="en-US" smtClean="0"/>
+              <a:rPr lang="ja-JP" altLang="en-US" smtClean="0"/>
               <a:t>マスター タイトルの書式設定</a:t>
             </a:r>
-            <a:endParaRPr kumimoji="1" lang="ja-JP" altLang="en-US"/>
-          </a:p>
-        </p:txBody>
-      </p:sp>
-      <p:sp>
-        <p:nvSpPr>
-          <p:cNvPr id="3" name="テキスト プレースホルダー 2"/>
+            <a:endParaRPr lang="en-US" dirty="0"/>
+          </a:p>
+        </p:txBody>
+      </p:sp>
+      <p:sp>
+        <p:nvSpPr>
+          <p:cNvPr id="3" name="Text Placeholder 2"/>
           <p:cNvSpPr>
             <a:spLocks noGrp="1"/>
           </p:cNvSpPr>
@@ -2732,8 +5315,8 @@
         </p:nvSpPr>
         <p:spPr>
           <a:xfrm>
-            <a:off x="838200" y="1825625"/>
-            <a:ext cx="10515600" cy="4351338"/>
+            <a:off x="913795" y="2096064"/>
+            <a:ext cx="10353762" cy="3695136"/>
           </a:xfrm>
           <a:prstGeom prst="rect">
             <a:avLst/>
@@ -2747,76 +5330,76 @@
           <a:p>
             <a:pPr lvl="0"/>
             <a:r>
-              <a:rPr kumimoji="1" lang="ja-JP" altLang="en-US" smtClean="0"/>
+              <a:rPr lang="ja-JP" altLang="en-US" smtClean="0"/>
               <a:t>マスター テキストの書式設定</a:t>
             </a:r>
           </a:p>
           <a:p>
             <a:pPr lvl="1"/>
             <a:r>
-              <a:rPr kumimoji="1" lang="ja-JP" altLang="en-US" smtClean="0"/>
+              <a:rPr lang="ja-JP" altLang="en-US" smtClean="0"/>
               <a:t>第 </a:t>
             </a:r>
             <a:r>
-              <a:rPr kumimoji="1" lang="en-US" altLang="ja-JP" smtClean="0"/>
+              <a:rPr lang="en-US" altLang="ja-JP" smtClean="0"/>
               <a:t>2 </a:t>
             </a:r>
             <a:r>
-              <a:rPr kumimoji="1" lang="ja-JP" altLang="en-US" smtClean="0"/>
+              <a:rPr lang="ja-JP" altLang="en-US" smtClean="0"/>
               <a:t>レベル</a:t>
             </a:r>
           </a:p>
           <a:p>
             <a:pPr lvl="2"/>
             <a:r>
-              <a:rPr kumimoji="1" lang="ja-JP" altLang="en-US" smtClean="0"/>
+              <a:rPr lang="ja-JP" altLang="en-US" smtClean="0"/>
               <a:t>第 </a:t>
             </a:r>
             <a:r>
-              <a:rPr kumimoji="1" lang="en-US" altLang="ja-JP" smtClean="0"/>
+              <a:rPr lang="en-US" altLang="ja-JP" smtClean="0"/>
               <a:t>3 </a:t>
             </a:r>
             <a:r>
-              <a:rPr kumimoji="1" lang="ja-JP" altLang="en-US" smtClean="0"/>
+              <a:rPr lang="ja-JP" altLang="en-US" smtClean="0"/>
               <a:t>レベル</a:t>
             </a:r>
           </a:p>
           <a:p>
             <a:pPr lvl="3"/>
             <a:r>
-              <a:rPr kumimoji="1" lang="ja-JP" altLang="en-US" smtClean="0"/>
+              <a:rPr lang="ja-JP" altLang="en-US" smtClean="0"/>
               <a:t>第 </a:t>
             </a:r>
             <a:r>
-              <a:rPr kumimoji="1" lang="en-US" altLang="ja-JP" smtClean="0"/>
+              <a:rPr lang="en-US" altLang="ja-JP" smtClean="0"/>
               <a:t>4 </a:t>
             </a:r>
             <a:r>
-              <a:rPr kumimoji="1" lang="ja-JP" altLang="en-US" smtClean="0"/>
+              <a:rPr lang="ja-JP" altLang="en-US" smtClean="0"/>
               <a:t>レベル</a:t>
             </a:r>
           </a:p>
           <a:p>
             <a:pPr lvl="4"/>
             <a:r>
-              <a:rPr kumimoji="1" lang="ja-JP" altLang="en-US" smtClean="0"/>
+              <a:rPr lang="ja-JP" altLang="en-US" smtClean="0"/>
               <a:t>第 </a:t>
             </a:r>
             <a:r>
-              <a:rPr kumimoji="1" lang="en-US" altLang="ja-JP" smtClean="0"/>
+              <a:rPr lang="en-US" altLang="ja-JP" smtClean="0"/>
               <a:t>5 </a:t>
             </a:r>
             <a:r>
-              <a:rPr kumimoji="1" lang="ja-JP" altLang="en-US" smtClean="0"/>
+              <a:rPr lang="ja-JP" altLang="en-US" smtClean="0"/>
               <a:t>レベル</a:t>
             </a:r>
-            <a:endParaRPr kumimoji="1" lang="ja-JP" altLang="en-US"/>
-          </a:p>
-        </p:txBody>
-      </p:sp>
-      <p:sp>
-        <p:nvSpPr>
-          <p:cNvPr id="4" name="日付プレースホルダー 3"/>
+            <a:endParaRPr lang="en-US" dirty="0"/>
+          </a:p>
+        </p:txBody>
+      </p:sp>
+      <p:sp>
+        <p:nvSpPr>
+          <p:cNvPr id="4" name="Date Placeholder 3"/>
           <p:cNvSpPr>
             <a:spLocks noGrp="1"/>
           </p:cNvSpPr>
@@ -2826,7 +5409,7 @@
         </p:nvSpPr>
         <p:spPr>
           <a:xfrm>
-            <a:off x="838200" y="6356350"/>
+            <a:off x="7678736" y="5883275"/>
             <a:ext cx="2743200" cy="365125"/>
           </a:xfrm>
           <a:prstGeom prst="rect">
@@ -2836,8 +5419,8 @@
         <p:txBody>
           <a:bodyPr vert="horz" lIns="91440" tIns="45720" rIns="91440" bIns="45720" rtlCol="0" anchor="ctr"/>
           <a:lstStyle>
-            <a:lvl1pPr algn="l">
-              <a:defRPr sz="1200">
+            <a:lvl1pPr algn="r">
+              <a:defRPr sz="1000">
                 <a:solidFill>
                   <a:schemeClr val="tx1">
                     <a:tint val="75000"/>
@@ -2857,7 +5440,7 @@
       </p:sp>
       <p:sp>
         <p:nvSpPr>
-          <p:cNvPr id="5" name="フッター プレースホルダー 4"/>
+          <p:cNvPr id="5" name="Footer Placeholder 4"/>
           <p:cNvSpPr>
             <a:spLocks noGrp="1"/>
           </p:cNvSpPr>
@@ -2867,8 +5450,8 @@
         </p:nvSpPr>
         <p:spPr>
           <a:xfrm>
-            <a:off x="4038600" y="6356350"/>
-            <a:ext cx="4114800" cy="365125"/>
+            <a:off x="913794" y="5883275"/>
+            <a:ext cx="6672865" cy="365125"/>
           </a:xfrm>
           <a:prstGeom prst="rect">
             <a:avLst/>
@@ -2877,8 +5460,8 @@
         <p:txBody>
           <a:bodyPr vert="horz" lIns="91440" tIns="45720" rIns="91440" bIns="45720" rtlCol="0" anchor="ctr"/>
           <a:lstStyle>
-            <a:lvl1pPr algn="ctr">
-              <a:defRPr sz="1200">
+            <a:lvl1pPr algn="l">
+              <a:defRPr sz="1000">
                 <a:solidFill>
                   <a:schemeClr val="tx1">
                     <a:tint val="75000"/>
@@ -2894,7 +5477,7 @@
       </p:sp>
       <p:sp>
         <p:nvSpPr>
-          <p:cNvPr id="6" name="スライド番号プレースホルダー 5"/>
+          <p:cNvPr id="6" name="Slide Number Placeholder 5"/>
           <p:cNvSpPr>
             <a:spLocks noGrp="1"/>
           </p:cNvSpPr>
@@ -2904,8 +5487,8 @@
         </p:nvSpPr>
         <p:spPr>
           <a:xfrm>
-            <a:off x="8610600" y="6356350"/>
-            <a:ext cx="2743200" cy="365125"/>
+            <a:off x="10514011" y="5883275"/>
+            <a:ext cx="753545" cy="365125"/>
           </a:xfrm>
           <a:prstGeom prst="rect">
             <a:avLst/>
@@ -2915,7 +5498,7 @@
           <a:bodyPr vert="horz" lIns="91440" tIns="45720" rIns="91440" bIns="45720" rtlCol="0" anchor="ctr"/>
           <a:lstStyle>
             <a:lvl1pPr algn="r">
-              <a:defRPr sz="1200">
+              <a:defRPr sz="1000">
                 <a:solidFill>
                   <a:schemeClr val="tx1">
                     <a:tint val="75000"/>
@@ -2936,27 +5519,33 @@
     </p:spTree>
     <p:extLst>
       <p:ext uri="{BB962C8B-B14F-4D97-AF65-F5344CB8AC3E}">
-        <p14:creationId xmlns:p14="http://schemas.microsoft.com/office/powerpoint/2010/main" val="4152187324"/>
+        <p14:creationId xmlns:p14="http://schemas.microsoft.com/office/powerpoint/2010/main" val="90977267"/>
       </p:ext>
     </p:extLst>
   </p:cSld>
-  <p:clrMap bg1="lt1" tx1="dk1" bg2="lt2" tx2="dk2" accent1="accent1" accent2="accent2" accent3="accent3" accent4="accent4" accent5="accent5" accent6="accent6" hlink="hlink" folHlink="folHlink"/>
+  <p:clrMap bg1="dk1" tx1="lt1" bg2="dk2" tx2="lt2" accent1="accent1" accent2="accent2" accent3="accent3" accent4="accent4" accent5="accent5" accent6="accent6" hlink="hlink" folHlink="folHlink"/>
   <p:sldLayoutIdLst>
-    <p:sldLayoutId id="2147483649" r:id="rId1"/>
-    <p:sldLayoutId id="2147483650" r:id="rId2"/>
-    <p:sldLayoutId id="2147483651" r:id="rId3"/>
-    <p:sldLayoutId id="2147483652" r:id="rId4"/>
-    <p:sldLayoutId id="2147483653" r:id="rId5"/>
-    <p:sldLayoutId id="2147483654" r:id="rId6"/>
-    <p:sldLayoutId id="2147483655" r:id="rId7"/>
-    <p:sldLayoutId id="2147483656" r:id="rId8"/>
-    <p:sldLayoutId id="2147483657" r:id="rId9"/>
-    <p:sldLayoutId id="2147483658" r:id="rId10"/>
-    <p:sldLayoutId id="2147483659" r:id="rId11"/>
+    <p:sldLayoutId id="2147483768" r:id="rId1"/>
+    <p:sldLayoutId id="2147483769" r:id="rId2"/>
+    <p:sldLayoutId id="2147483770" r:id="rId3"/>
+    <p:sldLayoutId id="2147483771" r:id="rId4"/>
+    <p:sldLayoutId id="2147483772" r:id="rId5"/>
+    <p:sldLayoutId id="2147483773" r:id="rId6"/>
+    <p:sldLayoutId id="2147483774" r:id="rId7"/>
+    <p:sldLayoutId id="2147483775" r:id="rId8"/>
+    <p:sldLayoutId id="2147483776" r:id="rId9"/>
+    <p:sldLayoutId id="2147483777" r:id="rId10"/>
+    <p:sldLayoutId id="2147483778" r:id="rId11"/>
+    <p:sldLayoutId id="2147483779" r:id="rId12"/>
+    <p:sldLayoutId id="2147483780" r:id="rId13"/>
+    <p:sldLayoutId id="2147483781" r:id="rId14"/>
+    <p:sldLayoutId id="2147483782" r:id="rId15"/>
+    <p:sldLayoutId id="2147483783" r:id="rId16"/>
+    <p:sldLayoutId id="2147483784" r:id="rId17"/>
   </p:sldLayoutIdLst>
   <p:txStyles>
     <p:titleStyle>
-      <a:lvl1pPr algn="l" defTabSz="914400" rtl="0" eaLnBrk="1" latinLnBrk="0" hangingPunct="1">
+      <a:lvl1pPr algn="ctr" defTabSz="914400" rtl="0" eaLnBrk="1" latinLnBrk="0" hangingPunct="1">
         <a:lnSpc>
           <a:spcPct val="90000"/>
         </a:lnSpc>
@@ -2964,10 +5553,17 @@
           <a:spcPct val="0"/>
         </a:spcBef>
         <a:buNone/>
-        <a:defRPr kumimoji="1" sz="4400" kern="1200">
+        <a:defRPr kumimoji="1" sz="3400" b="1" i="0" kern="1200" cap="all">
           <a:solidFill>
             <a:schemeClr val="tx1"/>
           </a:solidFill>
+          <a:effectLst>
+            <a:outerShdw blurRad="50800" dist="63500" dir="2700000" algn="tl" rotWithShape="0">
+              <a:srgbClr val="000000">
+                <a:alpha val="48000"/>
+              </a:srgbClr>
+            </a:outerShdw>
+          </a:effectLst>
           <a:latin typeface="+mj-lt"/>
           <a:ea typeface="+mj-ea"/>
           <a:cs typeface="+mj-cs"/>
@@ -2977,17 +5573,24 @@
     <p:bodyStyle>
       <a:lvl1pPr marL="228600" indent="-228600" algn="l" defTabSz="914400" rtl="0" eaLnBrk="1" latinLnBrk="0" hangingPunct="1">
         <a:lnSpc>
-          <a:spcPct val="90000"/>
+          <a:spcPct val="120000"/>
         </a:lnSpc>
         <a:spcBef>
           <a:spcPts val="1000"/>
         </a:spcBef>
         <a:buFont typeface="Arial" panose="020B0604020202020204" pitchFamily="34" charset="0"/>
         <a:buChar char="•"/>
-        <a:defRPr kumimoji="1" sz="2800" kern="1200">
+        <a:defRPr kumimoji="1" sz="2000" kern="1200">
           <a:solidFill>
             <a:schemeClr val="tx1"/>
           </a:solidFill>
+          <a:effectLst>
+            <a:outerShdw blurRad="50800" dist="38100" dir="2700000" algn="tl" rotWithShape="0">
+              <a:srgbClr val="000000">
+                <a:alpha val="48000"/>
+              </a:srgbClr>
+            </a:outerShdw>
+          </a:effectLst>
           <a:latin typeface="+mn-lt"/>
           <a:ea typeface="+mn-ea"/>
           <a:cs typeface="+mn-cs"/>
@@ -2995,43 +5598,7 @@
       </a:lvl1pPr>
       <a:lvl2pPr marL="685800" indent="-228600" algn="l" defTabSz="914400" rtl="0" eaLnBrk="1" latinLnBrk="0" hangingPunct="1">
         <a:lnSpc>
-          <a:spcPct val="90000"/>
-        </a:lnSpc>
-        <a:spcBef>
-          <a:spcPts val="500"/>
-        </a:spcBef>
-        <a:buFont typeface="Arial" panose="020B0604020202020204" pitchFamily="34" charset="0"/>
-        <a:buChar char="•"/>
-        <a:defRPr kumimoji="1" sz="2400" kern="1200">
-          <a:solidFill>
-            <a:schemeClr val="tx1"/>
-          </a:solidFill>
-          <a:latin typeface="+mn-lt"/>
-          <a:ea typeface="+mn-ea"/>
-          <a:cs typeface="+mn-cs"/>
-        </a:defRPr>
-      </a:lvl2pPr>
-      <a:lvl3pPr marL="1143000" indent="-228600" algn="l" defTabSz="914400" rtl="0" eaLnBrk="1" latinLnBrk="0" hangingPunct="1">
-        <a:lnSpc>
-          <a:spcPct val="90000"/>
-        </a:lnSpc>
-        <a:spcBef>
-          <a:spcPts val="500"/>
-        </a:spcBef>
-        <a:buFont typeface="Arial" panose="020B0604020202020204" pitchFamily="34" charset="0"/>
-        <a:buChar char="•"/>
-        <a:defRPr kumimoji="1" sz="2000" kern="1200">
-          <a:solidFill>
-            <a:schemeClr val="tx1"/>
-          </a:solidFill>
-          <a:latin typeface="+mn-lt"/>
-          <a:ea typeface="+mn-ea"/>
-          <a:cs typeface="+mn-cs"/>
-        </a:defRPr>
-      </a:lvl3pPr>
-      <a:lvl4pPr marL="1600200" indent="-228600" algn="l" defTabSz="914400" rtl="0" eaLnBrk="1" latinLnBrk="0" hangingPunct="1">
-        <a:lnSpc>
-          <a:spcPct val="90000"/>
+          <a:spcPct val="120000"/>
         </a:lnSpc>
         <a:spcBef>
           <a:spcPts val="500"/>
@@ -3042,6 +5609,63 @@
           <a:solidFill>
             <a:schemeClr val="tx1"/>
           </a:solidFill>
+          <a:effectLst>
+            <a:outerShdw blurRad="50800" dist="38100" dir="2700000" algn="tl" rotWithShape="0">
+              <a:srgbClr val="000000">
+                <a:alpha val="48000"/>
+              </a:srgbClr>
+            </a:outerShdw>
+          </a:effectLst>
+          <a:latin typeface="+mn-lt"/>
+          <a:ea typeface="+mn-ea"/>
+          <a:cs typeface="+mn-cs"/>
+        </a:defRPr>
+      </a:lvl2pPr>
+      <a:lvl3pPr marL="1143000" indent="-228600" algn="l" defTabSz="914400" rtl="0" eaLnBrk="1" latinLnBrk="0" hangingPunct="1">
+        <a:lnSpc>
+          <a:spcPct val="120000"/>
+        </a:lnSpc>
+        <a:spcBef>
+          <a:spcPts val="500"/>
+        </a:spcBef>
+        <a:buFont typeface="Arial" panose="020B0604020202020204" pitchFamily="34" charset="0"/>
+        <a:buChar char="•"/>
+        <a:defRPr kumimoji="1" sz="1600" kern="1200">
+          <a:solidFill>
+            <a:schemeClr val="tx1"/>
+          </a:solidFill>
+          <a:effectLst>
+            <a:outerShdw blurRad="50800" dist="38100" dir="2700000" algn="tl" rotWithShape="0">
+              <a:srgbClr val="000000">
+                <a:alpha val="48000"/>
+              </a:srgbClr>
+            </a:outerShdw>
+          </a:effectLst>
+          <a:latin typeface="+mn-lt"/>
+          <a:ea typeface="+mn-ea"/>
+          <a:cs typeface="+mn-cs"/>
+        </a:defRPr>
+      </a:lvl3pPr>
+      <a:lvl4pPr marL="1600200" indent="-228600" algn="l" defTabSz="914400" rtl="0" eaLnBrk="1" latinLnBrk="0" hangingPunct="1">
+        <a:lnSpc>
+          <a:spcPct val="120000"/>
+        </a:lnSpc>
+        <a:spcBef>
+          <a:spcPts val="500"/>
+        </a:spcBef>
+        <a:buFont typeface="Arial" panose="020B0604020202020204" pitchFamily="34" charset="0"/>
+        <a:buChar char="•"/>
+        <a:defRPr kumimoji="1" sz="1400" kern="1200">
+          <a:solidFill>
+            <a:schemeClr val="tx1"/>
+          </a:solidFill>
+          <a:effectLst>
+            <a:outerShdw blurRad="50800" dist="38100" dir="2700000" algn="tl" rotWithShape="0">
+              <a:srgbClr val="000000">
+                <a:alpha val="48000"/>
+              </a:srgbClr>
+            </a:outerShdw>
+          </a:effectLst>
           <a:latin typeface="+mn-lt"/>
           <a:ea typeface="+mn-ea"/>
           <a:cs typeface="+mn-cs"/>
@@ -3049,17 +5673,24 @@
       </a:lvl4pPr>
       <a:lvl5pPr marL="2057400" indent="-228600" algn="l" defTabSz="914400" rtl="0" eaLnBrk="1" latinLnBrk="0" hangingPunct="1">
         <a:lnSpc>
-          <a:spcPct val="90000"/>
+          <a:spcPct val="120000"/>
         </a:lnSpc>
         <a:spcBef>
           <a:spcPts val="500"/>
         </a:spcBef>
         <a:buFont typeface="Arial" panose="020B0604020202020204" pitchFamily="34" charset="0"/>
         <a:buChar char="•"/>
-        <a:defRPr kumimoji="1" sz="1800" kern="1200">
+        <a:defRPr kumimoji="1" sz="1200" kern="1200">
           <a:solidFill>
             <a:schemeClr val="tx1"/>
           </a:solidFill>
+          <a:effectLst>
+            <a:outerShdw blurRad="50800" dist="38100" dir="2700000" algn="tl" rotWithShape="0">
+              <a:srgbClr val="000000">
+                <a:alpha val="48000"/>
+              </a:srgbClr>
+            </a:outerShdw>
+          </a:effectLst>
           <a:latin typeface="+mn-lt"/>
           <a:ea typeface="+mn-ea"/>
           <a:cs typeface="+mn-cs"/>
@@ -3067,17 +5698,24 @@
       </a:lvl5pPr>
       <a:lvl6pPr marL="2514600" indent="-228600" algn="l" defTabSz="914400" rtl="0" eaLnBrk="1" latinLnBrk="0" hangingPunct="1">
         <a:lnSpc>
-          <a:spcPct val="90000"/>
+          <a:spcPct val="120000"/>
         </a:lnSpc>
         <a:spcBef>
           <a:spcPts val="500"/>
         </a:spcBef>
         <a:buFont typeface="Arial" panose="020B0604020202020204" pitchFamily="34" charset="0"/>
         <a:buChar char="•"/>
-        <a:defRPr kumimoji="1" sz="1800" kern="1200">
+        <a:defRPr kumimoji="1" sz="1200" kern="1200">
           <a:solidFill>
             <a:schemeClr val="tx1"/>
           </a:solidFill>
+          <a:effectLst>
+            <a:outerShdw blurRad="50800" dist="38100" dir="2700000" algn="tl" rotWithShape="0">
+              <a:srgbClr val="000000">
+                <a:alpha val="48000"/>
+              </a:srgbClr>
+            </a:outerShdw>
+          </a:effectLst>
           <a:latin typeface="+mn-lt"/>
           <a:ea typeface="+mn-ea"/>
           <a:cs typeface="+mn-cs"/>
@@ -3085,17 +5723,24 @@
       </a:lvl6pPr>
       <a:lvl7pPr marL="2971800" indent="-228600" algn="l" defTabSz="914400" rtl="0" eaLnBrk="1" latinLnBrk="0" hangingPunct="1">
         <a:lnSpc>
-          <a:spcPct val="90000"/>
+          <a:spcPct val="120000"/>
         </a:lnSpc>
         <a:spcBef>
           <a:spcPts val="500"/>
         </a:spcBef>
         <a:buFont typeface="Arial" panose="020B0604020202020204" pitchFamily="34" charset="0"/>
         <a:buChar char="•"/>
-        <a:defRPr kumimoji="1" sz="1800" kern="1200">
+        <a:defRPr kumimoji="1" sz="1200" kern="1200">
           <a:solidFill>
             <a:schemeClr val="tx1"/>
           </a:solidFill>
+          <a:effectLst>
+            <a:outerShdw blurRad="50800" dist="38100" dir="2700000" algn="tl" rotWithShape="0">
+              <a:srgbClr val="000000">
+                <a:alpha val="48000"/>
+              </a:srgbClr>
+            </a:outerShdw>
+          </a:effectLst>
           <a:latin typeface="+mn-lt"/>
           <a:ea typeface="+mn-ea"/>
           <a:cs typeface="+mn-cs"/>
@@ -3103,17 +5748,24 @@
       </a:lvl7pPr>
       <a:lvl8pPr marL="3429000" indent="-228600" algn="l" defTabSz="914400" rtl="0" eaLnBrk="1" latinLnBrk="0" hangingPunct="1">
         <a:lnSpc>
-          <a:spcPct val="90000"/>
+          <a:spcPct val="120000"/>
         </a:lnSpc>
         <a:spcBef>
           <a:spcPts val="500"/>
         </a:spcBef>
         <a:buFont typeface="Arial" panose="020B0604020202020204" pitchFamily="34" charset="0"/>
         <a:buChar char="•"/>
-        <a:defRPr kumimoji="1" sz="1800" kern="1200">
+        <a:defRPr kumimoji="1" sz="1200" kern="1200">
           <a:solidFill>
             <a:schemeClr val="tx1"/>
           </a:solidFill>
+          <a:effectLst>
+            <a:outerShdw blurRad="50800" dist="38100" dir="2700000" algn="tl" rotWithShape="0">
+              <a:srgbClr val="000000">
+                <a:alpha val="48000"/>
+              </a:srgbClr>
+            </a:outerShdw>
+          </a:effectLst>
           <a:latin typeface="+mn-lt"/>
           <a:ea typeface="+mn-ea"/>
           <a:cs typeface="+mn-cs"/>
@@ -3121,17 +5773,24 @@
       </a:lvl8pPr>
       <a:lvl9pPr marL="3886200" indent="-228600" algn="l" defTabSz="914400" rtl="0" eaLnBrk="1" latinLnBrk="0" hangingPunct="1">
         <a:lnSpc>
-          <a:spcPct val="90000"/>
+          <a:spcPct val="120000"/>
         </a:lnSpc>
         <a:spcBef>
           <a:spcPts val="500"/>
         </a:spcBef>
         <a:buFont typeface="Arial" panose="020B0604020202020204" pitchFamily="34" charset="0"/>
         <a:buChar char="•"/>
-        <a:defRPr kumimoji="1" sz="1800" kern="1200">
+        <a:defRPr kumimoji="1" sz="1200" kern="1200">
           <a:solidFill>
             <a:schemeClr val="tx1"/>
           </a:solidFill>
+          <a:effectLst>
+            <a:outerShdw blurRad="50800" dist="38100" dir="2700000" algn="tl" rotWithShape="0">
+              <a:srgbClr val="000000">
+                <a:alpha val="48000"/>
+              </a:srgbClr>
+            </a:outerShdw>
+          </a:effectLst>
           <a:latin typeface="+mn-lt"/>
           <a:ea typeface="+mn-ea"/>
           <a:cs typeface="+mn-cs"/>
@@ -3140,7 +5799,7 @@
     </p:bodyStyle>
     <p:otherStyle>
       <a:defPPr>
-        <a:defRPr lang="ja-JP"/>
+        <a:defRPr lang="en-US"/>
       </a:defPPr>
       <a:lvl1pPr marL="0" algn="l" defTabSz="914400" rtl="0" eaLnBrk="1" latinLnBrk="0" hangingPunct="1">
         <a:defRPr kumimoji="1" sz="1800" kern="1200">
@@ -3262,8 +5921,8 @@
         </p:nvSpPr>
         <p:spPr>
           <a:xfrm>
-            <a:off x="3719145" y="1714499"/>
-            <a:ext cx="4528039" cy="1200329"/>
+            <a:off x="3731845" y="1816099"/>
+            <a:ext cx="5424855" cy="1323439"/>
           </a:xfrm>
           <a:prstGeom prst="rect">
             <a:avLst/>
@@ -3277,7 +5936,7 @@
           <a:lstStyle/>
           <a:p>
             <a:r>
-              <a:rPr kumimoji="1" lang="ja-JP" altLang="en-US" sz="7200" dirty="0" smtClean="0">
+              <a:rPr kumimoji="1" lang="en-US" altLang="ja-JP" sz="8000" dirty="0" err="1" smtClean="0">
                 <a:effectLst>
                   <a:outerShdw blurRad="38100" dist="38100" dir="2700000" algn="tl">
                     <a:srgbClr val="000000">
@@ -3285,12 +5944,43 @@
                     </a:srgbClr>
                   </a:outerShdw>
                 </a:effectLst>
-                <a:latin typeface="HG創英ﾌﾟﾚｾﾞﾝｽEB" panose="02020809000000000000" pitchFamily="17" charset="-128"/>
-                <a:ea typeface="HG創英ﾌﾟﾚｾﾞﾝｽEB" panose="02020809000000000000" pitchFamily="17" charset="-128"/>
+                <a:latin typeface="Century" panose="02040604050505020304" pitchFamily="18" charset="0"/>
+                <a:ea typeface="HG行書体" panose="03000609000000000000" pitchFamily="65" charset="-128"/>
               </a:rPr>
-              <a:t>鬼ごっこ</a:t>
-            </a:r>
-            <a:endParaRPr kumimoji="1" lang="ja-JP" altLang="en-US" sz="7200" dirty="0">
+              <a:t>ONI</a:t>
+            </a:r>
+            <a:r>
+              <a:rPr kumimoji="1" lang="en-US" altLang="ja-JP" sz="8000" dirty="0" err="1" smtClean="0">
+                <a:solidFill>
+                  <a:srgbClr val="FF0000"/>
+                </a:solidFill>
+                <a:effectLst>
+                  <a:outerShdw blurRad="38100" dist="38100" dir="2700000" algn="tl">
+                    <a:srgbClr val="000000">
+                      <a:alpha val="43137"/>
+                    </a:srgbClr>
+                  </a:outerShdw>
+                </a:effectLst>
+                <a:latin typeface="Century" panose="02040604050505020304" pitchFamily="18" charset="0"/>
+                <a:ea typeface="HG行書体" panose="03000609000000000000" pitchFamily="65" charset="-128"/>
+              </a:rPr>
+              <a:t>G</a:t>
+            </a:r>
+            <a:r>
+              <a:rPr kumimoji="1" lang="en-US" altLang="ja-JP" sz="8000" dirty="0" err="1" smtClean="0">
+                <a:effectLst>
+                  <a:outerShdw blurRad="38100" dist="38100" dir="2700000" algn="tl">
+                    <a:srgbClr val="000000">
+                      <a:alpha val="43137"/>
+                    </a:srgbClr>
+                  </a:outerShdw>
+                </a:effectLst>
+                <a:latin typeface="Century" panose="02040604050505020304" pitchFamily="18" charset="0"/>
+                <a:ea typeface="HG行書体" panose="03000609000000000000" pitchFamily="65" charset="-128"/>
+              </a:rPr>
+              <a:t>okko</a:t>
+            </a:r>
+            <a:endParaRPr kumimoji="1" lang="ja-JP" altLang="en-US" sz="8000" dirty="0">
               <a:effectLst>
                 <a:outerShdw blurRad="38100" dist="38100" dir="2700000" algn="tl">
                   <a:srgbClr val="000000">
@@ -3298,8 +5988,8 @@
                   </a:srgbClr>
                 </a:outerShdw>
               </a:effectLst>
-              <a:latin typeface="HG創英ﾌﾟﾚｾﾞﾝｽEB" panose="02020809000000000000" pitchFamily="17" charset="-128"/>
-              <a:ea typeface="HG創英ﾌﾟﾚｾﾞﾝｽEB" panose="02020809000000000000" pitchFamily="17" charset="-128"/>
+              <a:latin typeface="Century" panose="02040604050505020304" pitchFamily="18" charset="0"/>
+              <a:ea typeface="HG行書体" panose="03000609000000000000" pitchFamily="65" charset="-128"/>
             </a:endParaRPr>
           </a:p>
         </p:txBody>
@@ -3312,8 +6002,8 @@
         </p:nvSpPr>
         <p:spPr>
           <a:xfrm>
-            <a:off x="5785339" y="5055577"/>
-            <a:ext cx="6831623" cy="1200329"/>
+            <a:off x="5156200" y="4877777"/>
+            <a:ext cx="7035800" cy="1384995"/>
           </a:xfrm>
           <a:prstGeom prst="rect">
             <a:avLst/>
@@ -3327,39 +6017,39 @@
           <a:lstStyle/>
           <a:p>
             <a:r>
-              <a:rPr kumimoji="1" lang="ja-JP" altLang="en-US" sz="2400" dirty="0" smtClean="0">
+              <a:rPr kumimoji="1" lang="ja-JP" altLang="en-US" sz="2800" dirty="0" smtClean="0">
                 <a:latin typeface="HG正楷書体-PRO" panose="03000600000000000000" pitchFamily="66" charset="-128"/>
                 <a:ea typeface="HG正楷書体-PRO" panose="03000600000000000000" pitchFamily="66" charset="-128"/>
               </a:rPr>
               <a:t>製作者</a:t>
             </a:r>
-            <a:endParaRPr kumimoji="1" lang="en-US" altLang="ja-JP" sz="2400" dirty="0" smtClean="0">
+            <a:endParaRPr kumimoji="1" lang="en-US" altLang="ja-JP" sz="2800" dirty="0" smtClean="0">
               <a:latin typeface="HG正楷書体-PRO" panose="03000600000000000000" pitchFamily="66" charset="-128"/>
               <a:ea typeface="HG正楷書体-PRO" panose="03000600000000000000" pitchFamily="66" charset="-128"/>
             </a:endParaRPr>
           </a:p>
           <a:p>
             <a:r>
-              <a:rPr kumimoji="1" lang="ja-JP" altLang="en-US" sz="2400" dirty="0" smtClean="0">
+              <a:rPr kumimoji="1" lang="ja-JP" altLang="en-US" sz="2800" dirty="0" smtClean="0">
                 <a:latin typeface="HG正楷書体-PRO" panose="03000600000000000000" pitchFamily="66" charset="-128"/>
                 <a:ea typeface="HG正楷書体-PRO" panose="03000600000000000000" pitchFamily="66" charset="-128"/>
               </a:rPr>
               <a:t>ゲームクリエータ専攻科３年　馬場　修平</a:t>
             </a:r>
-            <a:endParaRPr kumimoji="1" lang="en-US" altLang="ja-JP" sz="2400" dirty="0" smtClean="0">
+            <a:endParaRPr kumimoji="1" lang="en-US" altLang="ja-JP" sz="2800" dirty="0" smtClean="0">
               <a:latin typeface="HG正楷書体-PRO" panose="03000600000000000000" pitchFamily="66" charset="-128"/>
               <a:ea typeface="HG正楷書体-PRO" panose="03000600000000000000" pitchFamily="66" charset="-128"/>
             </a:endParaRPr>
           </a:p>
           <a:p>
             <a:r>
-              <a:rPr lang="ja-JP" altLang="en-US" sz="2400" dirty="0" smtClean="0">
+              <a:rPr lang="ja-JP" altLang="en-US" sz="2800" dirty="0" smtClean="0">
                 <a:latin typeface="HG正楷書体-PRO" panose="03000600000000000000" pitchFamily="66" charset="-128"/>
                 <a:ea typeface="HG正楷書体-PRO" panose="03000600000000000000" pitchFamily="66" charset="-128"/>
               </a:rPr>
               <a:t>ゲームクリエータ専攻科３年　吉住　達</a:t>
             </a:r>
-            <a:endParaRPr kumimoji="1" lang="en-US" altLang="ja-JP" sz="2400" dirty="0" smtClean="0">
+            <a:endParaRPr kumimoji="1" lang="en-US" altLang="ja-JP" sz="2800" dirty="0" smtClean="0">
               <a:latin typeface="HG正楷書体-PRO" panose="03000600000000000000" pitchFamily="66" charset="-128"/>
               <a:ea typeface="HG正楷書体-PRO" panose="03000600000000000000" pitchFamily="66" charset="-128"/>
             </a:endParaRPr>
@@ -3376,6 +6066,13 @@
   <p:clrMapOvr>
     <a:masterClrMapping/>
   </p:clrMapOvr>
+  <p:timing>
+    <p:tnLst>
+      <p:par>
+        <p:cTn id="1" dur="indefinite" restart="never" nodeType="tmRoot"/>
+      </p:par>
+    </p:tnLst>
+  </p:timing>
 </p:sld>
 </file>
 
@@ -3629,6 +6326,13 @@
   <p:clrMapOvr>
     <a:masterClrMapping/>
   </p:clrMapOvr>
+  <p:timing>
+    <p:tnLst>
+      <p:par>
+        <p:cTn id="1" dur="indefinite" restart="never" nodeType="tmRoot"/>
+      </p:par>
+    </p:tnLst>
+  </p:timing>
 </p:sld>
 </file>
 
@@ -3693,8 +6397,8 @@
         </p:nvSpPr>
         <p:spPr>
           <a:xfrm>
-            <a:off x="430823" y="1248508"/>
-            <a:ext cx="3833446" cy="1200329"/>
+            <a:off x="272561" y="835168"/>
+            <a:ext cx="3833446" cy="1938992"/>
           </a:xfrm>
           <a:prstGeom prst="rect">
             <a:avLst/>
@@ -3708,61 +6412,103 @@
           <a:lstStyle/>
           <a:p>
             <a:r>
-              <a:rPr kumimoji="1" lang="ja-JP" altLang="en-US" dirty="0" smtClean="0"/>
+              <a:rPr kumimoji="1" lang="ja-JP" altLang="en-US" sz="2400" dirty="0" smtClean="0">
+                <a:latin typeface="HGP創英ﾌﾟﾚｾﾞﾝｽEB" panose="02020800000000000000" pitchFamily="18" charset="-128"/>
+                <a:ea typeface="HGP創英ﾌﾟﾚｾﾞﾝｽEB" panose="02020800000000000000" pitchFamily="18" charset="-128"/>
+              </a:rPr>
               <a:t>〇キーボード</a:t>
             </a:r>
-            <a:endParaRPr kumimoji="1" lang="en-US" altLang="ja-JP" dirty="0" smtClean="0"/>
+            <a:endParaRPr kumimoji="1" lang="en-US" altLang="ja-JP" sz="2400" dirty="0" smtClean="0">
+              <a:latin typeface="HGP創英ﾌﾟﾚｾﾞﾝｽEB" panose="02020800000000000000" pitchFamily="18" charset="-128"/>
+              <a:ea typeface="HGP創英ﾌﾟﾚｾﾞﾝｽEB" panose="02020800000000000000" pitchFamily="18" charset="-128"/>
+            </a:endParaRPr>
           </a:p>
           <a:p>
             <a:pPr lvl="1"/>
             <a:r>
-              <a:rPr kumimoji="1" lang="ja-JP" altLang="en-US" dirty="0" smtClean="0"/>
+              <a:rPr kumimoji="1" lang="ja-JP" altLang="en-US" sz="2400" dirty="0" smtClean="0">
+                <a:latin typeface="HGP創英ﾌﾟﾚｾﾞﾝｽEB" panose="02020800000000000000" pitchFamily="18" charset="-128"/>
+                <a:ea typeface="HGP創英ﾌﾟﾚｾﾞﾝｽEB" panose="02020800000000000000" pitchFamily="18" charset="-128"/>
+              </a:rPr>
               <a:t>移動：</a:t>
             </a:r>
             <a:r>
-              <a:rPr kumimoji="1" lang="en-US" altLang="ja-JP" dirty="0" smtClean="0"/>
+              <a:rPr kumimoji="1" lang="en-US" altLang="ja-JP" sz="2400" dirty="0" smtClean="0">
+                <a:latin typeface="HGP創英ﾌﾟﾚｾﾞﾝｽEB" panose="02020800000000000000" pitchFamily="18" charset="-128"/>
+                <a:ea typeface="HGP創英ﾌﾟﾚｾﾞﾝｽEB" panose="02020800000000000000" pitchFamily="18" charset="-128"/>
+              </a:rPr>
               <a:t>AWDS</a:t>
             </a:r>
             <a:r>
-              <a:rPr kumimoji="1" lang="ja-JP" altLang="en-US" dirty="0" smtClean="0"/>
+              <a:rPr kumimoji="1" lang="ja-JP" altLang="en-US" sz="2400" dirty="0" smtClean="0">
+                <a:latin typeface="HGP創英ﾌﾟﾚｾﾞﾝｽEB" panose="02020800000000000000" pitchFamily="18" charset="-128"/>
+                <a:ea typeface="HGP創英ﾌﾟﾚｾﾞﾝｽEB" panose="02020800000000000000" pitchFamily="18" charset="-128"/>
+              </a:rPr>
               <a:t>キー</a:t>
             </a:r>
             <a:r>
-              <a:rPr kumimoji="1" lang="en-US" altLang="ja-JP" dirty="0" smtClean="0"/>
+              <a:rPr kumimoji="1" lang="en-US" altLang="ja-JP" sz="2400" dirty="0" smtClean="0">
+                <a:latin typeface="HGP創英ﾌﾟﾚｾﾞﾝｽEB" panose="02020800000000000000" pitchFamily="18" charset="-128"/>
+                <a:ea typeface="HGP創英ﾌﾟﾚｾﾞﾝｽEB" panose="02020800000000000000" pitchFamily="18" charset="-128"/>
+              </a:rPr>
               <a:t>(</a:t>
             </a:r>
             <a:r>
-              <a:rPr kumimoji="1" lang="ja-JP" altLang="en-US" dirty="0" smtClean="0"/>
+              <a:rPr kumimoji="1" lang="ja-JP" altLang="en-US" sz="2400" dirty="0" smtClean="0">
+                <a:latin typeface="HGP創英ﾌﾟﾚｾﾞﾝｽEB" panose="02020800000000000000" pitchFamily="18" charset="-128"/>
+                <a:ea typeface="HGP創英ﾌﾟﾚｾﾞﾝｽEB" panose="02020800000000000000" pitchFamily="18" charset="-128"/>
+              </a:rPr>
               <a:t>十字キー</a:t>
             </a:r>
             <a:r>
-              <a:rPr kumimoji="1" lang="en-US" altLang="ja-JP" dirty="0" smtClean="0"/>
+              <a:rPr kumimoji="1" lang="en-US" altLang="ja-JP" sz="2400" dirty="0" smtClean="0">
+                <a:latin typeface="HGP創英ﾌﾟﾚｾﾞﾝｽEB" panose="02020800000000000000" pitchFamily="18" charset="-128"/>
+                <a:ea typeface="HGP創英ﾌﾟﾚｾﾞﾝｽEB" panose="02020800000000000000" pitchFamily="18" charset="-128"/>
+              </a:rPr>
               <a:t>)</a:t>
             </a:r>
           </a:p>
           <a:p>
             <a:pPr lvl="1"/>
             <a:r>
-              <a:rPr lang="ja-JP" altLang="en-US" dirty="0" smtClean="0"/>
+              <a:rPr lang="ja-JP" altLang="en-US" sz="2400" dirty="0" smtClean="0">
+                <a:latin typeface="HGP創英ﾌﾟﾚｾﾞﾝｽEB" panose="02020800000000000000" pitchFamily="18" charset="-128"/>
+                <a:ea typeface="HGP創英ﾌﾟﾚｾﾞﾝｽEB" panose="02020800000000000000" pitchFamily="18" charset="-128"/>
+              </a:rPr>
               <a:t>方向転換：マウス</a:t>
             </a:r>
-            <a:endParaRPr lang="en-US" altLang="ja-JP" dirty="0" smtClean="0"/>
+            <a:endParaRPr lang="en-US" altLang="ja-JP" sz="2400" dirty="0" smtClean="0">
+              <a:latin typeface="HGP創英ﾌﾟﾚｾﾞﾝｽEB" panose="02020800000000000000" pitchFamily="18" charset="-128"/>
+              <a:ea typeface="HGP創英ﾌﾟﾚｾﾞﾝｽEB" panose="02020800000000000000" pitchFamily="18" charset="-128"/>
+            </a:endParaRPr>
           </a:p>
           <a:p>
             <a:pPr lvl="1"/>
             <a:r>
-              <a:rPr kumimoji="1" lang="ja-JP" altLang="en-US" dirty="0" smtClean="0"/>
+              <a:rPr kumimoji="1" lang="ja-JP" altLang="en-US" sz="2400" dirty="0" smtClean="0">
+                <a:latin typeface="HGP創英ﾌﾟﾚｾﾞﾝｽEB" panose="02020800000000000000" pitchFamily="18" charset="-128"/>
+                <a:ea typeface="HGP創英ﾌﾟﾚｾﾞﾝｽEB" panose="02020800000000000000" pitchFamily="18" charset="-128"/>
+              </a:rPr>
               <a:t>ジャンプ：</a:t>
             </a:r>
             <a:r>
-              <a:rPr kumimoji="1" lang="en-US" altLang="ja-JP" dirty="0" smtClean="0"/>
+              <a:rPr kumimoji="1" lang="en-US" altLang="ja-JP" sz="2400" dirty="0" smtClean="0">
+                <a:latin typeface="HGP創英ﾌﾟﾚｾﾞﾝｽEB" panose="02020800000000000000" pitchFamily="18" charset="-128"/>
+                <a:ea typeface="HGP創英ﾌﾟﾚｾﾞﾝｽEB" panose="02020800000000000000" pitchFamily="18" charset="-128"/>
+              </a:rPr>
               <a:t>SPACE</a:t>
             </a:r>
             <a:r>
-              <a:rPr kumimoji="1" lang="ja-JP" altLang="en-US" dirty="0" smtClean="0"/>
+              <a:rPr kumimoji="1" lang="ja-JP" altLang="en-US" sz="2400" dirty="0" smtClean="0">
+                <a:latin typeface="HGP創英ﾌﾟﾚｾﾞﾝｽEB" panose="02020800000000000000" pitchFamily="18" charset="-128"/>
+                <a:ea typeface="HGP創英ﾌﾟﾚｾﾞﾝｽEB" panose="02020800000000000000" pitchFamily="18" charset="-128"/>
+              </a:rPr>
               <a:t>キー</a:t>
             </a:r>
-            <a:endParaRPr kumimoji="1" lang="en-US" altLang="ja-JP" dirty="0" smtClean="0"/>
+            <a:endParaRPr kumimoji="1" lang="en-US" altLang="ja-JP" sz="2400" dirty="0" smtClean="0">
+              <a:latin typeface="HGP創英ﾌﾟﾚｾﾞﾝｽEB" panose="02020800000000000000" pitchFamily="18" charset="-128"/>
+              <a:ea typeface="HGP創英ﾌﾟﾚｾﾞﾝｽEB" panose="02020800000000000000" pitchFamily="18" charset="-128"/>
+            </a:endParaRPr>
           </a:p>
         </p:txBody>
       </p:sp>
@@ -3775,7 +6521,7 @@
         <p:spPr>
           <a:xfrm>
             <a:off x="395653" y="2875085"/>
-            <a:ext cx="4484077" cy="1200329"/>
+            <a:ext cx="4484077" cy="2123658"/>
           </a:xfrm>
           <a:prstGeom prst="rect">
             <a:avLst/>
@@ -3789,28 +6535,86 @@
           <a:lstStyle/>
           <a:p>
             <a:r>
-              <a:rPr kumimoji="1" lang="ja-JP" altLang="en-US" dirty="0" smtClean="0"/>
+              <a:rPr kumimoji="1" lang="ja-JP" altLang="en-US" sz="2400" dirty="0" smtClean="0">
+                <a:latin typeface="HGP創英ﾌﾟﾚｾﾞﾝｽEB" panose="02020800000000000000" pitchFamily="18" charset="-128"/>
+                <a:ea typeface="HGP創英ﾌﾟﾚｾﾞﾝｽEB" panose="02020800000000000000" pitchFamily="18" charset="-128"/>
+              </a:rPr>
               <a:t>〇ゲームパッド</a:t>
             </a:r>
-            <a:endParaRPr kumimoji="1" lang="en-US" altLang="ja-JP" dirty="0" smtClean="0"/>
-          </a:p>
-          <a:p>
-            <a:r>
-              <a:rPr lang="ja-JP" altLang="en-US" dirty="0" smtClean="0"/>
+            <a:endParaRPr kumimoji="1" lang="en-US" altLang="ja-JP" sz="2400" dirty="0" smtClean="0">
+              <a:latin typeface="HGP創英ﾌﾟﾚｾﾞﾝｽEB" panose="02020800000000000000" pitchFamily="18" charset="-128"/>
+              <a:ea typeface="HGP創英ﾌﾟﾚｾﾞﾝｽEB" panose="02020800000000000000" pitchFamily="18" charset="-128"/>
+            </a:endParaRPr>
+          </a:p>
+          <a:p>
+            <a:r>
+              <a:rPr lang="ja-JP" altLang="en-US" sz="2400" dirty="0" smtClean="0">
+                <a:latin typeface="HGP創英ﾌﾟﾚｾﾞﾝｽEB" panose="02020800000000000000" pitchFamily="18" charset="-128"/>
+                <a:ea typeface="HGP創英ﾌﾟﾚｾﾞﾝｽEB" panose="02020800000000000000" pitchFamily="18" charset="-128"/>
+              </a:rPr>
               <a:t>移動：左スティック</a:t>
             </a:r>
             <a:r>
-              <a:rPr lang="en-US" altLang="ja-JP" dirty="0" smtClean="0"/>
+              <a:rPr lang="en-US" altLang="ja-JP" sz="2400" dirty="0" smtClean="0">
+                <a:latin typeface="HGP創英ﾌﾟﾚｾﾞﾝｽEB" panose="02020800000000000000" pitchFamily="18" charset="-128"/>
+                <a:ea typeface="HGP創英ﾌﾟﾚｾﾞﾝｽEB" panose="02020800000000000000" pitchFamily="18" charset="-128"/>
+              </a:rPr>
               <a:t>(</a:t>
             </a:r>
             <a:r>
-              <a:rPr lang="ja-JP" altLang="en-US" dirty="0" smtClean="0"/>
+              <a:rPr lang="ja-JP" altLang="en-US" sz="2400" dirty="0" smtClean="0">
+                <a:latin typeface="HGP創英ﾌﾟﾚｾﾞﾝｽEB" panose="02020800000000000000" pitchFamily="18" charset="-128"/>
+                <a:ea typeface="HGP創英ﾌﾟﾚｾﾞﾝｽEB" panose="02020800000000000000" pitchFamily="18" charset="-128"/>
+              </a:rPr>
               <a:t>十字キー</a:t>
             </a:r>
             <a:r>
-              <a:rPr lang="en-US" altLang="ja-JP" smtClean="0"/>
+              <a:rPr lang="en-US" altLang="ja-JP" sz="2400" dirty="0" smtClean="0">
+                <a:latin typeface="HGP創英ﾌﾟﾚｾﾞﾝｽEB" panose="02020800000000000000" pitchFamily="18" charset="-128"/>
+                <a:ea typeface="HGP創英ﾌﾟﾚｾﾞﾝｽEB" panose="02020800000000000000" pitchFamily="18" charset="-128"/>
+              </a:rPr>
               <a:t>)</a:t>
             </a:r>
+          </a:p>
+          <a:p>
+            <a:r>
+              <a:rPr lang="ja-JP" altLang="en-US" sz="2400" dirty="0" smtClean="0">
+                <a:latin typeface="HGP創英ﾌﾟﾚｾﾞﾝｽEB" panose="02020800000000000000" pitchFamily="18" charset="-128"/>
+                <a:ea typeface="HGP創英ﾌﾟﾚｾﾞﾝｽEB" panose="02020800000000000000" pitchFamily="18" charset="-128"/>
+              </a:rPr>
+              <a:t>方向転換：右スティック</a:t>
+            </a:r>
+            <a:endParaRPr lang="en-US" altLang="ja-JP" sz="2400" dirty="0" smtClean="0">
+              <a:latin typeface="HGP創英ﾌﾟﾚｾﾞﾝｽEB" panose="02020800000000000000" pitchFamily="18" charset="-128"/>
+              <a:ea typeface="HGP創英ﾌﾟﾚｾﾞﾝｽEB" panose="02020800000000000000" pitchFamily="18" charset="-128"/>
+            </a:endParaRPr>
+          </a:p>
+          <a:p>
+            <a:r>
+              <a:rPr lang="ja-JP" altLang="en-US" sz="2400" dirty="0" smtClean="0">
+                <a:latin typeface="HGP創英ﾌﾟﾚｾﾞﾝｽEB" panose="02020800000000000000" pitchFamily="18" charset="-128"/>
+                <a:ea typeface="HGP創英ﾌﾟﾚｾﾞﾝｽEB" panose="02020800000000000000" pitchFamily="18" charset="-128"/>
+              </a:rPr>
+              <a:t>ジャンプ：</a:t>
+            </a:r>
+            <a:r>
+              <a:rPr lang="en-US" altLang="ja-JP" sz="2400" dirty="0" smtClean="0">
+                <a:latin typeface="HGP創英ﾌﾟﾚｾﾞﾝｽEB" panose="02020800000000000000" pitchFamily="18" charset="-128"/>
+                <a:ea typeface="HGP創英ﾌﾟﾚｾﾞﾝｽEB" panose="02020800000000000000" pitchFamily="18" charset="-128"/>
+              </a:rPr>
+              <a:t>B</a:t>
+            </a:r>
+            <a:r>
+              <a:rPr lang="ja-JP" altLang="en-US" sz="2400" dirty="0" smtClean="0">
+                <a:latin typeface="HGP創英ﾌﾟﾚｾﾞﾝｽEB" panose="02020800000000000000" pitchFamily="18" charset="-128"/>
+                <a:ea typeface="HGP創英ﾌﾟﾚｾﾞﾝｽEB" panose="02020800000000000000" pitchFamily="18" charset="-128"/>
+              </a:rPr>
+              <a:t>キー</a:t>
+            </a:r>
+            <a:endParaRPr lang="en-US" altLang="ja-JP" sz="2400" dirty="0" smtClean="0">
+              <a:latin typeface="HGP創英ﾌﾟﾚｾﾞﾝｽEB" panose="02020800000000000000" pitchFamily="18" charset="-128"/>
+              <a:ea typeface="HGP創英ﾌﾟﾚｾﾞﾝｽEB" panose="02020800000000000000" pitchFamily="18" charset="-128"/>
+            </a:endParaRPr>
           </a:p>
           <a:p>
             <a:endParaRPr lang="en-US" altLang="ja-JP" dirty="0" smtClean="0"/>
@@ -3830,13 +6634,171 @@
   <p:clrMapOvr>
     <a:masterClrMapping/>
   </p:clrMapOvr>
+  <p:timing>
+    <p:tnLst>
+      <p:par>
+        <p:cTn id="1" dur="indefinite" restart="never" nodeType="tmRoot"/>
+      </p:par>
+    </p:tnLst>
+  </p:timing>
+</p:sld>
+</file>
+
+<file path=ppt/slides/slide4.xml><?xml version="1.0" encoding="utf-8"?>
+<p:sld xmlns:a="http://schemas.openxmlformats.org/drawingml/2006/main" xmlns:r="http://schemas.openxmlformats.org/officeDocument/2006/relationships" xmlns:p="http://schemas.openxmlformats.org/presentationml/2006/main">
+  <p:cSld>
+    <p:spTree>
+      <p:nvGrpSpPr>
+        <p:cNvPr id="1" name=""/>
+        <p:cNvGrpSpPr/>
+        <p:nvPr/>
+      </p:nvGrpSpPr>
+      <p:grpSpPr>
+        <a:xfrm>
+          <a:off x="0" y="0"/>
+          <a:ext cx="0" cy="0"/>
+          <a:chOff x="0" y="0"/>
+          <a:chExt cx="0" cy="0"/>
+        </a:xfrm>
+      </p:grpSpPr>
+      <p:sp>
+        <p:nvSpPr>
+          <p:cNvPr id="4" name="テキスト ボックス 3"/>
+          <p:cNvSpPr txBox="1"/>
+          <p:nvPr/>
+        </p:nvSpPr>
+        <p:spPr>
+          <a:xfrm>
+            <a:off x="317500" y="190500"/>
+            <a:ext cx="3949700" cy="584775"/>
+          </a:xfrm>
+          <a:prstGeom prst="rect">
+            <a:avLst/>
+          </a:prstGeom>
+          <a:noFill/>
+        </p:spPr>
+        <p:txBody>
+          <a:bodyPr wrap="square" rtlCol="0">
+            <a:spAutoFit/>
+          </a:bodyPr>
+          <a:lstStyle/>
+          <a:p>
+            <a:r>
+              <a:rPr kumimoji="1" lang="ja-JP" altLang="en-US" sz="3200" dirty="0" smtClean="0">
+                <a:latin typeface="HGP創英ﾌﾟﾚｾﾞﾝｽEB" panose="02020800000000000000" pitchFamily="18" charset="-128"/>
+                <a:ea typeface="HGP創英ﾌﾟﾚｾﾞﾝｽEB" panose="02020800000000000000" pitchFamily="18" charset="-128"/>
+              </a:rPr>
+              <a:t>👹その他</a:t>
+            </a:r>
+            <a:endParaRPr kumimoji="1" lang="ja-JP" altLang="en-US" sz="3200" dirty="0">
+              <a:latin typeface="HGP創英ﾌﾟﾚｾﾞﾝｽEB" panose="02020800000000000000" pitchFamily="18" charset="-128"/>
+              <a:ea typeface="HGP創英ﾌﾟﾚｾﾞﾝｽEB" panose="02020800000000000000" pitchFamily="18" charset="-128"/>
+            </a:endParaRPr>
+          </a:p>
+        </p:txBody>
+      </p:sp>
+      <p:sp>
+        <p:nvSpPr>
+          <p:cNvPr id="5" name="テキスト ボックス 4"/>
+          <p:cNvSpPr txBox="1"/>
+          <p:nvPr/>
+        </p:nvSpPr>
+        <p:spPr>
+          <a:xfrm>
+            <a:off x="317500" y="965200"/>
+            <a:ext cx="6299200" cy="1200329"/>
+          </a:xfrm>
+          <a:prstGeom prst="rect">
+            <a:avLst/>
+          </a:prstGeom>
+          <a:noFill/>
+        </p:spPr>
+        <p:txBody>
+          <a:bodyPr wrap="square" rtlCol="0">
+            <a:spAutoFit/>
+          </a:bodyPr>
+          <a:lstStyle/>
+          <a:p>
+            <a:r>
+              <a:rPr kumimoji="1" lang="ja-JP" altLang="en-US" sz="2400" dirty="0" smtClean="0"/>
+              <a:t>使用エンジン：</a:t>
+            </a:r>
+            <a:r>
+              <a:rPr kumimoji="1" lang="en-US" altLang="ja-JP" sz="2400" dirty="0" smtClean="0"/>
+              <a:t>UnrealEngine4</a:t>
+            </a:r>
+          </a:p>
+          <a:p>
+            <a:r>
+              <a:rPr kumimoji="1" lang="ja-JP" altLang="en-US" sz="2400" dirty="0" smtClean="0"/>
+              <a:t>担当箇所：馬場</a:t>
+            </a:r>
+            <a:r>
+              <a:rPr kumimoji="1" lang="en-US" altLang="ja-JP" sz="2400" dirty="0" smtClean="0"/>
+              <a:t>(</a:t>
+            </a:r>
+            <a:r>
+              <a:rPr kumimoji="1" lang="ja-JP" altLang="en-US" sz="2400" dirty="0" smtClean="0"/>
+              <a:t>企画、キャラクター作成</a:t>
+            </a:r>
+            <a:r>
+              <a:rPr kumimoji="1" lang="en-US" altLang="ja-JP" sz="2400" dirty="0" smtClean="0"/>
+              <a:t>)</a:t>
+            </a:r>
+          </a:p>
+          <a:p>
+            <a:r>
+              <a:rPr kumimoji="1" lang="en-US" altLang="ja-JP" sz="2400" dirty="0"/>
+              <a:t>	</a:t>
+            </a:r>
+            <a:r>
+              <a:rPr kumimoji="1" lang="en-US" altLang="ja-JP" sz="2400" dirty="0" smtClean="0"/>
+              <a:t>		</a:t>
+            </a:r>
+            <a:r>
+              <a:rPr kumimoji="1" lang="ja-JP" altLang="en-US" sz="2400" dirty="0" smtClean="0"/>
+              <a:t>吉住</a:t>
+            </a:r>
+            <a:r>
+              <a:rPr kumimoji="1" lang="en-US" altLang="ja-JP" sz="2400" dirty="0" smtClean="0"/>
+              <a:t>(</a:t>
+            </a:r>
+            <a:r>
+              <a:rPr kumimoji="1" lang="ja-JP" altLang="en-US" sz="2400" dirty="0" smtClean="0"/>
+              <a:t>企画、マップ作成</a:t>
+            </a:r>
+            <a:r>
+              <a:rPr kumimoji="1" lang="en-US" altLang="ja-JP" sz="2400" dirty="0" smtClean="0"/>
+              <a:t>)</a:t>
+            </a:r>
+            <a:endParaRPr kumimoji="1" lang="ja-JP" altLang="en-US" sz="2400" dirty="0"/>
+          </a:p>
+        </p:txBody>
+      </p:sp>
+    </p:spTree>
+    <p:extLst>
+      <p:ext uri="{BB962C8B-B14F-4D97-AF65-F5344CB8AC3E}">
+        <p14:creationId xmlns:p14="http://schemas.microsoft.com/office/powerpoint/2010/main" val="3350128776"/>
+      </p:ext>
+    </p:extLst>
+  </p:cSld>
+  <p:clrMapOvr>
+    <a:masterClrMapping/>
+  </p:clrMapOvr>
+  <p:timing>
+    <p:tnLst>
+      <p:par>
+        <p:cTn id="1" dur="indefinite" restart="never" nodeType="tmRoot"/>
+      </p:par>
+    </p:tnLst>
+  </p:timing>
 </p:sld>
 </file>
 
 <file path=ppt/theme/theme1.xml><?xml version="1.0" encoding="utf-8"?>
-<a:theme xmlns:a="http://schemas.openxmlformats.org/drawingml/2006/main" name="Office テーマ">
+<a:theme xmlns:a="http://schemas.openxmlformats.org/drawingml/2006/main" name="Damask">
   <a:themeElements>
-    <a:clrScheme name="Office">
+    <a:clrScheme name="Damask">
       <a:dk1>
         <a:sysClr val="windowText" lastClr="000000"/>
       </a:dk1>
@@ -3844,44 +6806,44 @@
         <a:sysClr val="window" lastClr="FFFFFF"/>
       </a:lt1>
       <a:dk2>
-        <a:srgbClr val="44546A"/>
+        <a:srgbClr val="2A5B7F"/>
       </a:dk2>
       <a:lt2>
-        <a:srgbClr val="E7E6E6"/>
+        <a:srgbClr val="ABDAFC"/>
       </a:lt2>
       <a:accent1>
-        <a:srgbClr val="5B9BD5"/>
+        <a:srgbClr val="9EC544"/>
       </a:accent1>
       <a:accent2>
-        <a:srgbClr val="ED7D31"/>
+        <a:srgbClr val="50BEA3"/>
       </a:accent2>
       <a:accent3>
-        <a:srgbClr val="A5A5A5"/>
+        <a:srgbClr val="4A9CCC"/>
       </a:accent3>
       <a:accent4>
-        <a:srgbClr val="FFC000"/>
+        <a:srgbClr val="9A66CA"/>
       </a:accent4>
       <a:accent5>
-        <a:srgbClr val="4472C4"/>
+        <a:srgbClr val="C54F71"/>
       </a:accent5>
       <a:accent6>
-        <a:srgbClr val="70AD47"/>
+        <a:srgbClr val="DE9C3C"/>
       </a:accent6>
       <a:hlink>
-        <a:srgbClr val="0563C1"/>
+        <a:srgbClr val="6BA9DA"/>
       </a:hlink>
       <a:folHlink>
-        <a:srgbClr val="954F72"/>
+        <a:srgbClr val="A0BCD3"/>
       </a:folHlink>
     </a:clrScheme>
-    <a:fontScheme name="Office">
+    <a:fontScheme name="Damask">
       <a:majorFont>
-        <a:latin typeface="游ゴシック Light" panose="020F0302020204030204"/>
+        <a:latin typeface="Bookman Old Style" panose="02050604050505020204"/>
         <a:ea typeface=""/>
         <a:cs typeface=""/>
-        <a:font script="Jpan" typeface="游ゴシック Light"/>
+        <a:font script="Jpan" typeface="ＭＳ Ｐゴシック"/>
         <a:font script="Hang" typeface="맑은 고딕"/>
-        <a:font script="Hans" typeface="等线 Light"/>
+        <a:font script="Hans" typeface="宋体"/>
         <a:font script="Hant" typeface="新細明體"/>
         <a:font script="Arab" typeface="Times New Roman"/>
         <a:font script="Hebr" typeface="Times New Roman"/>
@@ -3911,12 +6873,12 @@
         <a:font script="Geor" typeface="Sylfaen"/>
       </a:majorFont>
       <a:minorFont>
-        <a:latin typeface="游ゴシック" panose="020F0502020204030204"/>
+        <a:latin typeface="Rockwell" panose="02060603020205020403"/>
         <a:ea typeface=""/>
         <a:cs typeface=""/>
-        <a:font script="Jpan" typeface="游ゴシック"/>
+        <a:font script="Jpan" typeface="ＭＳ Ｐゴシック"/>
         <a:font script="Hang" typeface="맑은 고딕"/>
-        <a:font script="Hans" typeface="等线"/>
+        <a:font script="Hans" typeface="宋体"/>
         <a:font script="Hant" typeface="新細明體"/>
         <a:font script="Arab" typeface="Arial"/>
         <a:font script="Hebr" typeface="Arial"/>
@@ -3946,7 +6908,7 @@
         <a:font script="Geor" typeface="Sylfaen"/>
       </a:minorFont>
     </a:fontScheme>
-    <a:fmtScheme name="Office">
+    <a:fmtScheme name="Damask">
       <a:fillStyleLst>
         <a:solidFill>
           <a:schemeClr val="phClr"/>
@@ -3955,23 +6917,16 @@
           <a:gsLst>
             <a:gs pos="0">
               <a:schemeClr val="phClr">
+                <a:tint val="48000"/>
+                <a:satMod val="105000"/>
                 <a:lumMod val="110000"/>
-                <a:satMod val="105000"/>
-                <a:tint val="67000"/>
-              </a:schemeClr>
-            </a:gs>
-            <a:gs pos="50000">
-              <a:schemeClr val="phClr">
-                <a:lumMod val="105000"/>
-                <a:satMod val="103000"/>
-                <a:tint val="73000"/>
               </a:schemeClr>
             </a:gs>
             <a:gs pos="100000">
               <a:schemeClr val="phClr">
-                <a:lumMod val="105000"/>
+                <a:tint val="78000"/>
                 <a:satMod val="109000"/>
-                <a:tint val="81000"/>
+                <a:lumMod val="100000"/>
               </a:schemeClr>
             </a:gs>
           </a:gsLst>
@@ -3981,23 +6936,23 @@
           <a:gsLst>
             <a:gs pos="0">
               <a:schemeClr val="phClr">
-                <a:satMod val="103000"/>
-                <a:lumMod val="102000"/>
                 <a:tint val="94000"/>
+                <a:satMod val="100000"/>
+                <a:lumMod val="104000"/>
               </a:schemeClr>
             </a:gs>
-            <a:gs pos="50000">
+            <a:gs pos="69000">
               <a:schemeClr val="phClr">
-                <a:satMod val="110000"/>
-                <a:lumMod val="100000"/>
-                <a:shade val="100000"/>
+                <a:shade val="86000"/>
+                <a:satMod val="130000"/>
+                <a:lumMod val="102000"/>
               </a:schemeClr>
             </a:gs>
             <a:gs pos="100000">
               <a:schemeClr val="phClr">
-                <a:lumMod val="99000"/>
-                <a:satMod val="120000"/>
-                <a:shade val="78000"/>
+                <a:shade val="72000"/>
+                <a:satMod val="130000"/>
+                <a:lumMod val="100000"/>
               </a:schemeClr>
             </a:gs>
           </a:gsLst>
@@ -4005,26 +6960,23 @@
         </a:gradFill>
       </a:fillStyleLst>
       <a:lnStyleLst>
-        <a:ln w="6350" cap="flat" cmpd="sng" algn="ctr">
-          <a:solidFill>
-            <a:schemeClr val="phClr"/>
-          </a:solidFill>
-          <a:prstDash val="solid"/>
-          <a:miter lim="800000"/>
-        </a:ln>
         <a:ln w="12700" cap="flat" cmpd="sng" algn="ctr">
           <a:solidFill>
             <a:schemeClr val="phClr"/>
           </a:solidFill>
           <a:prstDash val="solid"/>
-          <a:miter lim="800000"/>
         </a:ln>
         <a:ln w="19050" cap="flat" cmpd="sng" algn="ctr">
           <a:solidFill>
             <a:schemeClr val="phClr"/>
           </a:solidFill>
           <a:prstDash val="solid"/>
-          <a:miter lim="800000"/>
+        </a:ln>
+        <a:ln w="25400" cap="flat" cmpd="sng" algn="ctr">
+          <a:solidFill>
+            <a:schemeClr val="phClr"/>
+          </a:solidFill>
+          <a:prstDash val="solid"/>
         </a:ln>
       </a:lnStyleLst>
       <a:effectStyleLst>
@@ -4032,16 +6984,31 @@
           <a:effectLst/>
         </a:effectStyle>
         <a:effectStyle>
-          <a:effectLst/>
+          <a:effectLst>
+            <a:outerShdw blurRad="50800" dist="38100" dir="5400000" sy="96000" rotWithShape="0">
+              <a:srgbClr val="000000">
+                <a:alpha val="54000"/>
+              </a:srgbClr>
+            </a:outerShdw>
+          </a:effectLst>
         </a:effectStyle>
         <a:effectStyle>
           <a:effectLst>
-            <a:outerShdw blurRad="57150" dist="19050" dir="5400000" algn="ctr" rotWithShape="0">
+            <a:outerShdw blurRad="76200" dist="38100" dir="5400000" algn="ctr" rotWithShape="0">
               <a:srgbClr val="000000">
-                <a:alpha val="63000"/>
+                <a:alpha val="76000"/>
               </a:srgbClr>
             </a:outerShdw>
           </a:effectLst>
+          <a:scene3d>
+            <a:camera prst="orthographicFront">
+              <a:rot lat="0" lon="0" rev="0"/>
+            </a:camera>
+            <a:lightRig rig="balanced" dir="t"/>
+          </a:scene3d>
+          <a:sp3d prstMaterial="matte">
+            <a:bevelT w="25400" h="25400" prst="relaxedInset"/>
+          </a:sp3d>
         </a:effectStyle>
       </a:effectStyleLst>
       <a:bgFillStyleLst>
@@ -4054,33 +7021,23 @@
             <a:satMod val="170000"/>
           </a:schemeClr>
         </a:solidFill>
-        <a:gradFill rotWithShape="1">
-          <a:gsLst>
-            <a:gs pos="0">
+        <a:blipFill rotWithShape="1">
+          <a:blip xmlns:r="http://schemas.openxmlformats.org/officeDocument/2006/relationships" r:embed="rId1">
+            <a:duotone>
               <a:schemeClr val="phClr">
-                <a:tint val="93000"/>
-                <a:satMod val="150000"/>
-                <a:shade val="98000"/>
-                <a:lumMod val="102000"/>
+                <a:shade val="18000"/>
+                <a:satMod val="160000"/>
+                <a:lumMod val="28000"/>
               </a:schemeClr>
-            </a:gs>
-            <a:gs pos="50000">
               <a:schemeClr val="phClr">
-                <a:tint val="98000"/>
-                <a:satMod val="130000"/>
-                <a:shade val="90000"/>
-                <a:lumMod val="103000"/>
+                <a:tint val="95000"/>
+                <a:satMod val="160000"/>
+                <a:lumMod val="116000"/>
               </a:schemeClr>
-            </a:gs>
-            <a:gs pos="100000">
-              <a:schemeClr val="phClr">
-                <a:shade val="63000"/>
-                <a:satMod val="120000"/>
-              </a:schemeClr>
-            </a:gs>
-          </a:gsLst>
-          <a:lin ang="5400000" scaled="0"/>
-        </a:gradFill>
+            </a:duotone>
+          </a:blip>
+          <a:stretch/>
+        </a:blipFill>
       </a:bgFillStyleLst>
     </a:fmtScheme>
   </a:themeElements>
@@ -4088,7 +7045,7 @@
   <a:extraClrSchemeLst/>
   <a:extLst>
     <a:ext uri="{05A4C25C-085E-4340-85A3-A5531E510DB2}">
-      <thm15:themeFamily xmlns:thm15="http://schemas.microsoft.com/office/thememl/2012/main" name="Office Theme" id="{62F939B6-93AF-4DB8-9C6B-D6C7DFDC589F}" vid="{4A3C46E8-61CC-4603-A589-7422A47A8E4A}"/>
+      <thm15:themeFamily xmlns:thm15="http://schemas.microsoft.com/office/thememl/2012/main" name="Damask" id="{F9A299A0-33D0-4E0F-9F3F-7163E3744208}" vid="{746EEEEA-FB6A-406B-B510-531588D54811}"/>
     </a:ext>
   </a:extLst>
 </a:theme>

--- a/GFF提出作品プレゼン.pptx
+++ b/GFF提出作品プレゼン.pptx
@@ -8,7 +8,9 @@
     <p:sldId id="256" r:id="rId2"/>
     <p:sldId id="257" r:id="rId3"/>
     <p:sldId id="258" r:id="rId4"/>
-    <p:sldId id="259" r:id="rId5"/>
+    <p:sldId id="260" r:id="rId5"/>
+    <p:sldId id="261" r:id="rId6"/>
+    <p:sldId id="259" r:id="rId7"/>
   </p:sldIdLst>
   <p:sldSz cx="12192000" cy="6858000"/>
   <p:notesSz cx="6858000" cy="9144000"/>
@@ -248,7 +250,7 @@
           <a:p>
             <a:fld id="{35AA80D5-8410-4C48-99E3-6682EC04A757}" type="datetimeFigureOut">
               <a:rPr kumimoji="1" lang="ja-JP" altLang="en-US" smtClean="0"/>
-              <a:t>2019/11/19</a:t>
+              <a:t>2019/11/22</a:t>
             </a:fld>
             <a:endParaRPr kumimoji="1" lang="ja-JP" altLang="en-US"/>
           </a:p>
@@ -535,7 +537,7 @@
           <a:p>
             <a:fld id="{35AA80D5-8410-4C48-99E3-6682EC04A757}" type="datetimeFigureOut">
               <a:rPr kumimoji="1" lang="ja-JP" altLang="en-US" smtClean="0"/>
-              <a:t>2019/11/19</a:t>
+              <a:t>2019/11/22</a:t>
             </a:fld>
             <a:endParaRPr kumimoji="1" lang="ja-JP" altLang="en-US"/>
           </a:p>
@@ -727,7 +729,7 @@
           <a:p>
             <a:fld id="{35AA80D5-8410-4C48-99E3-6682EC04A757}" type="datetimeFigureOut">
               <a:rPr kumimoji="1" lang="ja-JP" altLang="en-US" smtClean="0"/>
-              <a:t>2019/11/19</a:t>
+              <a:t>2019/11/22</a:t>
             </a:fld>
             <a:endParaRPr kumimoji="1" lang="ja-JP" altLang="en-US"/>
           </a:p>
@@ -988,7 +990,7 @@
           <a:p>
             <a:fld id="{35AA80D5-8410-4C48-99E3-6682EC04A757}" type="datetimeFigureOut">
               <a:rPr kumimoji="1" lang="ja-JP" altLang="en-US" smtClean="0"/>
-              <a:t>2019/11/19</a:t>
+              <a:t>2019/11/22</a:t>
             </a:fld>
             <a:endParaRPr kumimoji="1" lang="ja-JP" altLang="en-US"/>
           </a:p>
@@ -1412,7 +1414,7 @@
           <a:p>
             <a:fld id="{35AA80D5-8410-4C48-99E3-6682EC04A757}" type="datetimeFigureOut">
               <a:rPr kumimoji="1" lang="ja-JP" altLang="en-US" smtClean="0"/>
-              <a:t>2019/11/19</a:t>
+              <a:t>2019/11/22</a:t>
             </a:fld>
             <a:endParaRPr kumimoji="1" lang="ja-JP" altLang="en-US"/>
           </a:p>
@@ -1958,7 +1960,7 @@
           <a:p>
             <a:fld id="{35AA80D5-8410-4C48-99E3-6682EC04A757}" type="datetimeFigureOut">
               <a:rPr kumimoji="1" lang="ja-JP" altLang="en-US" smtClean="0"/>
-              <a:t>2019/11/19</a:t>
+              <a:t>2019/11/22</a:t>
             </a:fld>
             <a:endParaRPr kumimoji="1" lang="ja-JP" altLang="en-US"/>
           </a:p>
@@ -2798,7 +2800,7 @@
           <a:p>
             <a:fld id="{35AA80D5-8410-4C48-99E3-6682EC04A757}" type="datetimeFigureOut">
               <a:rPr kumimoji="1" lang="ja-JP" altLang="en-US" smtClean="0"/>
-              <a:t>2019/11/19</a:t>
+              <a:t>2019/11/22</a:t>
             </a:fld>
             <a:endParaRPr kumimoji="1" lang="ja-JP" altLang="en-US"/>
           </a:p>
@@ -3000,7 +3002,7 @@
           <a:p>
             <a:fld id="{35AA80D5-8410-4C48-99E3-6682EC04A757}" type="datetimeFigureOut">
               <a:rPr kumimoji="1" lang="ja-JP" altLang="en-US" smtClean="0"/>
-              <a:t>2019/11/19</a:t>
+              <a:t>2019/11/22</a:t>
             </a:fld>
             <a:endParaRPr kumimoji="1" lang="ja-JP" altLang="en-US"/>
           </a:p>
@@ -3216,7 +3218,7 @@
           <a:p>
             <a:fld id="{35AA80D5-8410-4C48-99E3-6682EC04A757}" type="datetimeFigureOut">
               <a:rPr kumimoji="1" lang="ja-JP" altLang="en-US" smtClean="0"/>
-              <a:t>2019/11/19</a:t>
+              <a:t>2019/11/22</a:t>
             </a:fld>
             <a:endParaRPr kumimoji="1" lang="ja-JP" altLang="en-US"/>
           </a:p>
@@ -3418,7 +3420,7 @@
           <a:p>
             <a:fld id="{35AA80D5-8410-4C48-99E3-6682EC04A757}" type="datetimeFigureOut">
               <a:rPr kumimoji="1" lang="ja-JP" altLang="en-US" smtClean="0"/>
-              <a:t>2019/11/19</a:t>
+              <a:t>2019/11/22</a:t>
             </a:fld>
             <a:endParaRPr kumimoji="1" lang="ja-JP" altLang="en-US"/>
           </a:p>
@@ -3666,7 +3668,7 @@
           <a:p>
             <a:fld id="{35AA80D5-8410-4C48-99E3-6682EC04A757}" type="datetimeFigureOut">
               <a:rPr kumimoji="1" lang="ja-JP" altLang="en-US" smtClean="0"/>
-              <a:t>2019/11/19</a:t>
+              <a:t>2019/11/22</a:t>
             </a:fld>
             <a:endParaRPr kumimoji="1" lang="ja-JP" altLang="en-US"/>
           </a:p>
@@ -3967,7 +3969,7 @@
           <a:p>
             <a:fld id="{35AA80D5-8410-4C48-99E3-6682EC04A757}" type="datetimeFigureOut">
               <a:rPr kumimoji="1" lang="ja-JP" altLang="en-US" smtClean="0"/>
-              <a:t>2019/11/19</a:t>
+              <a:t>2019/11/22</a:t>
             </a:fld>
             <a:endParaRPr kumimoji="1" lang="ja-JP" altLang="en-US"/>
           </a:p>
@@ -4404,7 +4406,7 @@
           <a:p>
             <a:fld id="{35AA80D5-8410-4C48-99E3-6682EC04A757}" type="datetimeFigureOut">
               <a:rPr kumimoji="1" lang="ja-JP" altLang="en-US" smtClean="0"/>
-              <a:t>2019/11/19</a:t>
+              <a:t>2019/11/22</a:t>
             </a:fld>
             <a:endParaRPr kumimoji="1" lang="ja-JP" altLang="en-US"/>
           </a:p>
@@ -4522,7 +4524,7 @@
           <a:p>
             <a:fld id="{35AA80D5-8410-4C48-99E3-6682EC04A757}" type="datetimeFigureOut">
               <a:rPr kumimoji="1" lang="ja-JP" altLang="en-US" smtClean="0"/>
-              <a:t>2019/11/19</a:t>
+              <a:t>2019/11/22</a:t>
             </a:fld>
             <a:endParaRPr kumimoji="1" lang="ja-JP" altLang="en-US"/>
           </a:p>
@@ -4617,7 +4619,7 @@
           <a:p>
             <a:fld id="{35AA80D5-8410-4C48-99E3-6682EC04A757}" type="datetimeFigureOut">
               <a:rPr kumimoji="1" lang="ja-JP" altLang="en-US" smtClean="0"/>
-              <a:t>2019/11/19</a:t>
+              <a:t>2019/11/22</a:t>
             </a:fld>
             <a:endParaRPr kumimoji="1" lang="ja-JP" altLang="en-US"/>
           </a:p>
@@ -4900,7 +4902,7 @@
           <a:p>
             <a:fld id="{35AA80D5-8410-4C48-99E3-6682EC04A757}" type="datetimeFigureOut">
               <a:rPr kumimoji="1" lang="ja-JP" altLang="en-US" smtClean="0"/>
-              <a:t>2019/11/19</a:t>
+              <a:t>2019/11/22</a:t>
             </a:fld>
             <a:endParaRPr kumimoji="1" lang="ja-JP" altLang="en-US"/>
           </a:p>
@@ -5187,7 +5189,7 @@
           <a:p>
             <a:fld id="{35AA80D5-8410-4C48-99E3-6682EC04A757}" type="datetimeFigureOut">
               <a:rPr kumimoji="1" lang="ja-JP" altLang="en-US" smtClean="0"/>
-              <a:t>2019/11/19</a:t>
+              <a:t>2019/11/22</a:t>
             </a:fld>
             <a:endParaRPr kumimoji="1" lang="ja-JP" altLang="en-US"/>
           </a:p>
@@ -5432,7 +5434,7 @@
           <a:p>
             <a:fld id="{35AA80D5-8410-4C48-99E3-6682EC04A757}" type="datetimeFigureOut">
               <a:rPr kumimoji="1" lang="ja-JP" altLang="en-US" smtClean="0"/>
-              <a:t>2019/11/19</a:t>
+              <a:t>2019/11/22</a:t>
             </a:fld>
             <a:endParaRPr kumimoji="1" lang="ja-JP" altLang="en-US"/>
           </a:p>
@@ -5921,7 +5923,7 @@
         </p:nvSpPr>
         <p:spPr>
           <a:xfrm>
-            <a:off x="3731845" y="1816099"/>
+            <a:off x="3436009" y="1842993"/>
             <a:ext cx="5424855" cy="1323439"/>
           </a:xfrm>
           <a:prstGeom prst="rect">
@@ -6002,8 +6004,8 @@
         </p:nvSpPr>
         <p:spPr>
           <a:xfrm>
-            <a:off x="5156200" y="4877777"/>
-            <a:ext cx="7035800" cy="1384995"/>
+            <a:off x="3913094" y="4877777"/>
+            <a:ext cx="8278906" cy="1569660"/>
           </a:xfrm>
           <a:prstGeom prst="rect">
             <a:avLst/>
@@ -6017,39 +6019,39 @@
           <a:lstStyle/>
           <a:p>
             <a:r>
-              <a:rPr kumimoji="1" lang="ja-JP" altLang="en-US" sz="2800" dirty="0" smtClean="0">
+              <a:rPr kumimoji="1" lang="ja-JP" altLang="en-US" sz="3200" dirty="0" smtClean="0">
                 <a:latin typeface="HG正楷書体-PRO" panose="03000600000000000000" pitchFamily="66" charset="-128"/>
                 <a:ea typeface="HG正楷書体-PRO" panose="03000600000000000000" pitchFamily="66" charset="-128"/>
               </a:rPr>
               <a:t>製作者</a:t>
             </a:r>
-            <a:endParaRPr kumimoji="1" lang="en-US" altLang="ja-JP" sz="2800" dirty="0" smtClean="0">
+            <a:endParaRPr kumimoji="1" lang="en-US" altLang="ja-JP" sz="3200" dirty="0" smtClean="0">
               <a:latin typeface="HG正楷書体-PRO" panose="03000600000000000000" pitchFamily="66" charset="-128"/>
               <a:ea typeface="HG正楷書体-PRO" panose="03000600000000000000" pitchFamily="66" charset="-128"/>
             </a:endParaRPr>
           </a:p>
           <a:p>
             <a:r>
-              <a:rPr kumimoji="1" lang="ja-JP" altLang="en-US" sz="2800" dirty="0" smtClean="0">
+              <a:rPr kumimoji="1" lang="ja-JP" altLang="en-US" sz="3200" dirty="0" smtClean="0">
                 <a:latin typeface="HG正楷書体-PRO" panose="03000600000000000000" pitchFamily="66" charset="-128"/>
                 <a:ea typeface="HG正楷書体-PRO" panose="03000600000000000000" pitchFamily="66" charset="-128"/>
               </a:rPr>
               <a:t>ゲームクリエータ専攻科３年　馬場　修平</a:t>
             </a:r>
-            <a:endParaRPr kumimoji="1" lang="en-US" altLang="ja-JP" sz="2800" dirty="0" smtClean="0">
+            <a:endParaRPr kumimoji="1" lang="en-US" altLang="ja-JP" sz="3200" dirty="0" smtClean="0">
               <a:latin typeface="HG正楷書体-PRO" panose="03000600000000000000" pitchFamily="66" charset="-128"/>
               <a:ea typeface="HG正楷書体-PRO" panose="03000600000000000000" pitchFamily="66" charset="-128"/>
             </a:endParaRPr>
           </a:p>
           <a:p>
             <a:r>
-              <a:rPr lang="ja-JP" altLang="en-US" sz="2800" dirty="0" smtClean="0">
+              <a:rPr lang="ja-JP" altLang="en-US" sz="3200" dirty="0" smtClean="0">
                 <a:latin typeface="HG正楷書体-PRO" panose="03000600000000000000" pitchFamily="66" charset="-128"/>
                 <a:ea typeface="HG正楷書体-PRO" panose="03000600000000000000" pitchFamily="66" charset="-128"/>
               </a:rPr>
               <a:t>ゲームクリエータ専攻科３年　吉住　達</a:t>
             </a:r>
-            <a:endParaRPr kumimoji="1" lang="en-US" altLang="ja-JP" sz="2800" dirty="0" smtClean="0">
+            <a:endParaRPr kumimoji="1" lang="en-US" altLang="ja-JP" sz="3200" dirty="0" smtClean="0">
               <a:latin typeface="HG正楷書体-PRO" panose="03000600000000000000" pitchFamily="66" charset="-128"/>
               <a:ea typeface="HG正楷書体-PRO" panose="03000600000000000000" pitchFamily="66" charset="-128"/>
             </a:endParaRPr>
@@ -6101,8 +6103,8 @@
         </p:nvSpPr>
         <p:spPr>
           <a:xfrm>
-            <a:off x="272562" y="228600"/>
-            <a:ext cx="2769576" cy="523220"/>
+            <a:off x="299456" y="235317"/>
+            <a:ext cx="2769576" cy="584775"/>
           </a:xfrm>
           <a:prstGeom prst="rect">
             <a:avLst/>
@@ -6116,13 +6118,13 @@
           <a:lstStyle/>
           <a:p>
             <a:r>
-              <a:rPr kumimoji="1" lang="ja-JP" altLang="en-US" sz="2800" dirty="0" smtClean="0">
+              <a:rPr kumimoji="1" lang="ja-JP" altLang="en-US" sz="3200" dirty="0" smtClean="0">
                 <a:latin typeface="HG創英ﾌﾟﾚｾﾞﾝｽEB" panose="02020809000000000000" pitchFamily="17" charset="-128"/>
                 <a:ea typeface="HG創英ﾌﾟﾚｾﾞﾝｽEB" panose="02020809000000000000" pitchFamily="17" charset="-128"/>
               </a:rPr>
               <a:t>👹ゲーム概要</a:t>
             </a:r>
-            <a:endParaRPr kumimoji="1" lang="ja-JP" altLang="en-US" sz="2800" dirty="0">
+            <a:endParaRPr kumimoji="1" lang="ja-JP" altLang="en-US" sz="3200" dirty="0">
               <a:latin typeface="HG創英ﾌﾟﾚｾﾞﾝｽEB" panose="02020809000000000000" pitchFamily="17" charset="-128"/>
               <a:ea typeface="HG創英ﾌﾟﾚｾﾞﾝｽEB" panose="02020809000000000000" pitchFamily="17" charset="-128"/>
             </a:endParaRPr>
@@ -6207,7 +6209,7 @@
         <p:spPr>
           <a:xfrm>
             <a:off x="404445" y="3851030"/>
-            <a:ext cx="6928339" cy="1200329"/>
+            <a:ext cx="6928339" cy="2246769"/>
           </a:xfrm>
           <a:prstGeom prst="rect">
             <a:avLst/>
@@ -6221,95 +6223,115 @@
           <a:lstStyle/>
           <a:p>
             <a:r>
-              <a:rPr kumimoji="1" lang="ja-JP" altLang="en-US" sz="2400" dirty="0" smtClean="0">
+              <a:rPr kumimoji="1" lang="ja-JP" altLang="en-US" sz="2800" dirty="0" smtClean="0">
                 <a:latin typeface="HG創英ﾌﾟﾚｾﾞﾝｽEB" panose="02020809000000000000" pitchFamily="17" charset="-128"/>
                 <a:ea typeface="HG創英ﾌﾟﾚｾﾞﾝｽEB" panose="02020809000000000000" pitchFamily="17" charset="-128"/>
               </a:rPr>
-              <a:t>プレイ人数：２～４人</a:t>
-            </a:r>
-            <a:endParaRPr kumimoji="1" lang="en-US" altLang="ja-JP" sz="2400" dirty="0" smtClean="0">
+              <a:t>ジャンル：ステルス鬼ごっこ</a:t>
+            </a:r>
+            <a:endParaRPr kumimoji="1" lang="en-US" altLang="ja-JP" sz="2800" dirty="0" smtClean="0">
               <a:latin typeface="HG創英ﾌﾟﾚｾﾞﾝｽEB" panose="02020809000000000000" pitchFamily="17" charset="-128"/>
               <a:ea typeface="HG創英ﾌﾟﾚｾﾞﾝｽEB" panose="02020809000000000000" pitchFamily="17" charset="-128"/>
             </a:endParaRPr>
           </a:p>
           <a:p>
             <a:r>
-              <a:rPr lang="ja-JP" altLang="en-US" sz="2400" dirty="0" smtClean="0">
+              <a:rPr kumimoji="1" lang="ja-JP" altLang="en-US" sz="2800" dirty="0" smtClean="0">
+                <a:latin typeface="HG創英ﾌﾟﾚｾﾞﾝｽEB" panose="02020809000000000000" pitchFamily="17" charset="-128"/>
+                <a:ea typeface="HG創英ﾌﾟﾚｾﾞﾝｽEB" panose="02020809000000000000" pitchFamily="17" charset="-128"/>
+              </a:rPr>
+              <a:t>プレイ</a:t>
+            </a:r>
+            <a:r>
+              <a:rPr kumimoji="1" lang="ja-JP" altLang="en-US" sz="2800" dirty="0" smtClean="0">
+                <a:latin typeface="HG創英ﾌﾟﾚｾﾞﾝｽEB" panose="02020809000000000000" pitchFamily="17" charset="-128"/>
+                <a:ea typeface="HG創英ﾌﾟﾚｾﾞﾝｽEB" panose="02020809000000000000" pitchFamily="17" charset="-128"/>
+              </a:rPr>
+              <a:t>人数：２～４人</a:t>
+            </a:r>
+            <a:endParaRPr kumimoji="1" lang="en-US" altLang="ja-JP" sz="2800" dirty="0" smtClean="0">
+              <a:latin typeface="HG創英ﾌﾟﾚｾﾞﾝｽEB" panose="02020809000000000000" pitchFamily="17" charset="-128"/>
+              <a:ea typeface="HG創英ﾌﾟﾚｾﾞﾝｽEB" panose="02020809000000000000" pitchFamily="17" charset="-128"/>
+            </a:endParaRPr>
+          </a:p>
+          <a:p>
+            <a:r>
+              <a:rPr lang="ja-JP" altLang="en-US" sz="2800" dirty="0" smtClean="0">
                 <a:latin typeface="HG創英ﾌﾟﾚｾﾞﾝｽEB" panose="02020809000000000000" pitchFamily="17" charset="-128"/>
                 <a:ea typeface="HG創英ﾌﾟﾚｾﾞﾝｽEB" panose="02020809000000000000" pitchFamily="17" charset="-128"/>
               </a:rPr>
               <a:t>ゲームモード：１</a:t>
             </a:r>
             <a:r>
-              <a:rPr lang="en-US" altLang="ja-JP" sz="2400" dirty="0" smtClean="0">
+              <a:rPr lang="en-US" altLang="ja-JP" sz="2800" dirty="0" smtClean="0">
                 <a:latin typeface="HG創英ﾌﾟﾚｾﾞﾝｽEB" panose="02020809000000000000" pitchFamily="17" charset="-128"/>
                 <a:ea typeface="HG創英ﾌﾟﾚｾﾞﾝｽEB" panose="02020809000000000000" pitchFamily="17" charset="-128"/>
               </a:rPr>
               <a:t>vs</a:t>
             </a:r>
             <a:r>
-              <a:rPr lang="ja-JP" altLang="en-US" sz="2400" dirty="0" smtClean="0">
+              <a:rPr lang="ja-JP" altLang="en-US" sz="2800" dirty="0" smtClean="0">
                 <a:latin typeface="HG創英ﾌﾟﾚｾﾞﾝｽEB" panose="02020809000000000000" pitchFamily="17" charset="-128"/>
                 <a:ea typeface="HG創英ﾌﾟﾚｾﾞﾝｽEB" panose="02020809000000000000" pitchFamily="17" charset="-128"/>
               </a:rPr>
               <a:t>１、１</a:t>
             </a:r>
             <a:r>
-              <a:rPr lang="en-US" altLang="ja-JP" sz="2400" dirty="0" smtClean="0">
+              <a:rPr lang="en-US" altLang="ja-JP" sz="2800" dirty="0" smtClean="0">
                 <a:latin typeface="HG創英ﾌﾟﾚｾﾞﾝｽEB" panose="02020809000000000000" pitchFamily="17" charset="-128"/>
                 <a:ea typeface="HG創英ﾌﾟﾚｾﾞﾝｽEB" panose="02020809000000000000" pitchFamily="17" charset="-128"/>
               </a:rPr>
               <a:t>vs</a:t>
             </a:r>
             <a:r>
-              <a:rPr lang="ja-JP" altLang="en-US" sz="2400" dirty="0" smtClean="0">
+              <a:rPr lang="ja-JP" altLang="en-US" sz="2800" dirty="0" smtClean="0">
                 <a:latin typeface="HG創英ﾌﾟﾚｾﾞﾝｽEB" panose="02020809000000000000" pitchFamily="17" charset="-128"/>
                 <a:ea typeface="HG創英ﾌﾟﾚｾﾞﾝｽEB" panose="02020809000000000000" pitchFamily="17" charset="-128"/>
               </a:rPr>
               <a:t>２、１</a:t>
             </a:r>
             <a:r>
-              <a:rPr lang="en-US" altLang="ja-JP" sz="2400" dirty="0" smtClean="0">
+              <a:rPr lang="en-US" altLang="ja-JP" sz="2800" dirty="0" smtClean="0">
                 <a:latin typeface="HG創英ﾌﾟﾚｾﾞﾝｽEB" panose="02020809000000000000" pitchFamily="17" charset="-128"/>
                 <a:ea typeface="HG創英ﾌﾟﾚｾﾞﾝｽEB" panose="02020809000000000000" pitchFamily="17" charset="-128"/>
               </a:rPr>
               <a:t>vs</a:t>
             </a:r>
             <a:r>
-              <a:rPr lang="ja-JP" altLang="en-US" sz="2400" dirty="0" smtClean="0">
+              <a:rPr lang="ja-JP" altLang="en-US" sz="2800" dirty="0" smtClean="0">
                 <a:latin typeface="HG創英ﾌﾟﾚｾﾞﾝｽEB" panose="02020809000000000000" pitchFamily="17" charset="-128"/>
                 <a:ea typeface="HG創英ﾌﾟﾚｾﾞﾝｽEB" panose="02020809000000000000" pitchFamily="17" charset="-128"/>
               </a:rPr>
               <a:t>３、２</a:t>
             </a:r>
             <a:r>
-              <a:rPr lang="en-US" altLang="ja-JP" sz="2400" dirty="0" smtClean="0">
+              <a:rPr lang="en-US" altLang="ja-JP" sz="2800" dirty="0" smtClean="0">
                 <a:latin typeface="HG創英ﾌﾟﾚｾﾞﾝｽEB" panose="02020809000000000000" pitchFamily="17" charset="-128"/>
                 <a:ea typeface="HG創英ﾌﾟﾚｾﾞﾝｽEB" panose="02020809000000000000" pitchFamily="17" charset="-128"/>
               </a:rPr>
               <a:t>vs</a:t>
             </a:r>
             <a:r>
-              <a:rPr lang="ja-JP" altLang="en-US" sz="2400" dirty="0" smtClean="0">
+              <a:rPr lang="ja-JP" altLang="en-US" sz="2800" dirty="0" smtClean="0">
                 <a:latin typeface="HG創英ﾌﾟﾚｾﾞﾝｽEB" panose="02020809000000000000" pitchFamily="17" charset="-128"/>
                 <a:ea typeface="HG創英ﾌﾟﾚｾﾞﾝｽEB" panose="02020809000000000000" pitchFamily="17" charset="-128"/>
               </a:rPr>
               <a:t>２</a:t>
             </a:r>
-            <a:endParaRPr lang="en-US" altLang="ja-JP" sz="2400" dirty="0" smtClean="0">
+            <a:endParaRPr lang="en-US" altLang="ja-JP" sz="2800" dirty="0" smtClean="0">
               <a:latin typeface="HG創英ﾌﾟﾚｾﾞﾝｽEB" panose="02020809000000000000" pitchFamily="17" charset="-128"/>
               <a:ea typeface="HG創英ﾌﾟﾚｾﾞﾝｽEB" panose="02020809000000000000" pitchFamily="17" charset="-128"/>
             </a:endParaRPr>
           </a:p>
           <a:p>
             <a:r>
-              <a:rPr kumimoji="1" lang="ja-JP" altLang="en-US" sz="2400" dirty="0" smtClean="0">
+              <a:rPr kumimoji="1" lang="ja-JP" altLang="en-US" sz="2800" dirty="0" smtClean="0">
                 <a:latin typeface="HG創英ﾌﾟﾚｾﾞﾝｽEB" panose="02020809000000000000" pitchFamily="17" charset="-128"/>
                 <a:ea typeface="HG創英ﾌﾟﾚｾﾞﾝｽEB" panose="02020809000000000000" pitchFamily="17" charset="-128"/>
               </a:rPr>
               <a:t>制限時間：５分</a:t>
             </a:r>
-            <a:endParaRPr kumimoji="1" lang="ja-JP" altLang="en-US" sz="2400" dirty="0">
+            <a:endParaRPr kumimoji="1" lang="ja-JP" altLang="en-US" sz="2800" dirty="0">
               <a:latin typeface="HG創英ﾌﾟﾚｾﾞﾝｽEB" panose="02020809000000000000" pitchFamily="17" charset="-128"/>
               <a:ea typeface="HG創英ﾌﾟﾚｾﾞﾝｽEB" panose="02020809000000000000" pitchFamily="17" charset="-128"/>
             </a:endParaRPr>
@@ -6398,7 +6420,7 @@
         <p:spPr>
           <a:xfrm>
             <a:off x="272561" y="835168"/>
-            <a:ext cx="3833446" cy="1938992"/>
+            <a:ext cx="3833446" cy="2246769"/>
           </a:xfrm>
           <a:prstGeom prst="rect">
             <a:avLst/>
@@ -6412,13 +6434,13 @@
           <a:lstStyle/>
           <a:p>
             <a:r>
-              <a:rPr kumimoji="1" lang="ja-JP" altLang="en-US" sz="2400" dirty="0" smtClean="0">
+              <a:rPr kumimoji="1" lang="ja-JP" altLang="en-US" sz="2800" dirty="0" smtClean="0">
                 <a:latin typeface="HGP創英ﾌﾟﾚｾﾞﾝｽEB" panose="02020800000000000000" pitchFamily="18" charset="-128"/>
                 <a:ea typeface="HGP創英ﾌﾟﾚｾﾞﾝｽEB" panose="02020800000000000000" pitchFamily="18" charset="-128"/>
               </a:rPr>
               <a:t>〇キーボード</a:t>
             </a:r>
-            <a:endParaRPr kumimoji="1" lang="en-US" altLang="ja-JP" sz="2400" dirty="0" smtClean="0">
+            <a:endParaRPr kumimoji="1" lang="en-US" altLang="ja-JP" sz="2800" dirty="0" smtClean="0">
               <a:latin typeface="HGP創英ﾌﾟﾚｾﾞﾝｽEB" panose="02020800000000000000" pitchFamily="18" charset="-128"/>
               <a:ea typeface="HGP創英ﾌﾟﾚｾﾞﾝｽEB" panose="02020800000000000000" pitchFamily="18" charset="-128"/>
             </a:endParaRPr>
@@ -6426,42 +6448,42 @@
           <a:p>
             <a:pPr lvl="1"/>
             <a:r>
-              <a:rPr kumimoji="1" lang="ja-JP" altLang="en-US" sz="2400" dirty="0" smtClean="0">
+              <a:rPr kumimoji="1" lang="ja-JP" altLang="en-US" sz="2800" dirty="0" smtClean="0">
                 <a:latin typeface="HGP創英ﾌﾟﾚｾﾞﾝｽEB" panose="02020800000000000000" pitchFamily="18" charset="-128"/>
                 <a:ea typeface="HGP創英ﾌﾟﾚｾﾞﾝｽEB" panose="02020800000000000000" pitchFamily="18" charset="-128"/>
               </a:rPr>
               <a:t>移動：</a:t>
             </a:r>
             <a:r>
-              <a:rPr kumimoji="1" lang="en-US" altLang="ja-JP" sz="2400" dirty="0" smtClean="0">
+              <a:rPr kumimoji="1" lang="en-US" altLang="ja-JP" sz="2800" dirty="0" smtClean="0">
                 <a:latin typeface="HGP創英ﾌﾟﾚｾﾞﾝｽEB" panose="02020800000000000000" pitchFamily="18" charset="-128"/>
                 <a:ea typeface="HGP創英ﾌﾟﾚｾﾞﾝｽEB" panose="02020800000000000000" pitchFamily="18" charset="-128"/>
               </a:rPr>
               <a:t>AWDS</a:t>
             </a:r>
             <a:r>
-              <a:rPr kumimoji="1" lang="ja-JP" altLang="en-US" sz="2400" dirty="0" smtClean="0">
+              <a:rPr kumimoji="1" lang="ja-JP" altLang="en-US" sz="2800" dirty="0" smtClean="0">
                 <a:latin typeface="HGP創英ﾌﾟﾚｾﾞﾝｽEB" panose="02020800000000000000" pitchFamily="18" charset="-128"/>
                 <a:ea typeface="HGP創英ﾌﾟﾚｾﾞﾝｽEB" panose="02020800000000000000" pitchFamily="18" charset="-128"/>
               </a:rPr>
               <a:t>キー</a:t>
             </a:r>
             <a:r>
-              <a:rPr kumimoji="1" lang="en-US" altLang="ja-JP" sz="2400" dirty="0" smtClean="0">
+              <a:rPr kumimoji="1" lang="en-US" altLang="ja-JP" sz="2800" dirty="0" smtClean="0">
                 <a:latin typeface="HGP創英ﾌﾟﾚｾﾞﾝｽEB" panose="02020800000000000000" pitchFamily="18" charset="-128"/>
                 <a:ea typeface="HGP創英ﾌﾟﾚｾﾞﾝｽEB" panose="02020800000000000000" pitchFamily="18" charset="-128"/>
               </a:rPr>
               <a:t>(</a:t>
             </a:r>
             <a:r>
-              <a:rPr kumimoji="1" lang="ja-JP" altLang="en-US" sz="2400" dirty="0" smtClean="0">
+              <a:rPr kumimoji="1" lang="ja-JP" altLang="en-US" sz="2800" dirty="0" smtClean="0">
                 <a:latin typeface="HGP創英ﾌﾟﾚｾﾞﾝｽEB" panose="02020800000000000000" pitchFamily="18" charset="-128"/>
                 <a:ea typeface="HGP創英ﾌﾟﾚｾﾞﾝｽEB" panose="02020800000000000000" pitchFamily="18" charset="-128"/>
               </a:rPr>
               <a:t>十字キー</a:t>
             </a:r>
             <a:r>
-              <a:rPr kumimoji="1" lang="en-US" altLang="ja-JP" sz="2400" dirty="0" smtClean="0">
+              <a:rPr kumimoji="1" lang="en-US" altLang="ja-JP" sz="2800" dirty="0" smtClean="0">
                 <a:latin typeface="HGP創英ﾌﾟﾚｾﾞﾝｽEB" panose="02020800000000000000" pitchFamily="18" charset="-128"/>
                 <a:ea typeface="HGP創英ﾌﾟﾚｾﾞﾝｽEB" panose="02020800000000000000" pitchFamily="18" charset="-128"/>
               </a:rPr>
@@ -6471,13 +6493,13 @@
           <a:p>
             <a:pPr lvl="1"/>
             <a:r>
-              <a:rPr lang="ja-JP" altLang="en-US" sz="2400" dirty="0" smtClean="0">
+              <a:rPr lang="ja-JP" altLang="en-US" sz="2800" dirty="0" smtClean="0">
                 <a:latin typeface="HGP創英ﾌﾟﾚｾﾞﾝｽEB" panose="02020800000000000000" pitchFamily="18" charset="-128"/>
                 <a:ea typeface="HGP創英ﾌﾟﾚｾﾞﾝｽEB" panose="02020800000000000000" pitchFamily="18" charset="-128"/>
               </a:rPr>
               <a:t>方向転換：マウス</a:t>
             </a:r>
-            <a:endParaRPr lang="en-US" altLang="ja-JP" sz="2400" dirty="0" smtClean="0">
+            <a:endParaRPr lang="en-US" altLang="ja-JP" sz="2800" dirty="0" smtClean="0">
               <a:latin typeface="HGP創英ﾌﾟﾚｾﾞﾝｽEB" panose="02020800000000000000" pitchFamily="18" charset="-128"/>
               <a:ea typeface="HGP創英ﾌﾟﾚｾﾞﾝｽEB" panose="02020800000000000000" pitchFamily="18" charset="-128"/>
             </a:endParaRPr>
@@ -6485,27 +6507,27 @@
           <a:p>
             <a:pPr lvl="1"/>
             <a:r>
-              <a:rPr kumimoji="1" lang="ja-JP" altLang="en-US" sz="2400" dirty="0" smtClean="0">
+              <a:rPr kumimoji="1" lang="ja-JP" altLang="en-US" sz="2800" dirty="0" smtClean="0">
                 <a:latin typeface="HGP創英ﾌﾟﾚｾﾞﾝｽEB" panose="02020800000000000000" pitchFamily="18" charset="-128"/>
                 <a:ea typeface="HGP創英ﾌﾟﾚｾﾞﾝｽEB" panose="02020800000000000000" pitchFamily="18" charset="-128"/>
               </a:rPr>
               <a:t>ジャンプ：</a:t>
             </a:r>
             <a:r>
-              <a:rPr kumimoji="1" lang="en-US" altLang="ja-JP" sz="2400" dirty="0" smtClean="0">
+              <a:rPr kumimoji="1" lang="en-US" altLang="ja-JP" sz="2800" dirty="0" smtClean="0">
                 <a:latin typeface="HGP創英ﾌﾟﾚｾﾞﾝｽEB" panose="02020800000000000000" pitchFamily="18" charset="-128"/>
                 <a:ea typeface="HGP創英ﾌﾟﾚｾﾞﾝｽEB" panose="02020800000000000000" pitchFamily="18" charset="-128"/>
               </a:rPr>
               <a:t>SPACE</a:t>
             </a:r>
             <a:r>
-              <a:rPr kumimoji="1" lang="ja-JP" altLang="en-US" sz="2400" dirty="0" smtClean="0">
+              <a:rPr kumimoji="1" lang="ja-JP" altLang="en-US" sz="2800" dirty="0" smtClean="0">
                 <a:latin typeface="HGP創英ﾌﾟﾚｾﾞﾝｽEB" panose="02020800000000000000" pitchFamily="18" charset="-128"/>
                 <a:ea typeface="HGP創英ﾌﾟﾚｾﾞﾝｽEB" panose="02020800000000000000" pitchFamily="18" charset="-128"/>
               </a:rPr>
               <a:t>キー</a:t>
             </a:r>
-            <a:endParaRPr kumimoji="1" lang="en-US" altLang="ja-JP" sz="2400" dirty="0" smtClean="0">
+            <a:endParaRPr kumimoji="1" lang="en-US" altLang="ja-JP" sz="2800" dirty="0" smtClean="0">
               <a:latin typeface="HGP創英ﾌﾟﾚｾﾞﾝｽEB" panose="02020800000000000000" pitchFamily="18" charset="-128"/>
               <a:ea typeface="HGP創英ﾌﾟﾚｾﾞﾝｽEB" panose="02020800000000000000" pitchFamily="18" charset="-128"/>
             </a:endParaRPr>
@@ -6520,8 +6542,8 @@
         </p:nvSpPr>
         <p:spPr>
           <a:xfrm>
-            <a:off x="395653" y="2875085"/>
-            <a:ext cx="4484077" cy="2123658"/>
+            <a:off x="344450" y="3386073"/>
+            <a:ext cx="4484077" cy="2369880"/>
           </a:xfrm>
           <a:prstGeom prst="rect">
             <a:avLst/>
@@ -6535,41 +6557,41 @@
           <a:lstStyle/>
           <a:p>
             <a:r>
-              <a:rPr kumimoji="1" lang="ja-JP" altLang="en-US" sz="2400" dirty="0" smtClean="0">
+              <a:rPr kumimoji="1" lang="ja-JP" altLang="en-US" sz="2800" dirty="0" smtClean="0">
                 <a:latin typeface="HGP創英ﾌﾟﾚｾﾞﾝｽEB" panose="02020800000000000000" pitchFamily="18" charset="-128"/>
                 <a:ea typeface="HGP創英ﾌﾟﾚｾﾞﾝｽEB" panose="02020800000000000000" pitchFamily="18" charset="-128"/>
               </a:rPr>
               <a:t>〇ゲームパッド</a:t>
             </a:r>
-            <a:endParaRPr kumimoji="1" lang="en-US" altLang="ja-JP" sz="2400" dirty="0" smtClean="0">
+            <a:endParaRPr kumimoji="1" lang="en-US" altLang="ja-JP" sz="2800" dirty="0" smtClean="0">
               <a:latin typeface="HGP創英ﾌﾟﾚｾﾞﾝｽEB" panose="02020800000000000000" pitchFamily="18" charset="-128"/>
               <a:ea typeface="HGP創英ﾌﾟﾚｾﾞﾝｽEB" panose="02020800000000000000" pitchFamily="18" charset="-128"/>
             </a:endParaRPr>
           </a:p>
           <a:p>
             <a:r>
-              <a:rPr lang="ja-JP" altLang="en-US" sz="2400" dirty="0" smtClean="0">
+              <a:rPr lang="ja-JP" altLang="en-US" sz="2800" dirty="0" smtClean="0">
                 <a:latin typeface="HGP創英ﾌﾟﾚｾﾞﾝｽEB" panose="02020800000000000000" pitchFamily="18" charset="-128"/>
                 <a:ea typeface="HGP創英ﾌﾟﾚｾﾞﾝｽEB" panose="02020800000000000000" pitchFamily="18" charset="-128"/>
               </a:rPr>
               <a:t>移動：左スティック</a:t>
             </a:r>
             <a:r>
-              <a:rPr lang="en-US" altLang="ja-JP" sz="2400" dirty="0" smtClean="0">
+              <a:rPr lang="en-US" altLang="ja-JP" sz="2800" dirty="0" smtClean="0">
                 <a:latin typeface="HGP創英ﾌﾟﾚｾﾞﾝｽEB" panose="02020800000000000000" pitchFamily="18" charset="-128"/>
                 <a:ea typeface="HGP創英ﾌﾟﾚｾﾞﾝｽEB" panose="02020800000000000000" pitchFamily="18" charset="-128"/>
               </a:rPr>
               <a:t>(</a:t>
             </a:r>
             <a:r>
-              <a:rPr lang="ja-JP" altLang="en-US" sz="2400" dirty="0" smtClean="0">
+              <a:rPr lang="ja-JP" altLang="en-US" sz="2800" dirty="0" smtClean="0">
                 <a:latin typeface="HGP創英ﾌﾟﾚｾﾞﾝｽEB" panose="02020800000000000000" pitchFamily="18" charset="-128"/>
                 <a:ea typeface="HGP創英ﾌﾟﾚｾﾞﾝｽEB" panose="02020800000000000000" pitchFamily="18" charset="-128"/>
               </a:rPr>
               <a:t>十字キー</a:t>
             </a:r>
             <a:r>
-              <a:rPr lang="en-US" altLang="ja-JP" sz="2400" dirty="0" smtClean="0">
+              <a:rPr lang="en-US" altLang="ja-JP" sz="2800" dirty="0" smtClean="0">
                 <a:latin typeface="HGP創英ﾌﾟﾚｾﾞﾝｽEB" panose="02020800000000000000" pitchFamily="18" charset="-128"/>
                 <a:ea typeface="HGP創英ﾌﾟﾚｾﾞﾝｽEB" panose="02020800000000000000" pitchFamily="18" charset="-128"/>
               </a:rPr>
@@ -6578,40 +6600,40 @@
           </a:p>
           <a:p>
             <a:r>
-              <a:rPr lang="ja-JP" altLang="en-US" sz="2400" dirty="0" smtClean="0">
+              <a:rPr lang="ja-JP" altLang="en-US" sz="2800" dirty="0" smtClean="0">
                 <a:latin typeface="HGP創英ﾌﾟﾚｾﾞﾝｽEB" panose="02020800000000000000" pitchFamily="18" charset="-128"/>
                 <a:ea typeface="HGP創英ﾌﾟﾚｾﾞﾝｽEB" panose="02020800000000000000" pitchFamily="18" charset="-128"/>
               </a:rPr>
               <a:t>方向転換：右スティック</a:t>
             </a:r>
-            <a:endParaRPr lang="en-US" altLang="ja-JP" sz="2400" dirty="0" smtClean="0">
+            <a:endParaRPr lang="en-US" altLang="ja-JP" sz="2800" dirty="0" smtClean="0">
               <a:latin typeface="HGP創英ﾌﾟﾚｾﾞﾝｽEB" panose="02020800000000000000" pitchFamily="18" charset="-128"/>
               <a:ea typeface="HGP創英ﾌﾟﾚｾﾞﾝｽEB" panose="02020800000000000000" pitchFamily="18" charset="-128"/>
             </a:endParaRPr>
           </a:p>
           <a:p>
             <a:r>
-              <a:rPr lang="ja-JP" altLang="en-US" sz="2400" dirty="0" smtClean="0">
+              <a:rPr lang="ja-JP" altLang="en-US" sz="2800" dirty="0" smtClean="0">
                 <a:latin typeface="HGP創英ﾌﾟﾚｾﾞﾝｽEB" panose="02020800000000000000" pitchFamily="18" charset="-128"/>
                 <a:ea typeface="HGP創英ﾌﾟﾚｾﾞﾝｽEB" panose="02020800000000000000" pitchFamily="18" charset="-128"/>
               </a:rPr>
               <a:t>ジャンプ：</a:t>
             </a:r>
             <a:r>
-              <a:rPr lang="en-US" altLang="ja-JP" sz="2400" dirty="0" smtClean="0">
+              <a:rPr lang="en-US" altLang="ja-JP" sz="2800" dirty="0" smtClean="0">
                 <a:latin typeface="HGP創英ﾌﾟﾚｾﾞﾝｽEB" panose="02020800000000000000" pitchFamily="18" charset="-128"/>
                 <a:ea typeface="HGP創英ﾌﾟﾚｾﾞﾝｽEB" panose="02020800000000000000" pitchFamily="18" charset="-128"/>
               </a:rPr>
               <a:t>B</a:t>
             </a:r>
             <a:r>
-              <a:rPr lang="ja-JP" altLang="en-US" sz="2400" dirty="0" smtClean="0">
+              <a:rPr lang="ja-JP" altLang="en-US" sz="2800" dirty="0" smtClean="0">
                 <a:latin typeface="HGP創英ﾌﾟﾚｾﾞﾝｽEB" panose="02020800000000000000" pitchFamily="18" charset="-128"/>
                 <a:ea typeface="HGP創英ﾌﾟﾚｾﾞﾝｽEB" panose="02020800000000000000" pitchFamily="18" charset="-128"/>
               </a:rPr>
               <a:t>キー</a:t>
             </a:r>
-            <a:endParaRPr lang="en-US" altLang="ja-JP" sz="2400" dirty="0" smtClean="0">
+            <a:endParaRPr lang="en-US" altLang="ja-JP" sz="2800" dirty="0" smtClean="0">
               <a:latin typeface="HGP創英ﾌﾟﾚｾﾞﾝｽEB" panose="02020800000000000000" pitchFamily="18" charset="-128"/>
               <a:ea typeface="HGP創英ﾌﾟﾚｾﾞﾝｽEB" panose="02020800000000000000" pitchFamily="18" charset="-128"/>
             </a:endParaRPr>
@@ -6663,6 +6685,206 @@
       </p:grpSpPr>
       <p:sp>
         <p:nvSpPr>
+          <p:cNvPr id="2" name="タイトル 1"/>
+          <p:cNvSpPr>
+            <a:spLocks noGrp="1"/>
+          </p:cNvSpPr>
+          <p:nvPr>
+            <p:ph type="title"/>
+          </p:nvPr>
+        </p:nvSpPr>
+        <p:spPr>
+          <a:xfrm>
+            <a:off x="106972" y="138954"/>
+            <a:ext cx="2784146" cy="802341"/>
+          </a:xfrm>
+        </p:spPr>
+        <p:txBody>
+          <a:bodyPr>
+            <a:normAutofit/>
+          </a:bodyPr>
+          <a:lstStyle/>
+          <a:p>
+            <a:r>
+              <a:rPr lang="ja-JP" altLang="en-US" sz="3200" dirty="0" smtClean="0">
+                <a:latin typeface="HGS創英ﾌﾟﾚｾﾞﾝｽEB" panose="02020800000000000000" pitchFamily="18" charset="-128"/>
+                <a:ea typeface="HGS創英ﾌﾟﾚｾﾞﾝｽEB" panose="02020800000000000000" pitchFamily="18" charset="-128"/>
+              </a:rPr>
+              <a:t>進捗状況</a:t>
+            </a:r>
+            <a:endParaRPr kumimoji="1" lang="ja-JP" altLang="en-US" sz="3200" dirty="0">
+              <a:solidFill>
+                <a:srgbClr val="FF0000"/>
+              </a:solidFill>
+              <a:latin typeface="HGS創英ﾌﾟﾚｾﾞﾝｽEB" panose="02020800000000000000" pitchFamily="18" charset="-128"/>
+              <a:ea typeface="HGS創英ﾌﾟﾚｾﾞﾝｽEB" panose="02020800000000000000" pitchFamily="18" charset="-128"/>
+            </a:endParaRPr>
+          </a:p>
+        </p:txBody>
+      </p:sp>
+      <p:sp>
+        <p:nvSpPr>
+          <p:cNvPr id="3" name="コンテンツ プレースホルダー 2"/>
+          <p:cNvSpPr>
+            <a:spLocks noGrp="1"/>
+          </p:cNvSpPr>
+          <p:nvPr>
+            <p:ph idx="1"/>
+          </p:nvPr>
+        </p:nvSpPr>
+        <p:spPr/>
+        <p:txBody>
+          <a:bodyPr>
+            <a:normAutofit/>
+          </a:bodyPr>
+          <a:lstStyle/>
+          <a:p>
+            <a:endParaRPr kumimoji="1" lang="ja-JP" altLang="en-US" sz="5400" dirty="0">
+              <a:solidFill>
+                <a:srgbClr val="FF0000"/>
+              </a:solidFill>
+              <a:latin typeface="HGS創英ﾌﾟﾚｾﾞﾝｽEB" panose="02020800000000000000" pitchFamily="18" charset="-128"/>
+              <a:ea typeface="HGS創英ﾌﾟﾚｾﾞﾝｽEB" panose="02020800000000000000" pitchFamily="18" charset="-128"/>
+            </a:endParaRPr>
+          </a:p>
+        </p:txBody>
+      </p:sp>
+    </p:spTree>
+    <p:extLst>
+      <p:ext uri="{BB962C8B-B14F-4D97-AF65-F5344CB8AC3E}">
+        <p14:creationId xmlns:p14="http://schemas.microsoft.com/office/powerpoint/2010/main" val="4219232355"/>
+      </p:ext>
+    </p:extLst>
+  </p:cSld>
+  <p:clrMapOvr>
+    <a:masterClrMapping/>
+  </p:clrMapOvr>
+  <p:timing>
+    <p:tnLst>
+      <p:par>
+        <p:cTn id="1" dur="indefinite" restart="never" nodeType="tmRoot"/>
+      </p:par>
+    </p:tnLst>
+  </p:timing>
+</p:sld>
+</file>
+
+<file path=ppt/slides/slide5.xml><?xml version="1.0" encoding="utf-8"?>
+<p:sld xmlns:a="http://schemas.openxmlformats.org/drawingml/2006/main" xmlns:r="http://schemas.openxmlformats.org/officeDocument/2006/relationships" xmlns:p="http://schemas.openxmlformats.org/presentationml/2006/main">
+  <p:cSld>
+    <p:spTree>
+      <p:nvGrpSpPr>
+        <p:cNvPr id="1" name=""/>
+        <p:cNvGrpSpPr/>
+        <p:nvPr/>
+      </p:nvGrpSpPr>
+      <p:grpSpPr>
+        <a:xfrm>
+          <a:off x="0" y="0"/>
+          <a:ext cx="0" cy="0"/>
+          <a:chOff x="0" y="0"/>
+          <a:chExt cx="0" cy="0"/>
+        </a:xfrm>
+      </p:grpSpPr>
+      <p:sp>
+        <p:nvSpPr>
+          <p:cNvPr id="2" name="タイトル 1"/>
+          <p:cNvSpPr>
+            <a:spLocks noGrp="1"/>
+          </p:cNvSpPr>
+          <p:nvPr>
+            <p:ph type="title"/>
+          </p:nvPr>
+        </p:nvSpPr>
+        <p:spPr>
+          <a:xfrm>
+            <a:off x="523832" y="206188"/>
+            <a:ext cx="3765781" cy="829235"/>
+          </a:xfrm>
+        </p:spPr>
+        <p:txBody>
+          <a:bodyPr>
+            <a:normAutofit/>
+          </a:bodyPr>
+          <a:lstStyle/>
+          <a:p>
+            <a:r>
+              <a:rPr kumimoji="1" lang="ja-JP" altLang="en-US" sz="3200" dirty="0" smtClean="0">
+                <a:latin typeface="HGS創英ﾌﾟﾚｾﾞﾝｽEB" panose="02020800000000000000" pitchFamily="18" charset="-128"/>
+                <a:ea typeface="HGS創英ﾌﾟﾚｾﾞﾝｽEB" panose="02020800000000000000" pitchFamily="18" charset="-128"/>
+              </a:rPr>
+              <a:t>完成イメージ</a:t>
+            </a:r>
+            <a:endParaRPr kumimoji="1" lang="ja-JP" altLang="en-US" sz="3200" dirty="0">
+              <a:latin typeface="HGS創英ﾌﾟﾚｾﾞﾝｽEB" panose="02020800000000000000" pitchFamily="18" charset="-128"/>
+              <a:ea typeface="HGS創英ﾌﾟﾚｾﾞﾝｽEB" panose="02020800000000000000" pitchFamily="18" charset="-128"/>
+            </a:endParaRPr>
+          </a:p>
+        </p:txBody>
+      </p:sp>
+      <p:sp>
+        <p:nvSpPr>
+          <p:cNvPr id="3" name="コンテンツ プレースホルダー 2"/>
+          <p:cNvSpPr>
+            <a:spLocks noGrp="1"/>
+          </p:cNvSpPr>
+          <p:nvPr>
+            <p:ph idx="1"/>
+          </p:nvPr>
+        </p:nvSpPr>
+        <p:spPr>
+          <a:xfrm>
+            <a:off x="765878" y="1423711"/>
+            <a:ext cx="10353762" cy="3695136"/>
+          </a:xfrm>
+        </p:spPr>
+        <p:txBody>
+          <a:bodyPr/>
+          <a:lstStyle/>
+          <a:p>
+            <a:endParaRPr kumimoji="1" lang="ja-JP" altLang="en-US" dirty="0"/>
+          </a:p>
+        </p:txBody>
+      </p:sp>
+    </p:spTree>
+    <p:extLst>
+      <p:ext uri="{BB962C8B-B14F-4D97-AF65-F5344CB8AC3E}">
+        <p14:creationId xmlns:p14="http://schemas.microsoft.com/office/powerpoint/2010/main" val="1646188317"/>
+      </p:ext>
+    </p:extLst>
+  </p:cSld>
+  <p:clrMapOvr>
+    <a:masterClrMapping/>
+  </p:clrMapOvr>
+  <p:timing>
+    <p:tnLst>
+      <p:par>
+        <p:cTn id="1" dur="indefinite" restart="never" nodeType="tmRoot"/>
+      </p:par>
+    </p:tnLst>
+  </p:timing>
+</p:sld>
+</file>
+
+<file path=ppt/slides/slide6.xml><?xml version="1.0" encoding="utf-8"?>
+<p:sld xmlns:a="http://schemas.openxmlformats.org/drawingml/2006/main" xmlns:r="http://schemas.openxmlformats.org/officeDocument/2006/relationships" xmlns:p="http://schemas.openxmlformats.org/presentationml/2006/main">
+  <p:cSld>
+    <p:spTree>
+      <p:nvGrpSpPr>
+        <p:cNvPr id="1" name=""/>
+        <p:cNvGrpSpPr/>
+        <p:nvPr/>
+      </p:nvGrpSpPr>
+      <p:grpSpPr>
+        <a:xfrm>
+          <a:off x="0" y="0"/>
+          <a:ext cx="0" cy="0"/>
+          <a:chOff x="0" y="0"/>
+          <a:chExt cx="0" cy="0"/>
+        </a:xfrm>
+      </p:grpSpPr>
+      <p:sp>
+        <p:nvSpPr>
           <p:cNvPr id="4" name="テキスト ボックス 3"/>
           <p:cNvSpPr txBox="1"/>
           <p:nvPr/>
@@ -6706,7 +6928,7 @@
         <p:spPr>
           <a:xfrm>
             <a:off x="317500" y="965200"/>
-            <a:ext cx="6299200" cy="1200329"/>
+            <a:ext cx="6299200" cy="1815882"/>
           </a:xfrm>
           <a:prstGeom prst="rect">
             <a:avLst/>
@@ -6720,58 +6942,97 @@
           <a:lstStyle/>
           <a:p>
             <a:r>
-              <a:rPr kumimoji="1" lang="ja-JP" altLang="en-US" sz="2400" dirty="0" smtClean="0"/>
+              <a:rPr kumimoji="1" lang="ja-JP" altLang="en-US" sz="2800" dirty="0" smtClean="0">
+                <a:latin typeface="HGS創英ﾌﾟﾚｾﾞﾝｽEB" panose="02020800000000000000" pitchFamily="18" charset="-128"/>
+                <a:ea typeface="HGS創英ﾌﾟﾚｾﾞﾝｽEB" panose="02020800000000000000" pitchFamily="18" charset="-128"/>
+              </a:rPr>
               <a:t>使用エンジン：</a:t>
             </a:r>
             <a:r>
-              <a:rPr kumimoji="1" lang="en-US" altLang="ja-JP" sz="2400" dirty="0" smtClean="0"/>
+              <a:rPr kumimoji="1" lang="en-US" altLang="ja-JP" sz="2800" dirty="0" smtClean="0">
+                <a:latin typeface="HGS創英ﾌﾟﾚｾﾞﾝｽEB" panose="02020800000000000000" pitchFamily="18" charset="-128"/>
+                <a:ea typeface="HGS創英ﾌﾟﾚｾﾞﾝｽEB" panose="02020800000000000000" pitchFamily="18" charset="-128"/>
+              </a:rPr>
               <a:t>UnrealEngine4</a:t>
             </a:r>
           </a:p>
           <a:p>
             <a:r>
-              <a:rPr kumimoji="1" lang="ja-JP" altLang="en-US" sz="2400" dirty="0" smtClean="0"/>
+              <a:rPr kumimoji="1" lang="ja-JP" altLang="en-US" sz="2800" dirty="0" smtClean="0">
+                <a:latin typeface="HGS創英ﾌﾟﾚｾﾞﾝｽEB" panose="02020800000000000000" pitchFamily="18" charset="-128"/>
+                <a:ea typeface="HGS創英ﾌﾟﾚｾﾞﾝｽEB" panose="02020800000000000000" pitchFamily="18" charset="-128"/>
+              </a:rPr>
               <a:t>担当箇所：馬場</a:t>
             </a:r>
             <a:r>
-              <a:rPr kumimoji="1" lang="en-US" altLang="ja-JP" sz="2400" dirty="0" smtClean="0"/>
+              <a:rPr kumimoji="1" lang="en-US" altLang="ja-JP" sz="2800" dirty="0" smtClean="0">
+                <a:latin typeface="HGS創英ﾌﾟﾚｾﾞﾝｽEB" panose="02020800000000000000" pitchFamily="18" charset="-128"/>
+                <a:ea typeface="HGS創英ﾌﾟﾚｾﾞﾝｽEB" panose="02020800000000000000" pitchFamily="18" charset="-128"/>
+              </a:rPr>
               <a:t>(</a:t>
             </a:r>
             <a:r>
-              <a:rPr kumimoji="1" lang="ja-JP" altLang="en-US" sz="2400" dirty="0" smtClean="0"/>
+              <a:rPr kumimoji="1" lang="ja-JP" altLang="en-US" sz="2800" dirty="0" smtClean="0">
+                <a:latin typeface="HGS創英ﾌﾟﾚｾﾞﾝｽEB" panose="02020800000000000000" pitchFamily="18" charset="-128"/>
+                <a:ea typeface="HGS創英ﾌﾟﾚｾﾞﾝｽEB" panose="02020800000000000000" pitchFamily="18" charset="-128"/>
+              </a:rPr>
               <a:t>企画、キャラクター作成</a:t>
             </a:r>
             <a:r>
-              <a:rPr kumimoji="1" lang="en-US" altLang="ja-JP" sz="2400" dirty="0" smtClean="0"/>
+              <a:rPr kumimoji="1" lang="en-US" altLang="ja-JP" sz="2800" dirty="0" smtClean="0">
+                <a:latin typeface="HGS創英ﾌﾟﾚｾﾞﾝｽEB" panose="02020800000000000000" pitchFamily="18" charset="-128"/>
+                <a:ea typeface="HGS創英ﾌﾟﾚｾﾞﾝｽEB" panose="02020800000000000000" pitchFamily="18" charset="-128"/>
+              </a:rPr>
               <a:t>)</a:t>
             </a:r>
           </a:p>
           <a:p>
             <a:r>
-              <a:rPr kumimoji="1" lang="en-US" altLang="ja-JP" sz="2400" dirty="0"/>
+              <a:rPr kumimoji="1" lang="en-US" altLang="ja-JP" sz="2800" dirty="0">
+                <a:latin typeface="HGS創英ﾌﾟﾚｾﾞﾝｽEB" panose="02020800000000000000" pitchFamily="18" charset="-128"/>
+                <a:ea typeface="HGS創英ﾌﾟﾚｾﾞﾝｽEB" panose="02020800000000000000" pitchFamily="18" charset="-128"/>
+              </a:rPr>
               <a:t>	</a:t>
             </a:r>
             <a:r>
-              <a:rPr kumimoji="1" lang="en-US" altLang="ja-JP" sz="2400" dirty="0" smtClean="0"/>
+              <a:rPr kumimoji="1" lang="en-US" altLang="ja-JP" sz="2800" dirty="0" smtClean="0">
+                <a:latin typeface="HGS創英ﾌﾟﾚｾﾞﾝｽEB" panose="02020800000000000000" pitchFamily="18" charset="-128"/>
+                <a:ea typeface="HGS創英ﾌﾟﾚｾﾞﾝｽEB" panose="02020800000000000000" pitchFamily="18" charset="-128"/>
+              </a:rPr>
               <a:t>		</a:t>
             </a:r>
             <a:r>
-              <a:rPr kumimoji="1" lang="ja-JP" altLang="en-US" sz="2400" dirty="0" smtClean="0"/>
+              <a:rPr kumimoji="1" lang="ja-JP" altLang="en-US" sz="2800" dirty="0" smtClean="0">
+                <a:latin typeface="HGS創英ﾌﾟﾚｾﾞﾝｽEB" panose="02020800000000000000" pitchFamily="18" charset="-128"/>
+                <a:ea typeface="HGS創英ﾌﾟﾚｾﾞﾝｽEB" panose="02020800000000000000" pitchFamily="18" charset="-128"/>
+              </a:rPr>
               <a:t>吉住</a:t>
             </a:r>
             <a:r>
-              <a:rPr kumimoji="1" lang="en-US" altLang="ja-JP" sz="2400" dirty="0" smtClean="0"/>
+              <a:rPr kumimoji="1" lang="en-US" altLang="ja-JP" sz="2800" dirty="0" smtClean="0">
+                <a:latin typeface="HGS創英ﾌﾟﾚｾﾞﾝｽEB" panose="02020800000000000000" pitchFamily="18" charset="-128"/>
+                <a:ea typeface="HGS創英ﾌﾟﾚｾﾞﾝｽEB" panose="02020800000000000000" pitchFamily="18" charset="-128"/>
+              </a:rPr>
               <a:t>(</a:t>
             </a:r>
             <a:r>
-              <a:rPr kumimoji="1" lang="ja-JP" altLang="en-US" sz="2400" dirty="0" smtClean="0"/>
+              <a:rPr kumimoji="1" lang="ja-JP" altLang="en-US" sz="2800" dirty="0" smtClean="0">
+                <a:latin typeface="HGS創英ﾌﾟﾚｾﾞﾝｽEB" panose="02020800000000000000" pitchFamily="18" charset="-128"/>
+                <a:ea typeface="HGS創英ﾌﾟﾚｾﾞﾝｽEB" panose="02020800000000000000" pitchFamily="18" charset="-128"/>
+              </a:rPr>
               <a:t>企画、マップ作成</a:t>
             </a:r>
             <a:r>
-              <a:rPr kumimoji="1" lang="en-US" altLang="ja-JP" sz="2400" dirty="0" smtClean="0"/>
+              <a:rPr kumimoji="1" lang="en-US" altLang="ja-JP" sz="2800" dirty="0" smtClean="0">
+                <a:latin typeface="HGS創英ﾌﾟﾚｾﾞﾝｽEB" panose="02020800000000000000" pitchFamily="18" charset="-128"/>
+                <a:ea typeface="HGS創英ﾌﾟﾚｾﾞﾝｽEB" panose="02020800000000000000" pitchFamily="18" charset="-128"/>
+              </a:rPr>
               <a:t>)</a:t>
             </a:r>
-            <a:endParaRPr kumimoji="1" lang="ja-JP" altLang="en-US" sz="2400" dirty="0"/>
+            <a:endParaRPr kumimoji="1" lang="ja-JP" altLang="en-US" sz="2800" dirty="0">
+              <a:latin typeface="HGS創英ﾌﾟﾚｾﾞﾝｽEB" panose="02020800000000000000" pitchFamily="18" charset="-128"/>
+              <a:ea typeface="HGS創英ﾌﾟﾚｾﾞﾝｽEB" panose="02020800000000000000" pitchFamily="18" charset="-128"/>
+            </a:endParaRPr>
           </a:p>
         </p:txBody>
       </p:sp>

--- a/GFF提出作品プレゼン.pptx
+++ b/GFF提出作品プレゼン.pptx
@@ -250,7 +250,7 @@
           <a:p>
             <a:fld id="{35AA80D5-8410-4C48-99E3-6682EC04A757}" type="datetimeFigureOut">
               <a:rPr kumimoji="1" lang="ja-JP" altLang="en-US" smtClean="0"/>
-              <a:t>2019/11/22</a:t>
+              <a:t>2019/11/25</a:t>
             </a:fld>
             <a:endParaRPr kumimoji="1" lang="ja-JP" altLang="en-US"/>
           </a:p>
@@ -537,7 +537,7 @@
           <a:p>
             <a:fld id="{35AA80D5-8410-4C48-99E3-6682EC04A757}" type="datetimeFigureOut">
               <a:rPr kumimoji="1" lang="ja-JP" altLang="en-US" smtClean="0"/>
-              <a:t>2019/11/22</a:t>
+              <a:t>2019/11/25</a:t>
             </a:fld>
             <a:endParaRPr kumimoji="1" lang="ja-JP" altLang="en-US"/>
           </a:p>
@@ -729,7 +729,7 @@
           <a:p>
             <a:fld id="{35AA80D5-8410-4C48-99E3-6682EC04A757}" type="datetimeFigureOut">
               <a:rPr kumimoji="1" lang="ja-JP" altLang="en-US" smtClean="0"/>
-              <a:t>2019/11/22</a:t>
+              <a:t>2019/11/25</a:t>
             </a:fld>
             <a:endParaRPr kumimoji="1" lang="ja-JP" altLang="en-US"/>
           </a:p>
@@ -990,7 +990,7 @@
           <a:p>
             <a:fld id="{35AA80D5-8410-4C48-99E3-6682EC04A757}" type="datetimeFigureOut">
               <a:rPr kumimoji="1" lang="ja-JP" altLang="en-US" smtClean="0"/>
-              <a:t>2019/11/22</a:t>
+              <a:t>2019/11/25</a:t>
             </a:fld>
             <a:endParaRPr kumimoji="1" lang="ja-JP" altLang="en-US"/>
           </a:p>
@@ -1414,7 +1414,7 @@
           <a:p>
             <a:fld id="{35AA80D5-8410-4C48-99E3-6682EC04A757}" type="datetimeFigureOut">
               <a:rPr kumimoji="1" lang="ja-JP" altLang="en-US" smtClean="0"/>
-              <a:t>2019/11/22</a:t>
+              <a:t>2019/11/25</a:t>
             </a:fld>
             <a:endParaRPr kumimoji="1" lang="ja-JP" altLang="en-US"/>
           </a:p>
@@ -1960,7 +1960,7 @@
           <a:p>
             <a:fld id="{35AA80D5-8410-4C48-99E3-6682EC04A757}" type="datetimeFigureOut">
               <a:rPr kumimoji="1" lang="ja-JP" altLang="en-US" smtClean="0"/>
-              <a:t>2019/11/22</a:t>
+              <a:t>2019/11/25</a:t>
             </a:fld>
             <a:endParaRPr kumimoji="1" lang="ja-JP" altLang="en-US"/>
           </a:p>
@@ -2800,7 +2800,7 @@
           <a:p>
             <a:fld id="{35AA80D5-8410-4C48-99E3-6682EC04A757}" type="datetimeFigureOut">
               <a:rPr kumimoji="1" lang="ja-JP" altLang="en-US" smtClean="0"/>
-              <a:t>2019/11/22</a:t>
+              <a:t>2019/11/25</a:t>
             </a:fld>
             <a:endParaRPr kumimoji="1" lang="ja-JP" altLang="en-US"/>
           </a:p>
@@ -3002,7 +3002,7 @@
           <a:p>
             <a:fld id="{35AA80D5-8410-4C48-99E3-6682EC04A757}" type="datetimeFigureOut">
               <a:rPr kumimoji="1" lang="ja-JP" altLang="en-US" smtClean="0"/>
-              <a:t>2019/11/22</a:t>
+              <a:t>2019/11/25</a:t>
             </a:fld>
             <a:endParaRPr kumimoji="1" lang="ja-JP" altLang="en-US"/>
           </a:p>
@@ -3218,7 +3218,7 @@
           <a:p>
             <a:fld id="{35AA80D5-8410-4C48-99E3-6682EC04A757}" type="datetimeFigureOut">
               <a:rPr kumimoji="1" lang="ja-JP" altLang="en-US" smtClean="0"/>
-              <a:t>2019/11/22</a:t>
+              <a:t>2019/11/25</a:t>
             </a:fld>
             <a:endParaRPr kumimoji="1" lang="ja-JP" altLang="en-US"/>
           </a:p>
@@ -3420,7 +3420,7 @@
           <a:p>
             <a:fld id="{35AA80D5-8410-4C48-99E3-6682EC04A757}" type="datetimeFigureOut">
               <a:rPr kumimoji="1" lang="ja-JP" altLang="en-US" smtClean="0"/>
-              <a:t>2019/11/22</a:t>
+              <a:t>2019/11/25</a:t>
             </a:fld>
             <a:endParaRPr kumimoji="1" lang="ja-JP" altLang="en-US"/>
           </a:p>
@@ -3668,7 +3668,7 @@
           <a:p>
             <a:fld id="{35AA80D5-8410-4C48-99E3-6682EC04A757}" type="datetimeFigureOut">
               <a:rPr kumimoji="1" lang="ja-JP" altLang="en-US" smtClean="0"/>
-              <a:t>2019/11/22</a:t>
+              <a:t>2019/11/25</a:t>
             </a:fld>
             <a:endParaRPr kumimoji="1" lang="ja-JP" altLang="en-US"/>
           </a:p>
@@ -3969,7 +3969,7 @@
           <a:p>
             <a:fld id="{35AA80D5-8410-4C48-99E3-6682EC04A757}" type="datetimeFigureOut">
               <a:rPr kumimoji="1" lang="ja-JP" altLang="en-US" smtClean="0"/>
-              <a:t>2019/11/22</a:t>
+              <a:t>2019/11/25</a:t>
             </a:fld>
             <a:endParaRPr kumimoji="1" lang="ja-JP" altLang="en-US"/>
           </a:p>
@@ -4406,7 +4406,7 @@
           <a:p>
             <a:fld id="{35AA80D5-8410-4C48-99E3-6682EC04A757}" type="datetimeFigureOut">
               <a:rPr kumimoji="1" lang="ja-JP" altLang="en-US" smtClean="0"/>
-              <a:t>2019/11/22</a:t>
+              <a:t>2019/11/25</a:t>
             </a:fld>
             <a:endParaRPr kumimoji="1" lang="ja-JP" altLang="en-US"/>
           </a:p>
@@ -4524,7 +4524,7 @@
           <a:p>
             <a:fld id="{35AA80D5-8410-4C48-99E3-6682EC04A757}" type="datetimeFigureOut">
               <a:rPr kumimoji="1" lang="ja-JP" altLang="en-US" smtClean="0"/>
-              <a:t>2019/11/22</a:t>
+              <a:t>2019/11/25</a:t>
             </a:fld>
             <a:endParaRPr kumimoji="1" lang="ja-JP" altLang="en-US"/>
           </a:p>
@@ -4619,7 +4619,7 @@
           <a:p>
             <a:fld id="{35AA80D5-8410-4C48-99E3-6682EC04A757}" type="datetimeFigureOut">
               <a:rPr kumimoji="1" lang="ja-JP" altLang="en-US" smtClean="0"/>
-              <a:t>2019/11/22</a:t>
+              <a:t>2019/11/25</a:t>
             </a:fld>
             <a:endParaRPr kumimoji="1" lang="ja-JP" altLang="en-US"/>
           </a:p>
@@ -4902,7 +4902,7 @@
           <a:p>
             <a:fld id="{35AA80D5-8410-4C48-99E3-6682EC04A757}" type="datetimeFigureOut">
               <a:rPr kumimoji="1" lang="ja-JP" altLang="en-US" smtClean="0"/>
-              <a:t>2019/11/22</a:t>
+              <a:t>2019/11/25</a:t>
             </a:fld>
             <a:endParaRPr kumimoji="1" lang="ja-JP" altLang="en-US"/>
           </a:p>
@@ -5189,7 +5189,7 @@
           <a:p>
             <a:fld id="{35AA80D5-8410-4C48-99E3-6682EC04A757}" type="datetimeFigureOut">
               <a:rPr kumimoji="1" lang="ja-JP" altLang="en-US" smtClean="0"/>
-              <a:t>2019/11/22</a:t>
+              <a:t>2019/11/25</a:t>
             </a:fld>
             <a:endParaRPr kumimoji="1" lang="ja-JP" altLang="en-US"/>
           </a:p>
@@ -5434,7 +5434,7 @@
           <a:p>
             <a:fld id="{35AA80D5-8410-4C48-99E3-6682EC04A757}" type="datetimeFigureOut">
               <a:rPr kumimoji="1" lang="ja-JP" altLang="en-US" smtClean="0"/>
-              <a:t>2019/11/22</a:t>
+              <a:t>2019/11/25</a:t>
             </a:fld>
             <a:endParaRPr kumimoji="1" lang="ja-JP" altLang="en-US"/>
           </a:p>
@@ -6240,14 +6240,7 @@
                 <a:latin typeface="HG創英ﾌﾟﾚｾﾞﾝｽEB" panose="02020809000000000000" pitchFamily="17" charset="-128"/>
                 <a:ea typeface="HG創英ﾌﾟﾚｾﾞﾝｽEB" panose="02020809000000000000" pitchFamily="17" charset="-128"/>
               </a:rPr>
-              <a:t>プレイ</a:t>
-            </a:r>
-            <a:r>
-              <a:rPr kumimoji="1" lang="ja-JP" altLang="en-US" sz="2800" dirty="0" smtClean="0">
-                <a:latin typeface="HG創英ﾌﾟﾚｾﾞﾝｽEB" panose="02020809000000000000" pitchFamily="17" charset="-128"/>
-                <a:ea typeface="HG創英ﾌﾟﾚｾﾞﾝｽEB" panose="02020809000000000000" pitchFamily="17" charset="-128"/>
-              </a:rPr>
-              <a:t>人数：２～４人</a:t>
+              <a:t>プレイ人数：２～４人</a:t>
             </a:r>
             <a:endParaRPr kumimoji="1" lang="en-US" altLang="ja-JP" sz="2800" dirty="0" smtClean="0">
               <a:latin typeface="HG創英ﾌﾟﾚｾﾞﾝｽEB" panose="02020809000000000000" pitchFamily="17" charset="-128"/>
@@ -6722,33 +6715,35 @@
           </a:p>
         </p:txBody>
       </p:sp>
-      <p:sp>
-        <p:nvSpPr>
-          <p:cNvPr id="3" name="コンテンツ プレースホルダー 2"/>
-          <p:cNvSpPr>
-            <a:spLocks noGrp="1"/>
-          </p:cNvSpPr>
+      <p:pic>
+        <p:nvPicPr>
+          <p:cNvPr id="4" name="コンテンツ プレースホルダー 3"/>
+          <p:cNvPicPr>
+            <a:picLocks noGrp="1" noChangeAspect="1"/>
+          </p:cNvPicPr>
           <p:nvPr>
             <p:ph idx="1"/>
           </p:nvPr>
-        </p:nvSpPr>
-        <p:spPr/>
-        <p:txBody>
-          <a:bodyPr>
-            <a:normAutofit/>
-          </a:bodyPr>
-          <a:lstStyle/>
-          <a:p>
-            <a:endParaRPr kumimoji="1" lang="ja-JP" altLang="en-US" sz="5400" dirty="0">
-              <a:solidFill>
-                <a:srgbClr val="FF0000"/>
-              </a:solidFill>
-              <a:latin typeface="HGS創英ﾌﾟﾚｾﾞﾝｽEB" panose="02020800000000000000" pitchFamily="18" charset="-128"/>
-              <a:ea typeface="HGS創英ﾌﾟﾚｾﾞﾝｽEB" panose="02020800000000000000" pitchFamily="18" charset="-128"/>
-            </a:endParaRPr>
-          </a:p>
-        </p:txBody>
-      </p:sp>
+        </p:nvPicPr>
+        <p:blipFill>
+          <a:blip r:embed="rId2" cstate="print">
+            <a:extLst>
+              <a:ext uri="{28A0092B-C50C-407E-A947-70E740481C1C}">
+                <a14:useLocalDpi xmlns:a14="http://schemas.microsoft.com/office/drawing/2010/main" val="0"/>
+              </a:ext>
+            </a:extLst>
+          </a:blip>
+          <a:stretch>
+            <a:fillRect/>
+          </a:stretch>
+        </p:blipFill>
+        <p:spPr>
+          <a:xfrm>
+            <a:off x="106972" y="855784"/>
+            <a:ext cx="11846913" cy="5017478"/>
+          </a:xfrm>
+        </p:spPr>
+      </p:pic>
     </p:spTree>
     <p:extLst>
       <p:ext uri="{BB962C8B-B14F-4D97-AF65-F5344CB8AC3E}">
@@ -6786,6 +6781,66 @@
           <a:chExt cx="0" cy="0"/>
         </a:xfrm>
       </p:grpSpPr>
+      <p:pic>
+        <p:nvPicPr>
+          <p:cNvPr id="13" name="図 12"/>
+          <p:cNvPicPr>
+            <a:picLocks noChangeAspect="1"/>
+          </p:cNvPicPr>
+          <p:nvPr/>
+        </p:nvPicPr>
+        <p:blipFill>
+          <a:blip r:embed="rId2">
+            <a:extLst>
+              <a:ext uri="{28A0092B-C50C-407E-A947-70E740481C1C}">
+                <a14:useLocalDpi xmlns:a14="http://schemas.microsoft.com/office/drawing/2010/main" val="0"/>
+              </a:ext>
+            </a:extLst>
+          </a:blip>
+          <a:stretch>
+            <a:fillRect/>
+          </a:stretch>
+        </p:blipFill>
+        <p:spPr>
+          <a:xfrm>
+            <a:off x="7179769" y="1784046"/>
+            <a:ext cx="4286250" cy="3676650"/>
+          </a:xfrm>
+          <a:prstGeom prst="rect">
+            <a:avLst/>
+          </a:prstGeom>
+        </p:spPr>
+      </p:pic>
+      <p:pic>
+        <p:nvPicPr>
+          <p:cNvPr id="12" name="図 11"/>
+          <p:cNvPicPr>
+            <a:picLocks noChangeAspect="1"/>
+          </p:cNvPicPr>
+          <p:nvPr/>
+        </p:nvPicPr>
+        <p:blipFill>
+          <a:blip r:embed="rId2">
+            <a:extLst>
+              <a:ext uri="{28A0092B-C50C-407E-A947-70E740481C1C}">
+                <a14:useLocalDpi xmlns:a14="http://schemas.microsoft.com/office/drawing/2010/main" val="0"/>
+              </a:ext>
+            </a:extLst>
+          </a:blip>
+          <a:stretch>
+            <a:fillRect/>
+          </a:stretch>
+        </p:blipFill>
+        <p:spPr>
+          <a:xfrm>
+            <a:off x="263597" y="1834122"/>
+            <a:ext cx="4286250" cy="3676650"/>
+          </a:xfrm>
+          <a:prstGeom prst="rect">
+            <a:avLst/>
+          </a:prstGeom>
+        </p:spPr>
+      </p:pic>
       <p:sp>
         <p:nvSpPr>
           <p:cNvPr id="2" name="タイトル 1"/>
@@ -6804,7 +6859,7 @@
         </p:spPr>
         <p:txBody>
           <a:bodyPr>
-            <a:normAutofit/>
+            <a:normAutofit fontScale="90000"/>
           </a:bodyPr>
           <a:lstStyle/>
           <a:p>
@@ -6815,6 +6870,33 @@
               </a:rPr>
               <a:t>完成イメージ</a:t>
             </a:r>
+            <a:r>
+              <a:rPr kumimoji="1" lang="en-US" altLang="ja-JP" sz="3200" dirty="0" smtClean="0">
+                <a:latin typeface="HGS創英ﾌﾟﾚｾﾞﾝｽEB" panose="02020800000000000000" pitchFamily="18" charset="-128"/>
+                <a:ea typeface="HGS創英ﾌﾟﾚｾﾞﾝｽEB" panose="02020800000000000000" pitchFamily="18" charset="-128"/>
+              </a:rPr>
+              <a:t/>
+            </a:r>
+            <a:br>
+              <a:rPr kumimoji="1" lang="en-US" altLang="ja-JP" sz="3200" dirty="0" smtClean="0">
+                <a:latin typeface="HGS創英ﾌﾟﾚｾﾞﾝｽEB" panose="02020800000000000000" pitchFamily="18" charset="-128"/>
+                <a:ea typeface="HGS創英ﾌﾟﾚｾﾞﾝｽEB" panose="02020800000000000000" pitchFamily="18" charset="-128"/>
+              </a:rPr>
+            </a:br>
+            <a:r>
+              <a:rPr lang="ja-JP" altLang="en-US" sz="3200" dirty="0" smtClean="0">
+                <a:latin typeface="HGS創英ﾌﾟﾚｾﾞﾝｽEB" panose="02020800000000000000" pitchFamily="18" charset="-128"/>
+                <a:ea typeface="HGS創英ﾌﾟﾚｾﾞﾝｽEB" panose="02020800000000000000" pitchFamily="18" charset="-128"/>
+              </a:rPr>
+              <a:t>ゲーム</a:t>
+            </a:r>
+            <a:r>
+              <a:rPr lang="ja-JP" altLang="en-US" sz="3200" dirty="0">
+                <a:latin typeface="HGS創英ﾌﾟﾚｾﾞﾝｽEB" panose="02020800000000000000" pitchFamily="18" charset="-128"/>
+                <a:ea typeface="HGS創英ﾌﾟﾚｾﾞﾝｽEB" panose="02020800000000000000" pitchFamily="18" charset="-128"/>
+              </a:rPr>
+              <a:t>プレイ</a:t>
+            </a:r>
             <a:endParaRPr kumimoji="1" lang="ja-JP" altLang="en-US" sz="3200" dirty="0">
               <a:latin typeface="HGS創英ﾌﾟﾚｾﾞﾝｽEB" panose="02020800000000000000" pitchFamily="18" charset="-128"/>
               <a:ea typeface="HGS創英ﾌﾟﾚｾﾞﾝｽEB" panose="02020800000000000000" pitchFamily="18" charset="-128"/>
@@ -6822,30 +6904,136 @@
           </a:p>
         </p:txBody>
       </p:sp>
-      <p:sp>
-        <p:nvSpPr>
-          <p:cNvPr id="3" name="コンテンツ プレースホルダー 2"/>
-          <p:cNvSpPr>
-            <a:spLocks noGrp="1"/>
-          </p:cNvSpPr>
-          <p:nvPr>
-            <p:ph idx="1"/>
-          </p:nvPr>
-        </p:nvSpPr>
+      <p:pic>
+        <p:nvPicPr>
+          <p:cNvPr id="6" name="図 5"/>
+          <p:cNvPicPr>
+            <a:picLocks noChangeAspect="1"/>
+          </p:cNvPicPr>
+          <p:nvPr/>
+        </p:nvPicPr>
+        <p:blipFill>
+          <a:blip r:embed="rId3">
+            <a:extLst>
+              <a:ext uri="{28A0092B-C50C-407E-A947-70E740481C1C}">
+                <a14:useLocalDpi xmlns:a14="http://schemas.microsoft.com/office/drawing/2010/main" val="0"/>
+              </a:ext>
+            </a:extLst>
+          </a:blip>
+          <a:stretch>
+            <a:fillRect/>
+          </a:stretch>
+        </p:blipFill>
         <p:spPr>
           <a:xfrm>
-            <a:off x="765878" y="1423711"/>
-            <a:ext cx="10353762" cy="3695136"/>
+            <a:off x="6649591" y="2607181"/>
+            <a:ext cx="3424218" cy="2853515"/>
           </a:xfrm>
+          <a:prstGeom prst="rect">
+            <a:avLst/>
+          </a:prstGeom>
         </p:spPr>
-        <p:txBody>
-          <a:bodyPr/>
-          <a:lstStyle/>
-          <a:p>
-            <a:endParaRPr kumimoji="1" lang="ja-JP" altLang="en-US" dirty="0"/>
-          </a:p>
-        </p:txBody>
-      </p:sp>
+      </p:pic>
+      <p:sp>
+        <p:nvSpPr>
+          <p:cNvPr id="7" name="右矢印 6"/>
+          <p:cNvSpPr/>
+          <p:nvPr/>
+        </p:nvSpPr>
+        <p:spPr>
+          <a:xfrm>
+            <a:off x="5069541" y="3254188"/>
+            <a:ext cx="1358153" cy="941294"/>
+          </a:xfrm>
+          <a:prstGeom prst="rightArrow">
+            <a:avLst/>
+          </a:prstGeom>
+        </p:spPr>
+        <p:style>
+          <a:lnRef idx="2">
+            <a:schemeClr val="accent1">
+              <a:shade val="50000"/>
+            </a:schemeClr>
+          </a:lnRef>
+          <a:fillRef idx="1">
+            <a:schemeClr val="accent1"/>
+          </a:fillRef>
+          <a:effectRef idx="0">
+            <a:schemeClr val="accent1"/>
+          </a:effectRef>
+          <a:fontRef idx="minor">
+            <a:schemeClr val="lt1"/>
+          </a:fontRef>
+        </p:style>
+        <p:txBody>
+          <a:bodyPr rtlCol="0" anchor="ctr"/>
+          <a:lstStyle/>
+          <a:p>
+            <a:pPr algn="ctr"/>
+            <a:endParaRPr kumimoji="1" lang="ja-JP" altLang="en-US"/>
+          </a:p>
+        </p:txBody>
+      </p:sp>
+      <p:pic>
+        <p:nvPicPr>
+          <p:cNvPr id="9" name="図 8"/>
+          <p:cNvPicPr>
+            <a:picLocks noChangeAspect="1"/>
+          </p:cNvPicPr>
+          <p:nvPr/>
+        </p:nvPicPr>
+        <p:blipFill>
+          <a:blip r:embed="rId4">
+            <a:extLst>
+              <a:ext uri="{28A0092B-C50C-407E-A947-70E740481C1C}">
+                <a14:useLocalDpi xmlns:a14="http://schemas.microsoft.com/office/drawing/2010/main" val="0"/>
+              </a:ext>
+            </a:extLst>
+          </a:blip>
+          <a:stretch>
+            <a:fillRect/>
+          </a:stretch>
+        </p:blipFill>
+        <p:spPr>
+          <a:xfrm>
+            <a:off x="1313469" y="2357157"/>
+            <a:ext cx="4286250" cy="3676650"/>
+          </a:xfrm>
+          <a:prstGeom prst="rect">
+            <a:avLst/>
+          </a:prstGeom>
+        </p:spPr>
+      </p:pic>
+      <p:pic>
+        <p:nvPicPr>
+          <p:cNvPr id="11" name="図 10"/>
+          <p:cNvPicPr>
+            <a:picLocks noChangeAspect="1"/>
+          </p:cNvPicPr>
+          <p:nvPr/>
+        </p:nvPicPr>
+        <p:blipFill>
+          <a:blip r:embed="rId5" cstate="print">
+            <a:extLst>
+              <a:ext uri="{28A0092B-C50C-407E-A947-70E740481C1C}">
+                <a14:useLocalDpi xmlns:a14="http://schemas.microsoft.com/office/drawing/2010/main" val="0"/>
+              </a:ext>
+            </a:extLst>
+          </a:blip>
+          <a:stretch>
+            <a:fillRect/>
+          </a:stretch>
+        </p:blipFill>
+        <p:spPr>
+          <a:xfrm rot="5248844">
+            <a:off x="950066" y="2881781"/>
+            <a:ext cx="3556659" cy="2133996"/>
+          </a:xfrm>
+          <a:prstGeom prst="rect">
+            <a:avLst/>
+          </a:prstGeom>
+        </p:spPr>
+      </p:pic>
     </p:spTree>
     <p:extLst>
       <p:ext uri="{BB962C8B-B14F-4D97-AF65-F5344CB8AC3E}">
